--- a/ppt/Python05-Modules.pptx
+++ b/ppt/Python05-Modules.pptx
@@ -5,10 +5,10 @@
     <p:sldMasterId id="2147483653" r:id="rId1"/>
   </p:sldMasterIdLst>
   <p:notesMasterIdLst>
-    <p:notesMasterId r:id="rId16"/>
+    <p:notesMasterId r:id="rId15"/>
   </p:notesMasterIdLst>
   <p:handoutMasterIdLst>
-    <p:handoutMasterId r:id="rId17"/>
+    <p:handoutMasterId r:id="rId16"/>
   </p:handoutMasterIdLst>
   <p:sldIdLst>
     <p:sldId id="264" r:id="rId2"/>
@@ -20,11 +20,10 @@
     <p:sldId id="270" r:id="rId8"/>
     <p:sldId id="271" r:id="rId9"/>
     <p:sldId id="272" r:id="rId10"/>
-    <p:sldId id="274" r:id="rId11"/>
-    <p:sldId id="275" r:id="rId12"/>
-    <p:sldId id="276" r:id="rId13"/>
-    <p:sldId id="277" r:id="rId14"/>
-    <p:sldId id="278" r:id="rId15"/>
+    <p:sldId id="275" r:id="rId11"/>
+    <p:sldId id="276" r:id="rId12"/>
+    <p:sldId id="277" r:id="rId13"/>
+    <p:sldId id="278" r:id="rId14"/>
   </p:sldIdLst>
   <p:sldSz cx="9144000" cy="6858000" type="screen4x3"/>
   <p:notesSz cx="6648450" cy="9782175"/>
@@ -617,35 +616,35 @@
           <a:p>
             <a:pPr lvl="0"/>
             <a:r>
-              <a:rPr lang="fr-FR" noProof="0" smtClean="0"/>
+              <a:rPr lang="fr-FR" noProof="0"/>
               <a:t>Cliquez pour modifier les styles du texte du masque</a:t>
             </a:r>
           </a:p>
           <a:p>
             <a:pPr lvl="1"/>
             <a:r>
-              <a:rPr lang="fr-FR" noProof="0" smtClean="0"/>
+              <a:rPr lang="fr-FR" noProof="0"/>
               <a:t>Deuxième niveau</a:t>
             </a:r>
           </a:p>
           <a:p>
             <a:pPr lvl="2"/>
             <a:r>
-              <a:rPr lang="fr-FR" noProof="0" smtClean="0"/>
+              <a:rPr lang="fr-FR" noProof="0"/>
               <a:t>Troisième niveau</a:t>
             </a:r>
           </a:p>
           <a:p>
             <a:pPr lvl="3"/>
             <a:r>
-              <a:rPr lang="fr-FR" noProof="0" smtClean="0"/>
+              <a:rPr lang="fr-FR" noProof="0"/>
               <a:t>Quatrième niveau</a:t>
             </a:r>
           </a:p>
           <a:p>
             <a:pPr lvl="4"/>
             <a:r>
-              <a:rPr lang="fr-FR" noProof="0" smtClean="0"/>
+              <a:rPr lang="fr-FR" noProof="0"/>
               <a:t>Cinquième niveau</a:t>
             </a:r>
           </a:p>
@@ -933,10 +932,9 @@
           <a:lstStyle/>
           <a:p>
             <a:r>
-              <a:rPr lang="fr-FR" smtClean="0"/>
+              <a:rPr lang="fr-FR"/>
               <a:t>Cliquez pour modifier le style du titre</a:t>
             </a:r>
-            <a:endParaRPr lang="fr-FR"/>
           </a:p>
         </p:txBody>
       </p:sp>
@@ -998,10 +996,9 @@
           </a:lstStyle>
           <a:p>
             <a:r>
-              <a:rPr lang="fr-FR" smtClean="0"/>
+              <a:rPr lang="fr-FR"/>
               <a:t>Cliquez pour modifier le style des sous-titres du masque</a:t>
             </a:r>
-            <a:endParaRPr lang="fr-FR"/>
           </a:p>
         </p:txBody>
       </p:sp>
@@ -1056,10 +1053,9 @@
           <a:lstStyle/>
           <a:p>
             <a:r>
-              <a:rPr lang="fr-FR" smtClean="0"/>
+              <a:rPr lang="fr-FR"/>
               <a:t>Cliquez pour modifier le style du titre</a:t>
             </a:r>
-            <a:endParaRPr lang="fr-FR"/>
           </a:p>
         </p:txBody>
       </p:sp>
@@ -1085,38 +1081,37 @@
           <a:p>
             <a:pPr lvl="0"/>
             <a:r>
-              <a:rPr lang="fr-FR" smtClean="0"/>
+              <a:rPr lang="fr-FR"/>
               <a:t>Cliquez pour modifier les styles du texte du masque</a:t>
             </a:r>
           </a:p>
           <a:p>
             <a:pPr lvl="1"/>
             <a:r>
-              <a:rPr lang="fr-FR" smtClean="0"/>
+              <a:rPr lang="fr-FR"/>
               <a:t>Deuxième niveau</a:t>
             </a:r>
           </a:p>
           <a:p>
             <a:pPr lvl="2"/>
             <a:r>
-              <a:rPr lang="fr-FR" smtClean="0"/>
+              <a:rPr lang="fr-FR"/>
               <a:t>Troisième niveau</a:t>
             </a:r>
           </a:p>
           <a:p>
             <a:pPr lvl="3"/>
             <a:r>
-              <a:rPr lang="fr-FR" smtClean="0"/>
+              <a:rPr lang="fr-FR"/>
               <a:t>Quatrième niveau</a:t>
             </a:r>
           </a:p>
           <a:p>
             <a:pPr lvl="4"/>
             <a:r>
-              <a:rPr lang="fr-FR" smtClean="0"/>
+              <a:rPr lang="fr-FR"/>
               <a:t>Cinquième niveau</a:t>
             </a:r>
-            <a:endParaRPr lang="fr-FR"/>
           </a:p>
         </p:txBody>
       </p:sp>
@@ -1175,10 +1170,9 @@
           </a:lstStyle>
           <a:p>
             <a:r>
-              <a:rPr lang="fr-FR" dirty="0" smtClean="0"/>
+              <a:rPr lang="fr-FR" dirty="0"/>
               <a:t>Cliquez pour modifier le style du titre</a:t>
             </a:r>
-            <a:endParaRPr lang="fr-FR" dirty="0"/>
           </a:p>
         </p:txBody>
       </p:sp>
@@ -1204,38 +1198,37 @@
           <a:p>
             <a:pPr lvl="0"/>
             <a:r>
-              <a:rPr lang="fr-FR" dirty="0" smtClean="0"/>
+              <a:rPr lang="fr-FR" dirty="0"/>
               <a:t>Cliquez pour modifier les styles du texte du masque</a:t>
             </a:r>
           </a:p>
           <a:p>
             <a:pPr lvl="1"/>
             <a:r>
-              <a:rPr lang="fr-FR" dirty="0" smtClean="0"/>
+              <a:rPr lang="fr-FR" dirty="0"/>
               <a:t>Deuxième niveau</a:t>
             </a:r>
           </a:p>
           <a:p>
             <a:pPr lvl="2"/>
             <a:r>
-              <a:rPr lang="fr-FR" dirty="0" smtClean="0"/>
+              <a:rPr lang="fr-FR" dirty="0"/>
               <a:t>Troisième niveau</a:t>
             </a:r>
           </a:p>
           <a:p>
             <a:pPr lvl="3"/>
             <a:r>
-              <a:rPr lang="fr-FR" dirty="0" smtClean="0"/>
+              <a:rPr lang="fr-FR" dirty="0"/>
               <a:t>Quatrième niveau</a:t>
             </a:r>
           </a:p>
           <a:p>
             <a:pPr lvl="4"/>
             <a:r>
-              <a:rPr lang="fr-FR" dirty="0" smtClean="0"/>
+              <a:rPr lang="fr-FR" dirty="0"/>
               <a:t>Cinquième niveau</a:t>
             </a:r>
-            <a:endParaRPr lang="fr-FR" dirty="0"/>
           </a:p>
         </p:txBody>
       </p:sp>
@@ -1285,10 +1278,9 @@
           <a:lstStyle/>
           <a:p>
             <a:r>
-              <a:rPr lang="fr-FR" smtClean="0"/>
+              <a:rPr lang="fr-FR"/>
               <a:t>Cliquez pour modifier le style du titre</a:t>
             </a:r>
-            <a:endParaRPr lang="fr-FR"/>
           </a:p>
         </p:txBody>
       </p:sp>
@@ -1342,38 +1334,37 @@
           <a:p>
             <a:pPr lvl="0"/>
             <a:r>
-              <a:rPr lang="fr-FR" smtClean="0"/>
+              <a:rPr lang="fr-FR"/>
               <a:t>Cliquez pour modifier les styles du texte du masque</a:t>
             </a:r>
           </a:p>
           <a:p>
             <a:pPr lvl="1"/>
             <a:r>
-              <a:rPr lang="fr-FR" smtClean="0"/>
+              <a:rPr lang="fr-FR"/>
               <a:t>Deuxième niveau</a:t>
             </a:r>
           </a:p>
           <a:p>
             <a:pPr lvl="2"/>
             <a:r>
-              <a:rPr lang="fr-FR" smtClean="0"/>
+              <a:rPr lang="fr-FR"/>
               <a:t>Troisième niveau</a:t>
             </a:r>
           </a:p>
           <a:p>
             <a:pPr lvl="3"/>
             <a:r>
-              <a:rPr lang="fr-FR" smtClean="0"/>
+              <a:rPr lang="fr-FR"/>
               <a:t>Quatrième niveau</a:t>
             </a:r>
           </a:p>
           <a:p>
             <a:pPr lvl="4"/>
             <a:r>
-              <a:rPr lang="fr-FR" smtClean="0"/>
+              <a:rPr lang="fr-FR"/>
               <a:t>Cinquième niveau</a:t>
             </a:r>
-            <a:endParaRPr lang="fr-FR"/>
           </a:p>
         </p:txBody>
       </p:sp>
@@ -1427,38 +1418,37 @@
           <a:p>
             <a:pPr lvl="0"/>
             <a:r>
-              <a:rPr lang="fr-FR" smtClean="0"/>
+              <a:rPr lang="fr-FR"/>
               <a:t>Cliquez pour modifier les styles du texte du masque</a:t>
             </a:r>
           </a:p>
           <a:p>
             <a:pPr lvl="1"/>
             <a:r>
-              <a:rPr lang="fr-FR" smtClean="0"/>
+              <a:rPr lang="fr-FR"/>
               <a:t>Deuxième niveau</a:t>
             </a:r>
           </a:p>
           <a:p>
             <a:pPr lvl="2"/>
             <a:r>
-              <a:rPr lang="fr-FR" smtClean="0"/>
+              <a:rPr lang="fr-FR"/>
               <a:t>Troisième niveau</a:t>
             </a:r>
           </a:p>
           <a:p>
             <a:pPr lvl="3"/>
             <a:r>
-              <a:rPr lang="fr-FR" smtClean="0"/>
+              <a:rPr lang="fr-FR"/>
               <a:t>Quatrième niveau</a:t>
             </a:r>
           </a:p>
           <a:p>
             <a:pPr lvl="4"/>
             <a:r>
-              <a:rPr lang="fr-FR" smtClean="0"/>
+              <a:rPr lang="fr-FR"/>
               <a:t>Cinquième niveau</a:t>
             </a:r>
-            <a:endParaRPr lang="fr-FR"/>
           </a:p>
         </p:txBody>
       </p:sp>
@@ -1517,10 +1507,9 @@
           </a:lstStyle>
           <a:p>
             <a:r>
-              <a:rPr lang="fr-FR" smtClean="0"/>
+              <a:rPr lang="fr-FR"/>
               <a:t>Cliquez pour modifier le style du titre</a:t>
             </a:r>
-            <a:endParaRPr lang="fr-FR"/>
           </a:p>
         </p:txBody>
       </p:sp>
@@ -1583,7 +1572,7 @@
           <a:p>
             <a:pPr lvl="0"/>
             <a:r>
-              <a:rPr lang="fr-FR" smtClean="0"/>
+              <a:rPr lang="fr-FR"/>
               <a:t>Cliquez pour modifier les styles du texte du masque</a:t>
             </a:r>
           </a:p>
@@ -1639,38 +1628,37 @@
           <a:p>
             <a:pPr lvl="0"/>
             <a:r>
-              <a:rPr lang="fr-FR" smtClean="0"/>
+              <a:rPr lang="fr-FR"/>
               <a:t>Cliquez pour modifier les styles du texte du masque</a:t>
             </a:r>
           </a:p>
           <a:p>
             <a:pPr lvl="1"/>
             <a:r>
-              <a:rPr lang="fr-FR" smtClean="0"/>
+              <a:rPr lang="fr-FR"/>
               <a:t>Deuxième niveau</a:t>
             </a:r>
           </a:p>
           <a:p>
             <a:pPr lvl="2"/>
             <a:r>
-              <a:rPr lang="fr-FR" smtClean="0"/>
+              <a:rPr lang="fr-FR"/>
               <a:t>Troisième niveau</a:t>
             </a:r>
           </a:p>
           <a:p>
             <a:pPr lvl="3"/>
             <a:r>
-              <a:rPr lang="fr-FR" smtClean="0"/>
+              <a:rPr lang="fr-FR"/>
               <a:t>Quatrième niveau</a:t>
             </a:r>
           </a:p>
           <a:p>
             <a:pPr lvl="4"/>
             <a:r>
-              <a:rPr lang="fr-FR" smtClean="0"/>
+              <a:rPr lang="fr-FR"/>
               <a:t>Cinquième niveau</a:t>
             </a:r>
-            <a:endParaRPr lang="fr-FR"/>
           </a:p>
         </p:txBody>
       </p:sp>
@@ -1733,7 +1721,7 @@
           <a:p>
             <a:pPr lvl="0"/>
             <a:r>
-              <a:rPr lang="fr-FR" smtClean="0"/>
+              <a:rPr lang="fr-FR"/>
               <a:t>Cliquez pour modifier les styles du texte du masque</a:t>
             </a:r>
           </a:p>
@@ -1789,38 +1777,37 @@
           <a:p>
             <a:pPr lvl="0"/>
             <a:r>
-              <a:rPr lang="fr-FR" smtClean="0"/>
+              <a:rPr lang="fr-FR"/>
               <a:t>Cliquez pour modifier les styles du texte du masque</a:t>
             </a:r>
           </a:p>
           <a:p>
             <a:pPr lvl="1"/>
             <a:r>
-              <a:rPr lang="fr-FR" smtClean="0"/>
+              <a:rPr lang="fr-FR"/>
               <a:t>Deuxième niveau</a:t>
             </a:r>
           </a:p>
           <a:p>
             <a:pPr lvl="2"/>
             <a:r>
-              <a:rPr lang="fr-FR" smtClean="0"/>
+              <a:rPr lang="fr-FR"/>
               <a:t>Troisième niveau</a:t>
             </a:r>
           </a:p>
           <a:p>
             <a:pPr lvl="3"/>
             <a:r>
-              <a:rPr lang="fr-FR" smtClean="0"/>
+              <a:rPr lang="fr-FR"/>
               <a:t>Quatrième niveau</a:t>
             </a:r>
           </a:p>
           <a:p>
             <a:pPr lvl="4"/>
             <a:r>
-              <a:rPr lang="fr-FR" smtClean="0"/>
+              <a:rPr lang="fr-FR"/>
               <a:t>Cinquième niveau</a:t>
             </a:r>
-            <a:endParaRPr lang="fr-FR"/>
           </a:p>
         </p:txBody>
       </p:sp>
@@ -1870,10 +1857,9 @@
           <a:lstStyle/>
           <a:p>
             <a:r>
-              <a:rPr lang="fr-FR" smtClean="0"/>
+              <a:rPr lang="fr-FR"/>
               <a:t>Cliquez pour modifier le style du titre</a:t>
             </a:r>
-            <a:endParaRPr lang="fr-FR"/>
           </a:p>
         </p:txBody>
       </p:sp>
@@ -1962,10 +1948,9 @@
           </a:lstStyle>
           <a:p>
             <a:r>
-              <a:rPr lang="fr-FR" smtClean="0"/>
+              <a:rPr lang="fr-FR"/>
               <a:t>Cliquez pour modifier le style du titre</a:t>
             </a:r>
-            <a:endParaRPr lang="fr-FR"/>
           </a:p>
         </p:txBody>
       </p:sp>
@@ -2019,38 +2004,37 @@
           <a:p>
             <a:pPr lvl="0"/>
             <a:r>
-              <a:rPr lang="fr-FR" smtClean="0"/>
+              <a:rPr lang="fr-FR"/>
               <a:t>Cliquez pour modifier les styles du texte du masque</a:t>
             </a:r>
           </a:p>
           <a:p>
             <a:pPr lvl="1"/>
             <a:r>
-              <a:rPr lang="fr-FR" smtClean="0"/>
+              <a:rPr lang="fr-FR"/>
               <a:t>Deuxième niveau</a:t>
             </a:r>
           </a:p>
           <a:p>
             <a:pPr lvl="2"/>
             <a:r>
-              <a:rPr lang="fr-FR" smtClean="0"/>
+              <a:rPr lang="fr-FR"/>
               <a:t>Troisième niveau</a:t>
             </a:r>
           </a:p>
           <a:p>
             <a:pPr lvl="3"/>
             <a:r>
-              <a:rPr lang="fr-FR" smtClean="0"/>
+              <a:rPr lang="fr-FR"/>
               <a:t>Quatrième niveau</a:t>
             </a:r>
           </a:p>
           <a:p>
             <a:pPr lvl="4"/>
             <a:r>
-              <a:rPr lang="fr-FR" smtClean="0"/>
+              <a:rPr lang="fr-FR"/>
               <a:t>Cinquième niveau</a:t>
             </a:r>
-            <a:endParaRPr lang="fr-FR"/>
           </a:p>
         </p:txBody>
       </p:sp>
@@ -2113,7 +2097,7 @@
           <a:p>
             <a:pPr lvl="0"/>
             <a:r>
-              <a:rPr lang="fr-FR" smtClean="0"/>
+              <a:rPr lang="fr-FR"/>
               <a:t>Cliquez pour modifier les styles du texte du masque</a:t>
             </a:r>
           </a:p>
@@ -2174,10 +2158,9 @@
           </a:lstStyle>
           <a:p>
             <a:r>
-              <a:rPr lang="fr-FR" smtClean="0"/>
+              <a:rPr lang="fr-FR"/>
               <a:t>Cliquez pour modifier le style du titre</a:t>
             </a:r>
-            <a:endParaRPr lang="fr-FR"/>
           </a:p>
         </p:txBody>
       </p:sp>
@@ -2239,7 +2222,7 @@
           </a:lstStyle>
           <a:p>
             <a:pPr lvl="0"/>
-            <a:endParaRPr lang="fr-FR" noProof="0" smtClean="0"/>
+            <a:endParaRPr lang="fr-FR" noProof="0"/>
           </a:p>
         </p:txBody>
       </p:sp>
@@ -2302,7 +2285,7 @@
           <a:p>
             <a:pPr lvl="0"/>
             <a:r>
-              <a:rPr lang="fr-FR" smtClean="0"/>
+              <a:rPr lang="fr-FR"/>
               <a:t>Cliquez pour modifier les styles du texte du masque</a:t>
             </a:r>
           </a:p>
@@ -2354,10 +2337,9 @@
           <a:lstStyle/>
           <a:p>
             <a:r>
-              <a:rPr lang="fr-FR" smtClean="0"/>
+              <a:rPr lang="fr-FR"/>
               <a:t>Cliquez pour modifier le style du titre</a:t>
             </a:r>
-            <a:endParaRPr lang="fr-FR"/>
           </a:p>
         </p:txBody>
       </p:sp>
@@ -2378,38 +2360,37 @@
           <a:p>
             <a:pPr lvl="0"/>
             <a:r>
-              <a:rPr lang="fr-FR" smtClean="0"/>
+              <a:rPr lang="fr-FR"/>
               <a:t>Cliquez pour modifier les styles du texte du masque</a:t>
             </a:r>
           </a:p>
           <a:p>
             <a:pPr lvl="1"/>
             <a:r>
-              <a:rPr lang="fr-FR" smtClean="0"/>
+              <a:rPr lang="fr-FR"/>
               <a:t>Deuxième niveau</a:t>
             </a:r>
           </a:p>
           <a:p>
             <a:pPr lvl="2"/>
             <a:r>
-              <a:rPr lang="fr-FR" smtClean="0"/>
+              <a:rPr lang="fr-FR"/>
               <a:t>Troisième niveau</a:t>
             </a:r>
           </a:p>
           <a:p>
             <a:pPr lvl="3"/>
             <a:r>
-              <a:rPr lang="fr-FR" smtClean="0"/>
+              <a:rPr lang="fr-FR"/>
               <a:t>Quatrième niveau</a:t>
             </a:r>
           </a:p>
           <a:p>
             <a:pPr lvl="4"/>
             <a:r>
-              <a:rPr lang="fr-FR" smtClean="0"/>
+              <a:rPr lang="fr-FR"/>
               <a:t>Cinquième niveau</a:t>
             </a:r>
-            <a:endParaRPr lang="fr-FR"/>
           </a:p>
         </p:txBody>
       </p:sp>
@@ -2590,7 +2571,7 @@
             <a:pPr eaLnBrk="1" hangingPunct="1">
               <a:defRPr/>
             </a:pPr>
-            <a:endParaRPr lang="fr-FR" altLang="fr-FR" smtClean="0"/>
+            <a:endParaRPr lang="fr-FR" altLang="fr-FR"/>
           </a:p>
         </p:txBody>
       </p:sp>
@@ -2744,7 +2725,7 @@
               <a:defRPr/>
             </a:pPr>
             <a:r>
-              <a:rPr lang="fr-FR" sz="1200" dirty="0" smtClean="0"/>
+              <a:rPr lang="fr-FR" sz="1200" dirty="0"/>
               <a:t>Page </a:t>
             </a:r>
             <a:fld id="{E218E9B1-FD08-4C80-902E-210BA2967D0D}" type="slidenum">
@@ -2757,7 +2738,7 @@
               </a:pPr>
               <a:t>‹N°›</a:t>
             </a:fld>
-            <a:endParaRPr lang="fr-FR" dirty="0" smtClean="0">
+            <a:endParaRPr lang="fr-FR" dirty="0">
               <a:latin typeface="Times New Roman" pitchFamily="18" charset="0"/>
             </a:endParaRPr>
           </a:p>
@@ -2913,10 +2894,10 @@
               <a:defRPr/>
             </a:pPr>
             <a:r>
-              <a:rPr lang="fr-FR" sz="1600" dirty="0" smtClean="0"/>
+              <a:rPr lang="fr-FR" sz="1600" dirty="0"/>
               <a:t>Python</a:t>
             </a:r>
-            <a:endParaRPr lang="fr-FR" dirty="0" smtClean="0">
+            <a:endParaRPr lang="fr-FR" dirty="0">
               <a:latin typeface="Times New Roman" pitchFamily="18" charset="0"/>
             </a:endParaRPr>
           </a:p>
@@ -2974,7 +2955,7 @@
           <a:p>
             <a:pPr lvl="0"/>
             <a:r>
-              <a:rPr lang="fr-FR" altLang="fr-FR" smtClean="0"/>
+              <a:rPr lang="fr-FR" altLang="fr-FR"/>
               <a:t>Cliquez pour modifier le style du titre du masque</a:t>
             </a:r>
           </a:p>
@@ -3032,35 +3013,35 @@
           <a:p>
             <a:pPr lvl="0"/>
             <a:r>
-              <a:rPr lang="fr-FR" altLang="fr-FR" smtClean="0"/>
+              <a:rPr lang="fr-FR" altLang="fr-FR"/>
               <a:t>Cliquez pour modifier les styles du texte du masque</a:t>
             </a:r>
           </a:p>
           <a:p>
             <a:pPr lvl="1"/>
             <a:r>
-              <a:rPr lang="fr-FR" altLang="fr-FR" smtClean="0"/>
+              <a:rPr lang="fr-FR" altLang="fr-FR"/>
               <a:t>Deuxième niveau</a:t>
             </a:r>
           </a:p>
           <a:p>
             <a:pPr lvl="2"/>
             <a:r>
-              <a:rPr lang="fr-FR" altLang="fr-FR" smtClean="0"/>
+              <a:rPr lang="fr-FR" altLang="fr-FR"/>
               <a:t>Troisième niveau</a:t>
             </a:r>
           </a:p>
           <a:p>
             <a:pPr lvl="3"/>
             <a:r>
-              <a:rPr lang="fr-FR" altLang="fr-FR" smtClean="0"/>
+              <a:rPr lang="fr-FR" altLang="fr-FR"/>
               <a:t>Quatrième niveau</a:t>
             </a:r>
           </a:p>
           <a:p>
             <a:pPr lvl="4"/>
             <a:r>
-              <a:rPr lang="fr-FR" altLang="fr-FR" smtClean="0"/>
+              <a:rPr lang="fr-FR" altLang="fr-FR"/>
               <a:t>Cinquième niveau</a:t>
             </a:r>
           </a:p>
@@ -3216,10 +3197,10 @@
               <a:defRPr/>
             </a:pPr>
             <a:r>
-              <a:rPr lang="fr-FR" sz="1200" smtClean="0"/>
+              <a:rPr lang="fr-FR" sz="1200"/>
               <a:t>© Cyril Vincent Conseil</a:t>
             </a:r>
-            <a:endParaRPr lang="fr-FR" smtClean="0">
+            <a:endParaRPr lang="fr-FR">
               <a:latin typeface="Times New Roman" pitchFamily="18" charset="0"/>
             </a:endParaRPr>
           </a:p>
@@ -3701,15 +3682,15 @@
           <a:p>
             <a:pPr eaLnBrk="1" hangingPunct="1"/>
             <a:r>
-              <a:rPr lang="fr-FR" altLang="fr-FR" smtClean="0"/>
+              <a:rPr lang="fr-FR" altLang="fr-FR"/>
               <a:t>Chapitre 5</a:t>
             </a:r>
-            <a:endParaRPr lang="fr-FR" altLang="fr-FR" dirty="0" smtClean="0"/>
+            <a:endParaRPr lang="fr-FR" altLang="fr-FR" dirty="0"/>
           </a:p>
           <a:p>
             <a:pPr eaLnBrk="1" hangingPunct="1"/>
             <a:r>
-              <a:rPr lang="fr-FR" altLang="fr-FR" dirty="0" smtClean="0"/>
+              <a:rPr lang="fr-FR" altLang="fr-FR" dirty="0"/>
               <a:t>Modules</a:t>
             </a:r>
           </a:p>
@@ -3761,13 +3742,6 @@
   <p:clrMapOvr>
     <a:masterClrMapping/>
   </p:clrMapOvr>
-  <p:timing>
-    <p:tnLst>
-      <p:par>
-        <p:cTn id="1" dur="indefinite" restart="never" nodeType="tmRoot"/>
-      </p:par>
-    </p:tnLst>
-  </p:timing>
 </p:sld>
 </file>
 
@@ -3804,187 +3778,9 @@
           <a:lstStyle/>
           <a:p>
             <a:r>
-              <a:rPr lang="fr-FR" dirty="0" smtClean="0"/>
-              <a:t>Encodage</a:t>
-            </a:r>
-            <a:endParaRPr lang="fr-FR" dirty="0"/>
-          </a:p>
-        </p:txBody>
-      </p:sp>
-      <p:sp>
-        <p:nvSpPr>
-          <p:cNvPr id="3" name="Espace réservé du contenu 2"/>
-          <p:cNvSpPr>
-            <a:spLocks noGrp="1"/>
-          </p:cNvSpPr>
-          <p:nvPr>
-            <p:ph idx="1"/>
-          </p:nvPr>
-        </p:nvSpPr>
-        <p:spPr>
-          <a:xfrm>
-            <a:off x="179513" y="1412776"/>
-            <a:ext cx="4176464" cy="5040560"/>
-          </a:xfrm>
-        </p:spPr>
-        <p:txBody>
-          <a:bodyPr/>
-          <a:lstStyle/>
-          <a:p>
-            <a:r>
-              <a:rPr lang="fr-FR" dirty="0" smtClean="0"/>
-              <a:t>Les modules *.</a:t>
-            </a:r>
-            <a:r>
-              <a:rPr lang="fr-FR" dirty="0" err="1" smtClean="0"/>
-              <a:t>py</a:t>
-            </a:r>
-            <a:r>
-              <a:rPr lang="fr-FR" dirty="0" smtClean="0"/>
-              <a:t> devraient définir l’encodage des caractères</a:t>
-            </a:r>
-          </a:p>
-          <a:p>
-            <a:pPr lvl="1"/>
-            <a:r>
-              <a:rPr lang="fr-FR" dirty="0" smtClean="0"/>
-              <a:t>Ex : </a:t>
-            </a:r>
-            <a:r>
               <a:rPr lang="fr-FR" dirty="0"/>
-              <a:t># -*-coding:Latin-1 </a:t>
-            </a:r>
-            <a:r>
-              <a:rPr lang="fr-FR" dirty="0" smtClean="0"/>
-              <a:t>-*</a:t>
-            </a:r>
-          </a:p>
-          <a:p>
-            <a:pPr lvl="1"/>
-            <a:r>
-              <a:rPr lang="fr-FR" dirty="0" smtClean="0"/>
-              <a:t>Ou bien utf-8</a:t>
-            </a:r>
-          </a:p>
-          <a:p>
-            <a:r>
-              <a:rPr lang="fr-FR" dirty="0" smtClean="0"/>
-              <a:t>Module os</a:t>
-            </a:r>
-          </a:p>
-          <a:p>
-            <a:pPr lvl="1"/>
-            <a:r>
-              <a:rPr lang="fr-FR" dirty="0" smtClean="0"/>
-              <a:t>Permet d’accéder à l’OS</a:t>
-            </a:r>
-          </a:p>
-          <a:p>
-            <a:pPr lvl="1"/>
-            <a:r>
-              <a:rPr lang="fr-FR" dirty="0" smtClean="0"/>
-              <a:t>Permet d’</a:t>
-            </a:r>
-            <a:r>
-              <a:rPr lang="fr-FR" dirty="0" err="1" smtClean="0"/>
-              <a:t>intéragir</a:t>
-            </a:r>
-            <a:r>
-              <a:rPr lang="fr-FR" dirty="0" smtClean="0"/>
-              <a:t> avec</a:t>
-            </a:r>
-          </a:p>
-          <a:p>
-            <a:pPr lvl="1"/>
-            <a:r>
-              <a:rPr lang="fr-FR" dirty="0" smtClean="0"/>
-              <a:t>Permet de récupérer la langue, la résolution, …</a:t>
-            </a:r>
-            <a:endParaRPr lang="fr-FR" dirty="0"/>
-          </a:p>
-        </p:txBody>
-      </p:sp>
-      <p:pic>
-        <p:nvPicPr>
-          <p:cNvPr id="4" name="Image 3"/>
-          <p:cNvPicPr>
-            <a:picLocks noChangeAspect="1"/>
-          </p:cNvPicPr>
-          <p:nvPr/>
-        </p:nvPicPr>
-        <p:blipFill>
-          <a:blip r:embed="rId2"/>
-          <a:stretch>
-            <a:fillRect/>
-          </a:stretch>
-        </p:blipFill>
-        <p:spPr>
-          <a:xfrm>
-            <a:off x="4067944" y="2276872"/>
-            <a:ext cx="6972321" cy="3033933"/>
-          </a:xfrm>
-          <a:prstGeom prst="rect">
-            <a:avLst/>
-          </a:prstGeom>
-        </p:spPr>
-      </p:pic>
-    </p:spTree>
-    <p:extLst>
-      <p:ext uri="{BB962C8B-B14F-4D97-AF65-F5344CB8AC3E}">
-        <p14:creationId xmlns:p14="http://schemas.microsoft.com/office/powerpoint/2010/main" val="3643429925"/>
-      </p:ext>
-    </p:extLst>
-  </p:cSld>
-  <p:clrMapOvr>
-    <a:masterClrMapping/>
-  </p:clrMapOvr>
-  <p:timing>
-    <p:tnLst>
-      <p:par>
-        <p:cTn id="1" dur="indefinite" restart="never" nodeType="tmRoot"/>
-      </p:par>
-    </p:tnLst>
-  </p:timing>
-</p:sld>
-</file>
-
-<file path=ppt/slides/slide11.xml><?xml version="1.0" encoding="utf-8"?>
-<p:sld xmlns:a="http://schemas.openxmlformats.org/drawingml/2006/main" xmlns:r="http://schemas.openxmlformats.org/officeDocument/2006/relationships" xmlns:p="http://schemas.openxmlformats.org/presentationml/2006/main">
-  <p:cSld>
-    <p:spTree>
-      <p:nvGrpSpPr>
-        <p:cNvPr id="1" name=""/>
-        <p:cNvGrpSpPr/>
-        <p:nvPr/>
-      </p:nvGrpSpPr>
-      <p:grpSpPr>
-        <a:xfrm>
-          <a:off x="0" y="0"/>
-          <a:ext cx="0" cy="0"/>
-          <a:chOff x="0" y="0"/>
-          <a:chExt cx="0" cy="0"/>
-        </a:xfrm>
-      </p:grpSpPr>
-      <p:sp>
-        <p:nvSpPr>
-          <p:cNvPr id="2" name="Titre 1"/>
-          <p:cNvSpPr>
-            <a:spLocks noGrp="1"/>
-          </p:cNvSpPr>
-          <p:nvPr>
-            <p:ph type="title"/>
-          </p:nvPr>
-        </p:nvSpPr>
-        <p:spPr/>
-        <p:txBody>
-          <a:bodyPr/>
-          <a:lstStyle/>
-          <a:p>
-            <a:r>
-              <a:rPr lang="fr-FR" dirty="0" smtClean="0"/>
               <a:t>Création d’un module</a:t>
             </a:r>
-            <a:endParaRPr lang="fr-FR" dirty="0"/>
           </a:p>
         </p:txBody>
       </p:sp>
@@ -4004,28 +3800,23 @@
           <a:lstStyle/>
           <a:p>
             <a:r>
-              <a:rPr lang="fr-FR" dirty="0" smtClean="0"/>
+              <a:rPr lang="fr-FR" dirty="0"/>
               <a:t>Conseil</a:t>
             </a:r>
           </a:p>
           <a:p>
             <a:pPr lvl="1"/>
             <a:r>
-              <a:rPr lang="fr-FR" dirty="0" smtClean="0"/>
+              <a:rPr lang="fr-FR" dirty="0"/>
               <a:t>Avoir un test</a:t>
             </a:r>
           </a:p>
           <a:p>
             <a:pPr lvl="1"/>
             <a:r>
-              <a:rPr lang="fr-FR" dirty="0" smtClean="0"/>
+              <a:rPr lang="fr-FR" dirty="0"/>
               <a:t>Multipli.py</a:t>
             </a:r>
-            <a:endParaRPr lang="fr-FR" dirty="0"/>
-          </a:p>
-          <a:p>
-            <a:pPr lvl="1"/>
-            <a:endParaRPr lang="fr-FR" dirty="0" smtClean="0"/>
           </a:p>
           <a:p>
             <a:pPr lvl="1"/>
@@ -4033,12 +3824,16 @@
           </a:p>
           <a:p>
             <a:pPr lvl="1"/>
-            <a:endParaRPr lang="fr-FR" dirty="0" smtClean="0"/>
+            <a:endParaRPr lang="fr-FR" dirty="0"/>
           </a:p>
           <a:p>
             <a:pPr lvl="1"/>
-            <a:r>
-              <a:rPr lang="fr-FR" dirty="0" smtClean="0"/>
+            <a:endParaRPr lang="fr-FR" dirty="0"/>
+          </a:p>
+          <a:p>
+            <a:pPr lvl="1"/>
+            <a:r>
+              <a:rPr lang="fr-FR" dirty="0"/>
               <a:t>Et test.py</a:t>
             </a:r>
           </a:p>
@@ -4102,13 +3897,104 @@
   <p:clrMapOvr>
     <a:masterClrMapping/>
   </p:clrMapOvr>
-  <p:timing>
-    <p:tnLst>
-      <p:par>
-        <p:cTn id="1" dur="indefinite" restart="never" nodeType="tmRoot"/>
-      </p:par>
-    </p:tnLst>
-  </p:timing>
+</p:sld>
+</file>
+
+<file path=ppt/slides/slide11.xml><?xml version="1.0" encoding="utf-8"?>
+<p:sld xmlns:a="http://schemas.openxmlformats.org/drawingml/2006/main" xmlns:r="http://schemas.openxmlformats.org/officeDocument/2006/relationships" xmlns:p="http://schemas.openxmlformats.org/presentationml/2006/main">
+  <p:cSld>
+    <p:spTree>
+      <p:nvGrpSpPr>
+        <p:cNvPr id="1" name=""/>
+        <p:cNvGrpSpPr/>
+        <p:nvPr/>
+      </p:nvGrpSpPr>
+      <p:grpSpPr>
+        <a:xfrm>
+          <a:off x="0" y="0"/>
+          <a:ext cx="0" cy="0"/>
+          <a:chOff x="0" y="0"/>
+          <a:chExt cx="0" cy="0"/>
+        </a:xfrm>
+      </p:grpSpPr>
+      <p:sp>
+        <p:nvSpPr>
+          <p:cNvPr id="2" name="Titre 1"/>
+          <p:cNvSpPr>
+            <a:spLocks noGrp="1"/>
+          </p:cNvSpPr>
+          <p:nvPr>
+            <p:ph type="title"/>
+          </p:nvPr>
+        </p:nvSpPr>
+        <p:spPr/>
+        <p:txBody>
+          <a:bodyPr/>
+          <a:lstStyle/>
+          <a:p>
+            <a:r>
+              <a:rPr lang="fr-FR" dirty="0"/>
+              <a:t>Test dans le même fichier</a:t>
+            </a:r>
+          </a:p>
+        </p:txBody>
+      </p:sp>
+      <p:sp>
+        <p:nvSpPr>
+          <p:cNvPr id="3" name="Espace réservé du contenu 2"/>
+          <p:cNvSpPr>
+            <a:spLocks noGrp="1"/>
+          </p:cNvSpPr>
+          <p:nvPr>
+            <p:ph idx="1"/>
+          </p:nvPr>
+        </p:nvSpPr>
+        <p:spPr/>
+        <p:txBody>
+          <a:bodyPr/>
+          <a:lstStyle/>
+          <a:p>
+            <a:r>
+              <a:rPr lang="fr-FR" dirty="0"/>
+              <a:t>Faire un test de module dans le module-même</a:t>
+            </a:r>
+          </a:p>
+          <a:p>
+            <a:r>
+              <a:rPr lang="fr-FR" dirty="0"/>
+              <a:t>Dans l’exemple précédent, si nous rajoutons juste en dessous une ligne, par exemple table(8), cette ligne sera exécutée lors de l'importation et donc, dans le programme appelant le module</a:t>
+            </a:r>
+          </a:p>
+          <a:p>
+            <a:pPr lvl="1"/>
+            <a:r>
+              <a:rPr lang="fr-FR" dirty="0"/>
+              <a:t>Quand vous ferez import </a:t>
+            </a:r>
+            <a:r>
+              <a:rPr lang="fr-FR" dirty="0" err="1"/>
+              <a:t>multipli</a:t>
+            </a:r>
+            <a:r>
+              <a:rPr lang="fr-FR" dirty="0"/>
+              <a:t>, vous verrez la table de multiplication par 8 s'afficher… hum, il y a mieux</a:t>
+            </a:r>
+          </a:p>
+          <a:p>
+            <a:endParaRPr lang="fr-FR" dirty="0"/>
+          </a:p>
+        </p:txBody>
+      </p:sp>
+    </p:spTree>
+    <p:extLst>
+      <p:ext uri="{BB962C8B-B14F-4D97-AF65-F5344CB8AC3E}">
+        <p14:creationId xmlns:p14="http://schemas.microsoft.com/office/powerpoint/2010/main" val="1106934747"/>
+      </p:ext>
+    </p:extLst>
+  </p:cSld>
+  <p:clrMapOvr>
+    <a:masterClrMapping/>
+  </p:clrMapOvr>
 </p:sld>
 </file>
 
@@ -4145,10 +4031,17 @@
           <a:lstStyle/>
           <a:p>
             <a:r>
-              <a:rPr lang="fr-FR" dirty="0" smtClean="0"/>
-              <a:t>Test dans le même fichier</a:t>
-            </a:r>
-            <a:endParaRPr lang="fr-FR" dirty="0"/>
+              <a:rPr lang="fr-FR" dirty="0"/>
+              <a:t>__</a:t>
+            </a:r>
+            <a:r>
+              <a:rPr lang="fr-FR" dirty="0" err="1"/>
+              <a:t>name</a:t>
+            </a:r>
+            <a:r>
+              <a:rPr lang="fr-FR" dirty="0"/>
+              <a:t>__</a:t>
+            </a:r>
           </a:p>
         </p:txBody>
       </p:sp>
@@ -4169,202 +4062,28 @@
           <a:p>
             <a:r>
               <a:rPr lang="fr-FR" dirty="0"/>
-              <a:t>Faire un test de module dans le </a:t>
-            </a:r>
-            <a:r>
-              <a:rPr lang="fr-FR" dirty="0" smtClean="0"/>
-              <a:t>module-même</a:t>
-            </a:r>
-          </a:p>
-          <a:p>
-            <a:r>
-              <a:rPr lang="fr-FR" dirty="0" smtClean="0"/>
-              <a:t>Dans l’exemple précédent, si </a:t>
-            </a:r>
+              <a:t>Si vous exécutez directement multipli.py, vous allez voir la table de multiplication par 4</a:t>
+            </a:r>
+          </a:p>
+          <a:p>
             <a:r>
               <a:rPr lang="fr-FR" dirty="0"/>
-              <a:t>nous rajoutons juste en dessous une ligne, par exemple table(8), cette ligne sera exécutée lors de l'importation et donc, dans le programme appelant le </a:t>
-            </a:r>
-            <a:r>
-              <a:rPr lang="fr-FR" dirty="0" smtClean="0"/>
-              <a:t>module</a:t>
+              <a:t>En revanche, si vous l'importez, le code de test ne s'exécutera pas.</a:t>
             </a:r>
           </a:p>
           <a:p>
             <a:pPr lvl="1"/>
             <a:r>
-              <a:rPr lang="fr-FR" dirty="0" smtClean="0"/>
-              <a:t>Quand </a:t>
-            </a:r>
-            <a:r>
               <a:rPr lang="fr-FR" dirty="0"/>
-              <a:t>vous ferez import </a:t>
-            </a:r>
-            <a:r>
-              <a:rPr lang="fr-FR" dirty="0" err="1"/>
-              <a:t>multipli</a:t>
-            </a:r>
-            <a:r>
-              <a:rPr lang="fr-FR" dirty="0"/>
-              <a:t>, vous verrez la table de multiplication par 8 s'afficher… hum, il y a </a:t>
-            </a:r>
-            <a:r>
-              <a:rPr lang="fr-FR" dirty="0" smtClean="0"/>
-              <a:t>mieux</a:t>
-            </a:r>
-          </a:p>
-          <a:p>
-            <a:endParaRPr lang="fr-FR" dirty="0"/>
-          </a:p>
-        </p:txBody>
-      </p:sp>
-    </p:spTree>
-    <p:extLst>
-      <p:ext uri="{BB962C8B-B14F-4D97-AF65-F5344CB8AC3E}">
-        <p14:creationId xmlns:p14="http://schemas.microsoft.com/office/powerpoint/2010/main" val="1106934747"/>
-      </p:ext>
-    </p:extLst>
-  </p:cSld>
-  <p:clrMapOvr>
-    <a:masterClrMapping/>
-  </p:clrMapOvr>
-  <p:timing>
-    <p:tnLst>
-      <p:par>
-        <p:cTn id="1" dur="indefinite" restart="never" nodeType="tmRoot"/>
-      </p:par>
-    </p:tnLst>
-  </p:timing>
-</p:sld>
-</file>
-
-<file path=ppt/slides/slide13.xml><?xml version="1.0" encoding="utf-8"?>
-<p:sld xmlns:a="http://schemas.openxmlformats.org/drawingml/2006/main" xmlns:r="http://schemas.openxmlformats.org/officeDocument/2006/relationships" xmlns:p="http://schemas.openxmlformats.org/presentationml/2006/main">
-  <p:cSld>
-    <p:spTree>
-      <p:nvGrpSpPr>
-        <p:cNvPr id="1" name=""/>
-        <p:cNvGrpSpPr/>
-        <p:nvPr/>
-      </p:nvGrpSpPr>
-      <p:grpSpPr>
-        <a:xfrm>
-          <a:off x="0" y="0"/>
-          <a:ext cx="0" cy="0"/>
-          <a:chOff x="0" y="0"/>
-          <a:chExt cx="0" cy="0"/>
-        </a:xfrm>
-      </p:grpSpPr>
-      <p:sp>
-        <p:nvSpPr>
-          <p:cNvPr id="2" name="Titre 1"/>
-          <p:cNvSpPr>
-            <a:spLocks noGrp="1"/>
-          </p:cNvSpPr>
-          <p:nvPr>
-            <p:ph type="title"/>
-          </p:nvPr>
-        </p:nvSpPr>
-        <p:spPr/>
-        <p:txBody>
-          <a:bodyPr/>
-          <a:lstStyle/>
-          <a:p>
-            <a:r>
-              <a:rPr lang="fr-FR" dirty="0" smtClean="0"/>
-              <a:t>__</a:t>
-            </a:r>
-            <a:r>
-              <a:rPr lang="fr-FR" dirty="0" err="1" smtClean="0"/>
-              <a:t>name</a:t>
-            </a:r>
-            <a:r>
-              <a:rPr lang="fr-FR" dirty="0" smtClean="0"/>
-              <a:t>__</a:t>
-            </a:r>
-            <a:endParaRPr lang="fr-FR" dirty="0"/>
-          </a:p>
-        </p:txBody>
-      </p:sp>
-      <p:sp>
-        <p:nvSpPr>
-          <p:cNvPr id="3" name="Espace réservé du contenu 2"/>
-          <p:cNvSpPr>
-            <a:spLocks noGrp="1"/>
-          </p:cNvSpPr>
-          <p:nvPr>
-            <p:ph idx="1"/>
-          </p:nvPr>
-        </p:nvSpPr>
-        <p:spPr/>
-        <p:txBody>
-          <a:bodyPr/>
-          <a:lstStyle/>
-          <a:p>
-            <a:r>
-              <a:rPr lang="fr-FR" dirty="0" smtClean="0"/>
-              <a:t>Si </a:t>
-            </a:r>
-            <a:r>
-              <a:rPr lang="fr-FR" dirty="0"/>
-              <a:t>vous </a:t>
-            </a:r>
-            <a:r>
-              <a:rPr lang="fr-FR" dirty="0" smtClean="0"/>
-              <a:t>exécutez </a:t>
-            </a:r>
-            <a:r>
-              <a:rPr lang="fr-FR" dirty="0"/>
-              <a:t>directement </a:t>
-            </a:r>
-            <a:r>
-              <a:rPr lang="fr-FR" dirty="0" smtClean="0"/>
-              <a:t>multipli.py</a:t>
-            </a:r>
-            <a:r>
-              <a:rPr lang="fr-FR" dirty="0"/>
-              <a:t>, vous allez voir la table de multiplication par </a:t>
-            </a:r>
-            <a:r>
-              <a:rPr lang="fr-FR" dirty="0" smtClean="0"/>
-              <a:t>4</a:t>
-            </a:r>
-          </a:p>
-          <a:p>
-            <a:r>
-              <a:rPr lang="fr-FR" dirty="0" smtClean="0"/>
-              <a:t>En </a:t>
-            </a:r>
-            <a:r>
-              <a:rPr lang="fr-FR" dirty="0"/>
-              <a:t>revanche, si vous l'importez, le code de test ne s'exécutera </a:t>
-            </a:r>
-            <a:r>
-              <a:rPr lang="fr-FR" dirty="0" smtClean="0"/>
-              <a:t>pas.</a:t>
-            </a:r>
-          </a:p>
-          <a:p>
-            <a:pPr lvl="1"/>
-            <a:r>
-              <a:rPr lang="fr-FR" dirty="0" smtClean="0"/>
-              <a:t>Tout </a:t>
-            </a:r>
-            <a:r>
-              <a:rPr lang="fr-FR" dirty="0"/>
-              <a:t>repose en fait sur la variable __</a:t>
+              <a:t>Tout repose en fait sur la variable __</a:t>
             </a:r>
             <a:r>
               <a:rPr lang="fr-FR" dirty="0" err="1"/>
               <a:t>name</a:t>
             </a:r>
             <a:r>
-              <a:rPr lang="fr-FR" dirty="0" smtClean="0"/>
-              <a:t>__ si </a:t>
-            </a:r>
-            <a:r>
               <a:rPr lang="fr-FR" dirty="0"/>
-              <a:t>elle vaut __main__, cela veut dire que le fichier appelé est le fichier exécuté</a:t>
+              <a:t>__ si elle vaut __main__, cela veut dire que le fichier appelé est le fichier exécuté</a:t>
             </a:r>
           </a:p>
         </p:txBody>
@@ -4403,17 +4122,10 @@
   <p:clrMapOvr>
     <a:masterClrMapping/>
   </p:clrMapOvr>
-  <p:timing>
-    <p:tnLst>
-      <p:par>
-        <p:cTn id="1" dur="indefinite" restart="never" nodeType="tmRoot"/>
-      </p:par>
-    </p:tnLst>
-  </p:timing>
 </p:sld>
 </file>
 
-<file path=ppt/slides/slide14.xml><?xml version="1.0" encoding="utf-8"?>
+<file path=ppt/slides/slide13.xml><?xml version="1.0" encoding="utf-8"?>
 <p:sld xmlns:a="http://schemas.openxmlformats.org/drawingml/2006/main" xmlns:r="http://schemas.openxmlformats.org/officeDocument/2006/relationships" xmlns:p="http://schemas.openxmlformats.org/presentationml/2006/main">
   <p:cSld>
     <p:spTree>
@@ -4446,10 +4158,9 @@
           <a:lstStyle/>
           <a:p>
             <a:r>
-              <a:rPr lang="fr-FR" dirty="0" smtClean="0"/>
+              <a:rPr lang="fr-FR" dirty="0"/>
               <a:t>Packages</a:t>
             </a:r>
-            <a:endParaRPr lang="fr-FR" dirty="0"/>
           </a:p>
         </p:txBody>
       </p:sp>
@@ -4470,96 +4181,64 @@
           <a:p>
             <a:r>
               <a:rPr lang="fr-FR" dirty="0"/>
-              <a:t>Les modules sont un des moyens de regrouper plusieurs </a:t>
-            </a:r>
-            <a:r>
-              <a:rPr lang="fr-FR" dirty="0" smtClean="0"/>
-              <a:t>fonctions</a:t>
-            </a:r>
-          </a:p>
-          <a:p>
-            <a:r>
-              <a:rPr lang="fr-FR" dirty="0" smtClean="0"/>
-              <a:t>On </a:t>
-            </a:r>
+              <a:t>Les modules sont un des moyens de regrouper plusieurs fonctions</a:t>
+            </a:r>
+          </a:p>
+          <a:p>
             <a:r>
               <a:rPr lang="fr-FR" dirty="0"/>
-              <a:t>peut aller encore au-delà en regroupant des </a:t>
-            </a:r>
-            <a:r>
-              <a:rPr lang="fr-FR" dirty="0" smtClean="0"/>
-              <a:t>modules </a:t>
-            </a:r>
+              <a:t>On peut aller encore au-delà en regroupant des modules dans ce qu'on va appeler des </a:t>
+            </a:r>
+            <a:r>
+              <a:rPr lang="fr-FR" b="1" dirty="0"/>
+              <a:t>packages</a:t>
+            </a:r>
+          </a:p>
+          <a:p>
             <a:r>
               <a:rPr lang="fr-FR" dirty="0"/>
-              <a:t>dans ce qu'on va appeler des </a:t>
-            </a:r>
-            <a:r>
-              <a:rPr lang="fr-FR" b="1" dirty="0" smtClean="0"/>
-              <a:t>packages</a:t>
-            </a:r>
-          </a:p>
-          <a:p>
+              <a:t> les packages sont des répertoires</a:t>
+            </a:r>
+          </a:p>
+          <a:p>
+            <a:pPr lvl="1"/>
             <a:r>
               <a:rPr lang="fr-FR" dirty="0"/>
-              <a:t> les packages </a:t>
-            </a:r>
-            <a:r>
-              <a:rPr lang="fr-FR" dirty="0" smtClean="0"/>
-              <a:t>sont des répertoires</a:t>
-            </a:r>
-          </a:p>
-          <a:p>
-            <a:pPr lvl="1"/>
-            <a:r>
-              <a:rPr lang="fr-FR" dirty="0" smtClean="0"/>
-              <a:t>Dedans </a:t>
-            </a:r>
+              <a:t>Dedans peuvent se trouver d'autres répertoires (d'autres packages) ou des fichiers (des modules)</a:t>
+            </a:r>
+          </a:p>
+          <a:p>
             <a:r>
               <a:rPr lang="fr-FR" dirty="0"/>
-              <a:t>peuvent se trouver d'autres répertoires (d'autres packages) ou des fichiers (des modules</a:t>
-            </a:r>
-            <a:r>
-              <a:rPr lang="fr-FR" dirty="0" smtClean="0"/>
-              <a:t>)</a:t>
-            </a:r>
-          </a:p>
-          <a:p>
+              <a:t>import </a:t>
+            </a:r>
+            <a:r>
+              <a:rPr lang="fr-FR" dirty="0" err="1"/>
+              <a:t>nom_package</a:t>
+            </a:r>
             <a:r>
               <a:rPr lang="fr-FR" dirty="0"/>
-              <a:t>i</a:t>
-            </a:r>
-            <a:r>
-              <a:rPr lang="fr-FR" dirty="0" smtClean="0"/>
-              <a:t>mport </a:t>
-            </a:r>
-            <a:r>
-              <a:rPr lang="fr-FR" dirty="0" err="1" smtClean="0"/>
-              <a:t>nom_package</a:t>
-            </a:r>
-            <a:r>
-              <a:rPr lang="fr-FR" dirty="0" smtClean="0"/>
               <a:t> (ou </a:t>
             </a:r>
             <a:r>
-              <a:rPr lang="fr-FR" dirty="0" err="1" smtClean="0"/>
+              <a:rPr lang="fr-FR" dirty="0" err="1"/>
               <a:t>from</a:t>
             </a:r>
             <a:r>
-              <a:rPr lang="fr-FR" dirty="0" smtClean="0"/>
+              <a:rPr lang="fr-FR" dirty="0"/>
               <a:t> import)</a:t>
             </a:r>
           </a:p>
           <a:p>
             <a:r>
-              <a:rPr lang="fr-FR" dirty="0" smtClean="0"/>
+              <a:rPr lang="fr-FR" dirty="0"/>
               <a:t>import </a:t>
             </a:r>
             <a:r>
-              <a:rPr lang="fr-FR" smtClean="0"/>
+              <a:rPr lang="fr-FR"/>
               <a:t>nom_package.sous_package</a:t>
             </a:r>
-            <a:endParaRPr lang="fr-FR" dirty="0" smtClean="0"/>
+            <a:endParaRPr lang="fr-FR" dirty="0"/>
           </a:p>
           <a:p>
             <a:endParaRPr lang="fr-FR" dirty="0"/>
@@ -4576,13 +4255,6 @@
   <p:clrMapOvr>
     <a:masterClrMapping/>
   </p:clrMapOvr>
-  <p:timing>
-    <p:tnLst>
-      <p:par>
-        <p:cTn id="1" dur="indefinite" restart="never" nodeType="tmRoot"/>
-      </p:par>
-    </p:tnLst>
-  </p:timing>
 </p:sld>
 </file>
 
@@ -4619,10 +4291,9 @@
           <a:lstStyle/>
           <a:p>
             <a:r>
-              <a:rPr lang="fr-FR" dirty="0" smtClean="0"/>
+              <a:rPr lang="fr-FR" dirty="0"/>
               <a:t>Module</a:t>
             </a:r>
-            <a:endParaRPr lang="fr-FR" dirty="0"/>
           </a:p>
         </p:txBody>
       </p:sp>
@@ -4759,19 +4430,11 @@
             </a:pPr>
             <a:r>
               <a:rPr lang="en-GB" altLang="fr-FR" dirty="0" err="1"/>
-              <a:t>p</a:t>
-            </a:r>
-            <a:r>
-              <a:rPr lang="en-GB" altLang="fr-FR" dirty="0" err="1" smtClean="0"/>
-              <a:t>ermet</a:t>
-            </a:r>
-            <a:r>
-              <a:rPr lang="en-GB" altLang="fr-FR" dirty="0" smtClean="0"/>
-              <a:t> </a:t>
-            </a:r>
-            <a:r>
-              <a:rPr lang="en-GB" altLang="fr-FR" dirty="0"/>
-              <a:t>de </a:t>
+              <a:t>permet</a:t>
+            </a:r>
+            <a:r>
+              <a:rPr lang="en-GB" altLang="fr-FR" dirty="0"/>
+              <a:t> de </a:t>
             </a:r>
             <a:r>
               <a:rPr lang="en-GB" altLang="fr-FR" dirty="0" err="1"/>
@@ -4787,21 +4450,13 @@
             </a:r>
             <a:r>
               <a:rPr lang="en-GB" altLang="fr-FR" dirty="0"/>
-              <a:t> programme sans tout  </a:t>
-            </a:r>
-            <a:r>
-              <a:rPr lang="en-GB" altLang="fr-FR" dirty="0" smtClean="0"/>
-              <a:t> </a:t>
-            </a:r>
-            <a:r>
-              <a:rPr lang="en-GB" altLang="fr-FR" dirty="0"/>
-              <a:t>	               </a:t>
-            </a:r>
-            <a:r>
-              <a:rPr lang="en-GB" altLang="fr-FR" dirty="0" err="1" smtClean="0"/>
+              <a:t> programme sans tout   	               </a:t>
+            </a:r>
+            <a:r>
+              <a:rPr lang="en-GB" altLang="fr-FR" dirty="0" err="1"/>
               <a:t>réécrire</a:t>
             </a:r>
-            <a:endParaRPr lang="en-GB" altLang="fr-FR" dirty="0" smtClean="0"/>
+            <a:endParaRPr lang="en-GB" altLang="fr-FR" dirty="0"/>
           </a:p>
           <a:p>
             <a:pPr lvl="1" eaLnBrk="1" hangingPunct="1">
@@ -4810,11 +4465,11 @@
               </a:lnSpc>
             </a:pPr>
             <a:r>
-              <a:rPr lang="en-GB" altLang="fr-FR" dirty="0" err="1" smtClean="0"/>
+              <a:rPr lang="en-GB" altLang="fr-FR" dirty="0" err="1"/>
               <a:t>d’utiliser</a:t>
             </a:r>
             <a:r>
-              <a:rPr lang="en-GB" altLang="fr-FR" dirty="0" smtClean="0"/>
+              <a:rPr lang="en-GB" altLang="fr-FR" dirty="0"/>
               <a:t> </a:t>
             </a:r>
             <a:r>
@@ -4842,22 +4497,21 @@
               <a:t> </a:t>
             </a:r>
             <a:r>
-              <a:rPr lang="en-GB" altLang="fr-FR" dirty="0" err="1" smtClean="0"/>
+              <a:rPr lang="en-GB" altLang="fr-FR" dirty="0" err="1"/>
               <a:t>même</a:t>
             </a:r>
             <a:r>
-              <a:rPr lang="en-GB" altLang="fr-FR" dirty="0" smtClean="0"/>
+              <a:rPr lang="en-GB" altLang="fr-FR" dirty="0"/>
               <a:t> </a:t>
             </a:r>
             <a:r>
-              <a:rPr lang="en-GB" altLang="fr-FR" dirty="0" err="1" smtClean="0"/>
+              <a:rPr lang="en-GB" altLang="fr-FR" dirty="0" err="1"/>
               <a:t>fonction</a:t>
             </a:r>
             <a:r>
-              <a:rPr lang="en-GB" altLang="fr-FR" dirty="0" smtClean="0"/>
+              <a:rPr lang="en-GB" altLang="fr-FR" dirty="0"/>
               <a:t>               </a:t>
             </a:r>
-            <a:endParaRPr lang="en-GB" altLang="fr-FR" dirty="0"/>
           </a:p>
           <a:p>
             <a:pPr eaLnBrk="1" hangingPunct="1">
@@ -4981,11 +4635,7 @@
             </a:r>
             <a:r>
               <a:rPr lang="en-GB" altLang="fr-FR" dirty="0"/>
-              <a:t> le </a:t>
-            </a:r>
-            <a:r>
-              <a:rPr lang="en-GB" altLang="fr-FR" dirty="0" smtClean="0"/>
-              <a:t>module</a:t>
+              <a:t> le module</a:t>
             </a:r>
           </a:p>
           <a:p>
@@ -5001,16 +4651,12 @@
               </a:spcAft>
             </a:pPr>
             <a:r>
-              <a:rPr lang="en-GB" altLang="fr-FR" dirty="0" err="1" smtClean="0"/>
+              <a:rPr lang="en-GB" altLang="fr-FR" dirty="0" err="1"/>
               <a:t>l'auteur</a:t>
             </a:r>
             <a:r>
-              <a:rPr lang="en-GB" altLang="fr-FR" dirty="0" smtClean="0"/>
-              <a:t> </a:t>
-            </a:r>
-            <a:r>
-              <a:rPr lang="en-GB" altLang="fr-FR" dirty="0"/>
-              <a:t>d'un module </a:t>
+              <a:rPr lang="en-GB" altLang="fr-FR" dirty="0"/>
+              <a:t> d'un module </a:t>
             </a:r>
             <a:r>
               <a:rPr lang="en-GB" altLang="fr-FR" dirty="0" err="1"/>
@@ -5096,13 +4742,6 @@
   <p:clrMapOvr>
     <a:masterClrMapping/>
   </p:clrMapOvr>
-  <p:timing>
-    <p:tnLst>
-      <p:par>
-        <p:cTn id="1" dur="indefinite" restart="never" nodeType="tmRoot"/>
-      </p:par>
-    </p:tnLst>
-  </p:timing>
 </p:sld>
 </file>
 
@@ -5139,10 +4778,9 @@
           <a:lstStyle/>
           <a:p>
             <a:r>
-              <a:rPr lang="fr-FR" dirty="0" smtClean="0"/>
+              <a:rPr lang="fr-FR" dirty="0"/>
               <a:t>import</a:t>
             </a:r>
-            <a:endParaRPr lang="fr-FR" dirty="0"/>
           </a:p>
         </p:txBody>
       </p:sp>
@@ -5195,21 +4833,13 @@
             </a:r>
             <a:r>
               <a:rPr lang="en-GB" altLang="fr-FR" dirty="0"/>
-              <a:t> le total du </a:t>
-            </a:r>
-            <a:r>
-              <a:rPr lang="en-GB" altLang="fr-FR" dirty="0" smtClean="0"/>
-              <a:t>module</a:t>
-            </a:r>
-          </a:p>
-          <a:p>
-            <a:r>
-              <a:rPr lang="en-GB" altLang="fr-FR" dirty="0" smtClean="0"/>
-              <a:t>Le </a:t>
-            </a:r>
-            <a:r>
-              <a:rPr lang="en-GB" altLang="fr-FR" dirty="0"/>
-              <a:t>module </a:t>
+              <a:t> le total du module</a:t>
+            </a:r>
+          </a:p>
+          <a:p>
+            <a:r>
+              <a:rPr lang="en-GB" altLang="fr-FR" dirty="0"/>
+              <a:t>Le module </a:t>
             </a:r>
             <a:r>
               <a:rPr lang="en-GB" altLang="fr-FR" dirty="0" err="1"/>
@@ -5260,19 +4890,15 @@
               <a:t> sur les </a:t>
             </a:r>
             <a:r>
-              <a:rPr lang="en-GB" altLang="fr-FR" dirty="0" err="1" smtClean="0"/>
+              <a:rPr lang="en-GB" altLang="fr-FR" dirty="0" err="1"/>
               <a:t>objets</a:t>
             </a:r>
-            <a:endParaRPr lang="en-GB" altLang="fr-FR" dirty="0" smtClean="0"/>
-          </a:p>
-          <a:p>
-            <a:r>
-              <a:rPr lang="en-GB" altLang="fr-FR" dirty="0" smtClean="0"/>
-              <a:t>Pour </a:t>
-            </a:r>
-            <a:r>
-              <a:rPr lang="en-GB" altLang="fr-FR" dirty="0"/>
-              <a:t>utiliser </a:t>
+            <a:endParaRPr lang="en-GB" altLang="fr-FR" dirty="0"/>
+          </a:p>
+          <a:p>
+            <a:r>
+              <a:rPr lang="en-GB" altLang="fr-FR" dirty="0"/>
+              <a:t>Pour utiliser </a:t>
             </a:r>
             <a:r>
               <a:rPr lang="en-GB" altLang="fr-FR" dirty="0" err="1"/>
@@ -5288,48 +4914,32 @@
             </a:r>
             <a:r>
               <a:rPr lang="en-GB" altLang="fr-FR" dirty="0"/>
-              <a:t> “&lt;module&gt;.nom</a:t>
-            </a:r>
-            <a:r>
-              <a:rPr lang="en-GB" altLang="fr-FR" dirty="0" smtClean="0"/>
-              <a:t>”.</a:t>
-            </a:r>
-          </a:p>
-          <a:p>
-            <a:r>
-              <a:rPr lang="en-GB" dirty="0" err="1" smtClean="0"/>
+              <a:t> “&lt;module&gt;.nom”.</a:t>
+            </a:r>
+          </a:p>
+          <a:p>
+            <a:r>
+              <a:rPr lang="en-GB" dirty="0" err="1"/>
               <a:t>Exemple</a:t>
             </a:r>
-            <a:endParaRPr lang="en-GB" dirty="0" smtClean="0"/>
+            <a:endParaRPr lang="en-GB" dirty="0"/>
           </a:p>
           <a:p>
             <a:pPr lvl="1"/>
             <a:r>
               <a:rPr lang="en-GB" dirty="0"/>
-              <a:t>i</a:t>
-            </a:r>
-            <a:r>
-              <a:rPr lang="en-GB" dirty="0" smtClean="0"/>
-              <a:t>mport math</a:t>
+              <a:t>import math</a:t>
             </a:r>
           </a:p>
           <a:p>
             <a:pPr lvl="1"/>
             <a:r>
               <a:rPr lang="en-GB" dirty="0" err="1"/>
-              <a:t>m</a:t>
-            </a:r>
-            <a:r>
-              <a:rPr lang="en-GB" dirty="0" err="1" smtClean="0"/>
-              <a:t>ath.sqrt</a:t>
-            </a:r>
-            <a:r>
-              <a:rPr lang="en-GB" dirty="0" smtClean="0"/>
-              <a:t>(2</a:t>
-            </a:r>
-            <a:r>
-              <a:rPr lang="en-GB" dirty="0" smtClean="0"/>
-              <a:t>)</a:t>
+              <a:t>math.sqrt</a:t>
+            </a:r>
+            <a:r>
+              <a:rPr lang="en-GB" dirty="0"/>
+              <a:t>(2)</a:t>
             </a:r>
             <a:endParaRPr lang="fr-FR" dirty="0"/>
           </a:p>
@@ -5345,13 +4955,6 @@
   <p:clrMapOvr>
     <a:masterClrMapping/>
   </p:clrMapOvr>
-  <p:timing>
-    <p:tnLst>
-      <p:par>
-        <p:cTn id="1" dur="indefinite" restart="never" nodeType="tmRoot"/>
-      </p:par>
-    </p:tnLst>
-  </p:timing>
 </p:sld>
 </file>
 
@@ -5388,10 +4991,9 @@
           <a:lstStyle/>
           <a:p>
             <a:r>
-              <a:rPr lang="fr-FR" dirty="0" smtClean="0"/>
+              <a:rPr lang="fr-FR" dirty="0"/>
               <a:t>help</a:t>
             </a:r>
-            <a:endParaRPr lang="fr-FR" dirty="0"/>
           </a:p>
         </p:txBody>
       </p:sp>
@@ -5448,13 +5050,6 @@
   <p:clrMapOvr>
     <a:masterClrMapping/>
   </p:clrMapOvr>
-  <p:timing>
-    <p:tnLst>
-      <p:par>
-        <p:cTn id="1" dur="indefinite" restart="never" nodeType="tmRoot"/>
-      </p:par>
-    </p:tnLst>
-  </p:timing>
 </p:sld>
 </file>
 
@@ -5491,10 +5086,9 @@
           <a:lstStyle/>
           <a:p>
             <a:r>
-              <a:rPr lang="fr-FR" dirty="0" smtClean="0"/>
+              <a:rPr lang="fr-FR" dirty="0"/>
               <a:t>as</a:t>
             </a:r>
-            <a:endParaRPr lang="fr-FR" dirty="0"/>
           </a:p>
         </p:txBody>
       </p:sp>
@@ -5514,26 +5108,25 @@
           <a:lstStyle/>
           <a:p>
             <a:r>
-              <a:rPr lang="fr-FR" dirty="0" smtClean="0"/>
+              <a:rPr lang="fr-FR" dirty="0"/>
               <a:t>On différentie le module physique (math) par son </a:t>
             </a:r>
             <a:r>
-              <a:rPr lang="fr-FR" dirty="0" err="1" smtClean="0"/>
+              <a:rPr lang="fr-FR" dirty="0" err="1"/>
               <a:t>namespace</a:t>
             </a:r>
             <a:r>
-              <a:rPr lang="fr-FR" dirty="0" smtClean="0"/>
+              <a:rPr lang="fr-FR" dirty="0"/>
               <a:t> (</a:t>
             </a:r>
             <a:r>
-              <a:rPr lang="fr-FR" dirty="0" err="1" smtClean="0"/>
+              <a:rPr lang="fr-FR" dirty="0" err="1"/>
               <a:t>mathematique</a:t>
             </a:r>
             <a:r>
-              <a:rPr lang="fr-FR" dirty="0" smtClean="0"/>
+              <a:rPr lang="fr-FR" dirty="0"/>
               <a:t>) qui contient les variables et fonctions</a:t>
             </a:r>
-            <a:endParaRPr lang="fr-FR" dirty="0"/>
           </a:p>
         </p:txBody>
       </p:sp>
@@ -5571,13 +5164,6 @@
   <p:clrMapOvr>
     <a:masterClrMapping/>
   </p:clrMapOvr>
-  <p:timing>
-    <p:tnLst>
-      <p:par>
-        <p:cTn id="1" dur="indefinite" restart="never" nodeType="tmRoot"/>
-      </p:par>
-    </p:tnLst>
-  </p:timing>
 </p:sld>
 </file>
 
@@ -5614,7 +5200,7 @@
           <a:lstStyle/>
           <a:p>
             <a:r>
-              <a:rPr lang="fr-FR" dirty="0" err="1" smtClean="0"/>
+              <a:rPr lang="fr-FR" dirty="0" err="1"/>
               <a:t>from</a:t>
             </a:r>
             <a:endParaRPr lang="fr-FR" dirty="0"/>
@@ -5658,11 +5244,7 @@
             </a:r>
             <a:r>
               <a:rPr lang="en-GB" altLang="fr-FR" dirty="0"/>
-              <a:t> "from &lt;module&gt; import &lt;nom</a:t>
-            </a:r>
-            <a:r>
-              <a:rPr lang="en-GB" altLang="fr-FR" dirty="0" smtClean="0"/>
-              <a:t>&gt;“</a:t>
+              <a:t> "from &lt;module&gt; import &lt;nom&gt;“</a:t>
             </a:r>
           </a:p>
           <a:p>
@@ -5704,13 +5286,6 @@
   <p:clrMapOvr>
     <a:masterClrMapping/>
   </p:clrMapOvr>
-  <p:timing>
-    <p:tnLst>
-      <p:par>
-        <p:cTn id="1" dur="indefinite" restart="never" nodeType="tmRoot"/>
-      </p:par>
-    </p:tnLst>
-  </p:timing>
 </p:sld>
 </file>
 
@@ -5747,14 +5322,13 @@
           <a:lstStyle/>
           <a:p>
             <a:r>
-              <a:rPr lang="fr-FR" dirty="0" err="1" smtClean="0"/>
+              <a:rPr lang="fr-FR" dirty="0" err="1"/>
               <a:t>from</a:t>
             </a:r>
             <a:r>
-              <a:rPr lang="fr-FR" dirty="0" smtClean="0"/>
+              <a:rPr lang="fr-FR" dirty="0"/>
               <a:t> import</a:t>
             </a:r>
-            <a:endParaRPr lang="fr-FR" dirty="0"/>
           </a:p>
         </p:txBody>
       </p:sp>
@@ -5774,41 +5348,33 @@
           <a:lstStyle/>
           <a:p>
             <a:r>
-              <a:rPr lang="en-GB" altLang="fr-FR" dirty="0" smtClean="0"/>
+              <a:rPr lang="en-GB" altLang="fr-FR" dirty="0"/>
               <a:t>From import </a:t>
             </a:r>
             <a:r>
-              <a:rPr lang="en-GB" altLang="fr-FR" dirty="0" err="1" smtClean="0"/>
+              <a:rPr lang="en-GB" altLang="fr-FR" dirty="0" err="1"/>
               <a:t>n’utilise</a:t>
             </a:r>
             <a:r>
-              <a:rPr lang="en-GB" altLang="fr-FR" dirty="0" smtClean="0"/>
+              <a:rPr lang="en-GB" altLang="fr-FR" dirty="0"/>
               <a:t> pas de namespace</a:t>
             </a:r>
           </a:p>
           <a:p>
             <a:r>
-              <a:rPr lang="en-GB" altLang="fr-FR" dirty="0" err="1" smtClean="0"/>
+              <a:rPr lang="en-GB" altLang="fr-FR" dirty="0" err="1"/>
               <a:t>Dans</a:t>
             </a:r>
             <a:r>
-              <a:rPr lang="en-GB" altLang="fr-FR" dirty="0" smtClean="0"/>
-              <a:t> "from </a:t>
-            </a:r>
-            <a:r>
-              <a:rPr lang="en-GB" altLang="fr-FR" dirty="0"/>
-              <a:t>&lt;module&gt; import &lt;nom</a:t>
-            </a:r>
-            <a:r>
-              <a:rPr lang="en-GB" altLang="fr-FR" dirty="0" smtClean="0"/>
-              <a:t>&gt;“ </a:t>
-            </a:r>
-            <a:r>
-              <a:rPr lang="en-GB" altLang="fr-FR" dirty="0" err="1" smtClean="0"/>
+              <a:rPr lang="en-GB" altLang="fr-FR" dirty="0"/>
+              <a:t> "from &lt;module&gt; import &lt;nom&gt;“ </a:t>
+            </a:r>
+            <a:r>
+              <a:rPr lang="en-GB" altLang="fr-FR" dirty="0" err="1"/>
               <a:t>seulement</a:t>
             </a:r>
             <a:r>
-              <a:rPr lang="en-GB" altLang="fr-FR" dirty="0" smtClean="0"/>
+              <a:rPr lang="en-GB" altLang="fr-FR" dirty="0"/>
               <a:t> </a:t>
             </a:r>
             <a:r>
@@ -5841,26 +5407,18 @@
             </a:r>
             <a:r>
               <a:rPr lang="en-GB" altLang="fr-FR" dirty="0"/>
-              <a:t> </a:t>
-            </a:r>
-            <a:r>
-              <a:rPr lang="en-GB" altLang="fr-FR" dirty="0" smtClean="0"/>
-              <a:t>execute</a:t>
+              <a:t> execute</a:t>
             </a:r>
           </a:p>
           <a:p>
             <a:pPr lvl="1"/>
             <a:r>
-              <a:rPr lang="en-GB" altLang="fr-FR" dirty="0" err="1" smtClean="0"/>
+              <a:rPr lang="en-GB" altLang="fr-FR" dirty="0" err="1"/>
               <a:t>mais</a:t>
             </a:r>
             <a:r>
-              <a:rPr lang="en-GB" altLang="fr-FR" dirty="0" smtClean="0"/>
-              <a:t> </a:t>
-            </a:r>
-            <a:r>
-              <a:rPr lang="en-GB" altLang="fr-FR" dirty="0"/>
-              <a:t>les </a:t>
+              <a:rPr lang="en-GB" altLang="fr-FR" dirty="0"/>
+              <a:t> les </a:t>
             </a:r>
             <a:r>
               <a:rPr lang="en-GB" altLang="fr-FR" dirty="0" err="1"/>
@@ -5896,11 +5454,7 @@
             </a:r>
             <a:r>
               <a:rPr lang="en-GB" altLang="fr-FR" dirty="0"/>
-              <a:t> </a:t>
-            </a:r>
-            <a:r>
-              <a:rPr lang="en-GB" altLang="fr-FR" dirty="0" smtClean="0"/>
-              <a:t>variables ne </a:t>
+              <a:t> variables ne </a:t>
             </a:r>
             <a:r>
               <a:rPr lang="en-GB" altLang="fr-FR" dirty="0" err="1"/>
@@ -5915,10 +5469,10 @@
               <a:t>pas </a:t>
             </a:r>
             <a:r>
-              <a:rPr lang="en-GB" altLang="fr-FR" b="1" dirty="0" err="1" smtClean="0"/>
+              <a:rPr lang="en-GB" altLang="fr-FR" b="1" dirty="0" err="1"/>
               <a:t>affectées</a:t>
             </a:r>
-            <a:endParaRPr lang="en-GB" altLang="fr-FR" b="1" dirty="0" smtClean="0"/>
+            <a:endParaRPr lang="en-GB" altLang="fr-FR" b="1" dirty="0"/>
           </a:p>
           <a:p>
             <a:r>
@@ -5965,13 +5519,6 @@
   <p:clrMapOvr>
     <a:masterClrMapping/>
   </p:clrMapOvr>
-  <p:timing>
-    <p:tnLst>
-      <p:par>
-        <p:cTn id="1" dur="indefinite" restart="never" nodeType="tmRoot"/>
-      </p:par>
-    </p:tnLst>
-  </p:timing>
 </p:sld>
 </file>
 
@@ -6009,17 +5556,12 @@
           <a:p>
             <a:r>
               <a:rPr lang="fr-FR" dirty="0" err="1"/>
-              <a:t>f</a:t>
-            </a:r>
-            <a:r>
-              <a:rPr lang="fr-FR" dirty="0" err="1" smtClean="0"/>
-              <a:t>rom</a:t>
-            </a:r>
-            <a:r>
-              <a:rPr lang="fr-FR" dirty="0" smtClean="0"/>
+              <a:t>from</a:t>
+            </a:r>
+            <a:r>
+              <a:rPr lang="fr-FR" dirty="0"/>
               <a:t> import *</a:t>
             </a:r>
-            <a:endParaRPr lang="fr-FR" dirty="0"/>
           </a:p>
         </p:txBody>
       </p:sp>
@@ -6042,16 +5584,11 @@
               <a:rPr lang="en-GB" altLang="fr-FR" dirty="0"/>
               <a:t>from &lt;module&gt; import *</a:t>
             </a:r>
-            <a:endParaRPr lang="en-GB" altLang="fr-FR" dirty="0" smtClean="0"/>
-          </a:p>
-          <a:p>
-            <a:r>
-              <a:rPr lang="en-GB" altLang="fr-FR" dirty="0" smtClean="0"/>
-              <a:t>Si </a:t>
-            </a:r>
-            <a:r>
-              <a:rPr lang="en-GB" altLang="fr-FR" dirty="0"/>
-              <a:t>&lt;nom&gt; </a:t>
+          </a:p>
+          <a:p>
+            <a:r>
+              <a:rPr lang="en-GB" altLang="fr-FR" dirty="0"/>
+              <a:t>Si &lt;nom&gt; </a:t>
             </a:r>
             <a:r>
               <a:rPr lang="en-GB" altLang="fr-FR" dirty="0" err="1"/>
@@ -6175,13 +5712,6 @@
   <p:clrMapOvr>
     <a:masterClrMapping/>
   </p:clrMapOvr>
-  <p:timing>
-    <p:tnLst>
-      <p:par>
-        <p:cTn id="1" dur="indefinite" restart="never" nodeType="tmRoot"/>
-      </p:par>
-    </p:tnLst>
-  </p:timing>
 </p:sld>
 </file>
 
@@ -6218,14 +5748,13 @@
           <a:lstStyle/>
           <a:p>
             <a:r>
-              <a:rPr lang="fr-FR" dirty="0" err="1" smtClean="0"/>
+              <a:rPr lang="fr-FR" dirty="0" err="1"/>
               <a:t>From</a:t>
             </a:r>
             <a:r>
-              <a:rPr lang="fr-FR" dirty="0" smtClean="0"/>
+              <a:rPr lang="fr-FR" dirty="0"/>
               <a:t> vs import</a:t>
             </a:r>
-            <a:endParaRPr lang="fr-FR" dirty="0"/>
           </a:p>
         </p:txBody>
       </p:sp>
@@ -6246,12 +5775,8 @@
           <a:p>
             <a:pPr eaLnBrk="1" hangingPunct="1"/>
             <a:r>
-              <a:rPr lang="fr-BE" altLang="fr-FR" dirty="0" smtClean="0"/>
-              <a:t>La </a:t>
-            </a:r>
-            <a:r>
               <a:rPr lang="fr-BE" altLang="fr-FR" dirty="0"/>
-              <a:t>grande différence entre "import &lt;module&gt;" et "</a:t>
+              <a:t>La grande différence entre "import &lt;module&gt;" et "</a:t>
             </a:r>
             <a:r>
               <a:rPr lang="fr-BE" altLang="fr-FR" dirty="0" err="1"/>
@@ -6259,22 +5784,14 @@
             </a:r>
             <a:r>
               <a:rPr lang="fr-BE" altLang="fr-FR" dirty="0"/>
-              <a:t> &lt;module&gt; import *" est que les noms ne sont pas mémorisés sur le même </a:t>
-            </a:r>
-            <a:r>
-              <a:rPr lang="fr-BE" altLang="fr-FR" dirty="0" smtClean="0"/>
-              <a:t>niveau</a:t>
+              <a:t> &lt;module&gt; import *" est que les noms ne sont pas mémorisés sur le même niveau</a:t>
             </a:r>
           </a:p>
           <a:p>
             <a:pPr lvl="1" eaLnBrk="1" hangingPunct="1"/>
             <a:r>
-              <a:rPr lang="fr-BE" altLang="fr-FR" dirty="0" smtClean="0"/>
-              <a:t>Le </a:t>
-            </a:r>
-            <a:r>
               <a:rPr lang="fr-BE" altLang="fr-FR" dirty="0"/>
-              <a:t>premier sera mémorisé sous le nom du module, tandis qu'avec "</a:t>
+              <a:t>Le premier sera mémorisé sous le nom du module, tandis qu'avec "</a:t>
             </a:r>
             <a:r>
               <a:rPr lang="fr-BE" altLang="fr-FR" dirty="0" err="1"/>
@@ -6282,13 +5799,8 @@
             </a:r>
             <a:r>
               <a:rPr lang="fr-BE" altLang="fr-FR" dirty="0"/>
-              <a:t>" la valeur est directement visible dans la </a:t>
-            </a:r>
-            <a:r>
-              <a:rPr lang="fr-BE" altLang="fr-FR" dirty="0" smtClean="0"/>
-              <a:t>racine</a:t>
-            </a:r>
-            <a:endParaRPr lang="fr-BE" altLang="fr-FR" dirty="0"/>
+              <a:t>" la valeur est directement visible dans la racine</a:t>
+            </a:r>
           </a:p>
           <a:p>
             <a:endParaRPr lang="fr-FR" dirty="0"/>
@@ -6305,13 +5817,6 @@
   <p:clrMapOvr>
     <a:masterClrMapping/>
   </p:clrMapOvr>
-  <p:timing>
-    <p:tnLst>
-      <p:par>
-        <p:cTn id="1" dur="indefinite" restart="never" nodeType="tmRoot"/>
-      </p:par>
-    </p:tnLst>
-  </p:timing>
 </p:sld>
 </file>
 

--- a/ppt/Python05-Modules.pptx
+++ b/ppt/Python05-Modules.pptx
@@ -5,25 +5,24 @@
     <p:sldMasterId id="2147483653" r:id="rId1"/>
   </p:sldMasterIdLst>
   <p:notesMasterIdLst>
-    <p:notesMasterId r:id="rId15"/>
+    <p:notesMasterId r:id="rId14"/>
   </p:notesMasterIdLst>
   <p:handoutMasterIdLst>
-    <p:handoutMasterId r:id="rId16"/>
+    <p:handoutMasterId r:id="rId15"/>
   </p:handoutMasterIdLst>
   <p:sldIdLst>
     <p:sldId id="264" r:id="rId2"/>
     <p:sldId id="265" r:id="rId3"/>
     <p:sldId id="266" r:id="rId4"/>
-    <p:sldId id="267" r:id="rId5"/>
-    <p:sldId id="268" r:id="rId6"/>
-    <p:sldId id="269" r:id="rId7"/>
-    <p:sldId id="270" r:id="rId8"/>
-    <p:sldId id="271" r:id="rId9"/>
-    <p:sldId id="272" r:id="rId10"/>
-    <p:sldId id="275" r:id="rId11"/>
-    <p:sldId id="276" r:id="rId12"/>
-    <p:sldId id="277" r:id="rId13"/>
-    <p:sldId id="278" r:id="rId14"/>
+    <p:sldId id="268" r:id="rId5"/>
+    <p:sldId id="269" r:id="rId6"/>
+    <p:sldId id="270" r:id="rId7"/>
+    <p:sldId id="271" r:id="rId8"/>
+    <p:sldId id="272" r:id="rId9"/>
+    <p:sldId id="275" r:id="rId10"/>
+    <p:sldId id="276" r:id="rId11"/>
+    <p:sldId id="277" r:id="rId12"/>
+    <p:sldId id="278" r:id="rId13"/>
   </p:sldIdLst>
   <p:sldSz cx="9144000" cy="6858000" type="screen4x3"/>
   <p:notesSz cx="6648450" cy="9782175"/>
@@ -3742,10 +3741,1912 @@
   <p:clrMapOvr>
     <a:masterClrMapping/>
   </p:clrMapOvr>
+  <p:timing>
+    <p:tnLst>
+      <p:par>
+        <p:cTn id="1" dur="indefinite" restart="never" nodeType="tmRoot"/>
+      </p:par>
+    </p:tnLst>
+  </p:timing>
 </p:sld>
 </file>
 
 <file path=ppt/slides/slide10.xml><?xml version="1.0" encoding="utf-8"?>
+<p:sld xmlns:a="http://schemas.openxmlformats.org/drawingml/2006/main" xmlns:r="http://schemas.openxmlformats.org/officeDocument/2006/relationships" xmlns:p="http://schemas.openxmlformats.org/presentationml/2006/main">
+  <p:cSld>
+    <p:spTree>
+      <p:nvGrpSpPr>
+        <p:cNvPr id="1" name=""/>
+        <p:cNvGrpSpPr/>
+        <p:nvPr/>
+      </p:nvGrpSpPr>
+      <p:grpSpPr>
+        <a:xfrm>
+          <a:off x="0" y="0"/>
+          <a:ext cx="0" cy="0"/>
+          <a:chOff x="0" y="0"/>
+          <a:chExt cx="0" cy="0"/>
+        </a:xfrm>
+      </p:grpSpPr>
+      <p:sp>
+        <p:nvSpPr>
+          <p:cNvPr id="2" name="Titre 1"/>
+          <p:cNvSpPr>
+            <a:spLocks noGrp="1"/>
+          </p:cNvSpPr>
+          <p:nvPr>
+            <p:ph type="title"/>
+          </p:nvPr>
+        </p:nvSpPr>
+        <p:spPr/>
+        <p:txBody>
+          <a:bodyPr/>
+          <a:lstStyle/>
+          <a:p>
+            <a:r>
+              <a:rPr lang="fr-FR" dirty="0"/>
+              <a:t>Test dans le même fichier</a:t>
+            </a:r>
+          </a:p>
+        </p:txBody>
+      </p:sp>
+      <p:sp>
+        <p:nvSpPr>
+          <p:cNvPr id="3" name="Espace réservé du contenu 2"/>
+          <p:cNvSpPr>
+            <a:spLocks noGrp="1"/>
+          </p:cNvSpPr>
+          <p:nvPr>
+            <p:ph idx="1"/>
+          </p:nvPr>
+        </p:nvSpPr>
+        <p:spPr/>
+        <p:txBody>
+          <a:bodyPr/>
+          <a:lstStyle/>
+          <a:p>
+            <a:r>
+              <a:rPr lang="fr-FR" dirty="0"/>
+              <a:t>Faire un test de module dans le module-même</a:t>
+            </a:r>
+          </a:p>
+          <a:p>
+            <a:r>
+              <a:rPr lang="fr-FR" dirty="0"/>
+              <a:t>Dans l’exemple précédent, si nous rajoutons juste en dessous une ligne, par exemple table(8), cette ligne sera exécutée lors de l'importation et donc, dans le programme appelant le module</a:t>
+            </a:r>
+          </a:p>
+          <a:p>
+            <a:pPr lvl="1"/>
+            <a:r>
+              <a:rPr lang="fr-FR" dirty="0"/>
+              <a:t>Quand vous ferez import </a:t>
+            </a:r>
+            <a:r>
+              <a:rPr lang="fr-FR" dirty="0" err="1"/>
+              <a:t>multipli</a:t>
+            </a:r>
+            <a:r>
+              <a:rPr lang="fr-FR" dirty="0"/>
+              <a:t>, vous verrez la table de multiplication par 8 s'afficher… hum, il y a mieux</a:t>
+            </a:r>
+          </a:p>
+          <a:p>
+            <a:endParaRPr lang="fr-FR" dirty="0"/>
+          </a:p>
+        </p:txBody>
+      </p:sp>
+    </p:spTree>
+    <p:extLst>
+      <p:ext uri="{BB962C8B-B14F-4D97-AF65-F5344CB8AC3E}">
+        <p14:creationId xmlns:p14="http://schemas.microsoft.com/office/powerpoint/2010/main" val="1106934747"/>
+      </p:ext>
+    </p:extLst>
+  </p:cSld>
+  <p:clrMapOvr>
+    <a:masterClrMapping/>
+  </p:clrMapOvr>
+  <p:timing>
+    <p:tnLst>
+      <p:par>
+        <p:cTn id="1" dur="indefinite" restart="never" nodeType="tmRoot"/>
+      </p:par>
+    </p:tnLst>
+  </p:timing>
+</p:sld>
+</file>
+
+<file path=ppt/slides/slide11.xml><?xml version="1.0" encoding="utf-8"?>
+<p:sld xmlns:a="http://schemas.openxmlformats.org/drawingml/2006/main" xmlns:r="http://schemas.openxmlformats.org/officeDocument/2006/relationships" xmlns:p="http://schemas.openxmlformats.org/presentationml/2006/main">
+  <p:cSld>
+    <p:spTree>
+      <p:nvGrpSpPr>
+        <p:cNvPr id="1" name=""/>
+        <p:cNvGrpSpPr/>
+        <p:nvPr/>
+      </p:nvGrpSpPr>
+      <p:grpSpPr>
+        <a:xfrm>
+          <a:off x="0" y="0"/>
+          <a:ext cx="0" cy="0"/>
+          <a:chOff x="0" y="0"/>
+          <a:chExt cx="0" cy="0"/>
+        </a:xfrm>
+      </p:grpSpPr>
+      <p:sp>
+        <p:nvSpPr>
+          <p:cNvPr id="2" name="Titre 1"/>
+          <p:cNvSpPr>
+            <a:spLocks noGrp="1"/>
+          </p:cNvSpPr>
+          <p:nvPr>
+            <p:ph type="title"/>
+          </p:nvPr>
+        </p:nvSpPr>
+        <p:spPr/>
+        <p:txBody>
+          <a:bodyPr/>
+          <a:lstStyle/>
+          <a:p>
+            <a:r>
+              <a:rPr lang="fr-FR" dirty="0"/>
+              <a:t>__</a:t>
+            </a:r>
+            <a:r>
+              <a:rPr lang="fr-FR" dirty="0" err="1"/>
+              <a:t>name</a:t>
+            </a:r>
+            <a:r>
+              <a:rPr lang="fr-FR" dirty="0"/>
+              <a:t>__</a:t>
+            </a:r>
+          </a:p>
+        </p:txBody>
+      </p:sp>
+      <p:sp>
+        <p:nvSpPr>
+          <p:cNvPr id="3" name="Espace réservé du contenu 2"/>
+          <p:cNvSpPr>
+            <a:spLocks noGrp="1"/>
+          </p:cNvSpPr>
+          <p:nvPr>
+            <p:ph idx="1"/>
+          </p:nvPr>
+        </p:nvSpPr>
+        <p:spPr/>
+        <p:txBody>
+          <a:bodyPr/>
+          <a:lstStyle/>
+          <a:p>
+            <a:r>
+              <a:rPr lang="fr-FR" dirty="0"/>
+              <a:t>Si vous exécutez directement multipli.py, vous allez voir la table de multiplication par 4</a:t>
+            </a:r>
+          </a:p>
+          <a:p>
+            <a:r>
+              <a:rPr lang="fr-FR" dirty="0"/>
+              <a:t>En revanche, si vous l'importez, le code de test ne s'exécutera pas.</a:t>
+            </a:r>
+          </a:p>
+          <a:p>
+            <a:pPr lvl="1"/>
+            <a:r>
+              <a:rPr lang="fr-FR" dirty="0"/>
+              <a:t>Tout repose en fait sur la variable __</a:t>
+            </a:r>
+            <a:r>
+              <a:rPr lang="fr-FR" dirty="0" err="1"/>
+              <a:t>name</a:t>
+            </a:r>
+            <a:r>
+              <a:rPr lang="fr-FR" dirty="0"/>
+              <a:t>__ si elle vaut __main__, cela veut dire que le fichier appelé est le fichier exécuté</a:t>
+            </a:r>
+          </a:p>
+        </p:txBody>
+      </p:sp>
+      <p:pic>
+        <p:nvPicPr>
+          <p:cNvPr id="7" name="Image 6"/>
+          <p:cNvPicPr>
+            <a:picLocks noChangeAspect="1"/>
+          </p:cNvPicPr>
+          <p:nvPr/>
+        </p:nvPicPr>
+        <p:blipFill>
+          <a:blip r:embed="rId2"/>
+          <a:stretch>
+            <a:fillRect/>
+          </a:stretch>
+        </p:blipFill>
+        <p:spPr>
+          <a:xfrm>
+            <a:off x="2987824" y="4041694"/>
+            <a:ext cx="6905413" cy="2636912"/>
+          </a:xfrm>
+          <a:prstGeom prst="rect">
+            <a:avLst/>
+          </a:prstGeom>
+        </p:spPr>
+      </p:pic>
+    </p:spTree>
+    <p:extLst>
+      <p:ext uri="{BB962C8B-B14F-4D97-AF65-F5344CB8AC3E}">
+        <p14:creationId xmlns:p14="http://schemas.microsoft.com/office/powerpoint/2010/main" val="631756722"/>
+      </p:ext>
+    </p:extLst>
+  </p:cSld>
+  <p:clrMapOvr>
+    <a:masterClrMapping/>
+  </p:clrMapOvr>
+  <p:timing>
+    <p:tnLst>
+      <p:par>
+        <p:cTn id="1" dur="indefinite" restart="never" nodeType="tmRoot"/>
+      </p:par>
+    </p:tnLst>
+  </p:timing>
+</p:sld>
+</file>
+
+<file path=ppt/slides/slide12.xml><?xml version="1.0" encoding="utf-8"?>
+<p:sld xmlns:a="http://schemas.openxmlformats.org/drawingml/2006/main" xmlns:r="http://schemas.openxmlformats.org/officeDocument/2006/relationships" xmlns:p="http://schemas.openxmlformats.org/presentationml/2006/main">
+  <p:cSld>
+    <p:spTree>
+      <p:nvGrpSpPr>
+        <p:cNvPr id="1" name=""/>
+        <p:cNvGrpSpPr/>
+        <p:nvPr/>
+      </p:nvGrpSpPr>
+      <p:grpSpPr>
+        <a:xfrm>
+          <a:off x="0" y="0"/>
+          <a:ext cx="0" cy="0"/>
+          <a:chOff x="0" y="0"/>
+          <a:chExt cx="0" cy="0"/>
+        </a:xfrm>
+      </p:grpSpPr>
+      <p:sp>
+        <p:nvSpPr>
+          <p:cNvPr id="2" name="Titre 1"/>
+          <p:cNvSpPr>
+            <a:spLocks noGrp="1"/>
+          </p:cNvSpPr>
+          <p:nvPr>
+            <p:ph type="title"/>
+          </p:nvPr>
+        </p:nvSpPr>
+        <p:spPr/>
+        <p:txBody>
+          <a:bodyPr/>
+          <a:lstStyle/>
+          <a:p>
+            <a:r>
+              <a:rPr lang="fr-FR" dirty="0"/>
+              <a:t>Packages</a:t>
+            </a:r>
+          </a:p>
+        </p:txBody>
+      </p:sp>
+      <p:sp>
+        <p:nvSpPr>
+          <p:cNvPr id="3" name="Espace réservé du contenu 2"/>
+          <p:cNvSpPr>
+            <a:spLocks noGrp="1"/>
+          </p:cNvSpPr>
+          <p:nvPr>
+            <p:ph idx="1"/>
+          </p:nvPr>
+        </p:nvSpPr>
+        <p:spPr/>
+        <p:txBody>
+          <a:bodyPr/>
+          <a:lstStyle/>
+          <a:p>
+            <a:r>
+              <a:rPr lang="fr-FR" dirty="0"/>
+              <a:t>Les modules sont un des moyens de regrouper plusieurs fonctions</a:t>
+            </a:r>
+          </a:p>
+          <a:p>
+            <a:r>
+              <a:rPr lang="fr-FR" dirty="0"/>
+              <a:t>On peut aller encore au-delà en regroupant des modules dans ce qu'on va appeler des </a:t>
+            </a:r>
+            <a:r>
+              <a:rPr lang="fr-FR" b="1" dirty="0"/>
+              <a:t>packages</a:t>
+            </a:r>
+          </a:p>
+          <a:p>
+            <a:r>
+              <a:rPr lang="fr-FR" dirty="0"/>
+              <a:t> les packages sont des répertoires</a:t>
+            </a:r>
+          </a:p>
+          <a:p>
+            <a:pPr lvl="1"/>
+            <a:r>
+              <a:rPr lang="fr-FR" dirty="0"/>
+              <a:t>Dedans peuvent se trouver d'autres répertoires (d'autres packages) ou des fichiers (des modules)</a:t>
+            </a:r>
+          </a:p>
+          <a:p>
+            <a:r>
+              <a:rPr lang="fr-FR" dirty="0"/>
+              <a:t>import </a:t>
+            </a:r>
+            <a:r>
+              <a:rPr lang="fr-FR" dirty="0" err="1"/>
+              <a:t>nom_package</a:t>
+            </a:r>
+            <a:r>
+              <a:rPr lang="fr-FR" dirty="0"/>
+              <a:t> (ou </a:t>
+            </a:r>
+            <a:r>
+              <a:rPr lang="fr-FR" dirty="0" err="1"/>
+              <a:t>from</a:t>
+            </a:r>
+            <a:r>
+              <a:rPr lang="fr-FR" dirty="0"/>
+              <a:t> import)</a:t>
+            </a:r>
+          </a:p>
+          <a:p>
+            <a:r>
+              <a:rPr lang="fr-FR" dirty="0"/>
+              <a:t>import </a:t>
+            </a:r>
+            <a:r>
+              <a:rPr lang="fr-FR" dirty="0" err="1"/>
+              <a:t>nom_package.sous_package</a:t>
+            </a:r>
+            <a:endParaRPr lang="fr-FR" dirty="0"/>
+          </a:p>
+          <a:p>
+            <a:endParaRPr lang="fr-FR" dirty="0"/>
+          </a:p>
+        </p:txBody>
+      </p:sp>
+    </p:spTree>
+    <p:extLst>
+      <p:ext uri="{BB962C8B-B14F-4D97-AF65-F5344CB8AC3E}">
+        <p14:creationId xmlns:p14="http://schemas.microsoft.com/office/powerpoint/2010/main" val="3570223045"/>
+      </p:ext>
+    </p:extLst>
+  </p:cSld>
+  <p:clrMapOvr>
+    <a:masterClrMapping/>
+  </p:clrMapOvr>
+  <p:timing>
+    <p:tnLst>
+      <p:par>
+        <p:cTn id="1" dur="indefinite" restart="never" nodeType="tmRoot"/>
+      </p:par>
+    </p:tnLst>
+  </p:timing>
+</p:sld>
+</file>
+
+<file path=ppt/slides/slide2.xml><?xml version="1.0" encoding="utf-8"?>
+<p:sld xmlns:a="http://schemas.openxmlformats.org/drawingml/2006/main" xmlns:r="http://schemas.openxmlformats.org/officeDocument/2006/relationships" xmlns:p="http://schemas.openxmlformats.org/presentationml/2006/main">
+  <p:cSld>
+    <p:spTree>
+      <p:nvGrpSpPr>
+        <p:cNvPr id="1" name=""/>
+        <p:cNvGrpSpPr/>
+        <p:nvPr/>
+      </p:nvGrpSpPr>
+      <p:grpSpPr>
+        <a:xfrm>
+          <a:off x="0" y="0"/>
+          <a:ext cx="0" cy="0"/>
+          <a:chOff x="0" y="0"/>
+          <a:chExt cx="0" cy="0"/>
+        </a:xfrm>
+      </p:grpSpPr>
+      <p:sp>
+        <p:nvSpPr>
+          <p:cNvPr id="2" name="Titre 1"/>
+          <p:cNvSpPr>
+            <a:spLocks noGrp="1"/>
+          </p:cNvSpPr>
+          <p:nvPr>
+            <p:ph type="title"/>
+          </p:nvPr>
+        </p:nvSpPr>
+        <p:spPr/>
+        <p:txBody>
+          <a:bodyPr/>
+          <a:lstStyle/>
+          <a:p>
+            <a:r>
+              <a:rPr lang="fr-FR" dirty="0"/>
+              <a:t>Module</a:t>
+            </a:r>
+          </a:p>
+        </p:txBody>
+      </p:sp>
+      <p:sp>
+        <p:nvSpPr>
+          <p:cNvPr id="3" name="Espace réservé du contenu 2"/>
+          <p:cNvSpPr>
+            <a:spLocks noGrp="1"/>
+          </p:cNvSpPr>
+          <p:nvPr>
+            <p:ph idx="1"/>
+          </p:nvPr>
+        </p:nvSpPr>
+        <p:spPr/>
+        <p:txBody>
+          <a:bodyPr/>
+          <a:lstStyle/>
+          <a:p>
+            <a:pPr eaLnBrk="1" hangingPunct="1">
+              <a:lnSpc>
+                <a:spcPct val="90000"/>
+              </a:lnSpc>
+            </a:pPr>
+            <a:r>
+              <a:rPr lang="en-GB" altLang="fr-FR" b="1" dirty="0"/>
+              <a:t>Un module</a:t>
+            </a:r>
+            <a:r>
+              <a:rPr lang="en-GB" altLang="fr-FR" dirty="0"/>
+              <a:t> </a:t>
+            </a:r>
+            <a:r>
+              <a:rPr lang="en-GB" altLang="fr-FR" dirty="0" err="1"/>
+              <a:t>est</a:t>
+            </a:r>
+            <a:r>
+              <a:rPr lang="en-GB" altLang="fr-FR" dirty="0"/>
+              <a:t> un </a:t>
+            </a:r>
+            <a:r>
+              <a:rPr lang="en-GB" altLang="fr-FR" dirty="0" err="1"/>
+              <a:t>fichier</a:t>
+            </a:r>
+            <a:r>
+              <a:rPr lang="en-GB" altLang="fr-FR" dirty="0"/>
+              <a:t> </a:t>
+            </a:r>
+            <a:r>
+              <a:rPr lang="en-GB" altLang="fr-FR" dirty="0" err="1"/>
+              <a:t>contenant</a:t>
+            </a:r>
+            <a:r>
+              <a:rPr lang="en-GB" altLang="fr-FR" dirty="0"/>
+              <a:t> des </a:t>
+            </a:r>
+            <a:r>
+              <a:rPr lang="en-GB" altLang="fr-FR" dirty="0" err="1"/>
+              <a:t>définitions</a:t>
+            </a:r>
+            <a:r>
+              <a:rPr lang="en-GB" altLang="fr-FR" dirty="0"/>
+              <a:t> et des instructions Python. Le nom du </a:t>
+            </a:r>
+            <a:r>
+              <a:rPr lang="en-GB" altLang="fr-FR" dirty="0" err="1"/>
+              <a:t>fichier</a:t>
+            </a:r>
+            <a:r>
+              <a:rPr lang="en-GB" altLang="fr-FR" dirty="0"/>
+              <a:t> </a:t>
+            </a:r>
+            <a:r>
+              <a:rPr lang="en-GB" altLang="fr-FR" dirty="0" err="1"/>
+              <a:t>est</a:t>
+            </a:r>
+            <a:r>
+              <a:rPr lang="en-GB" altLang="fr-FR" dirty="0"/>
+              <a:t> le </a:t>
+            </a:r>
+            <a:r>
+              <a:rPr lang="en-GB" altLang="fr-FR" b="1" dirty="0"/>
+              <a:t>nom du module</a:t>
+            </a:r>
+            <a:r>
+              <a:rPr lang="en-GB" altLang="fr-FR" dirty="0"/>
+              <a:t> </a:t>
+            </a:r>
+            <a:r>
+              <a:rPr lang="en-GB" altLang="fr-FR" dirty="0" err="1"/>
+              <a:t>auquel</a:t>
+            </a:r>
+            <a:r>
+              <a:rPr lang="en-GB" altLang="fr-FR" dirty="0"/>
+              <a:t> </a:t>
+            </a:r>
+            <a:r>
+              <a:rPr lang="en-GB" altLang="fr-FR" dirty="0" err="1"/>
+              <a:t>est</a:t>
+            </a:r>
+            <a:r>
+              <a:rPr lang="en-GB" altLang="fr-FR" dirty="0"/>
+              <a:t> </a:t>
+            </a:r>
+            <a:r>
+              <a:rPr lang="en-GB" altLang="fr-FR" dirty="0" err="1"/>
+              <a:t>ajouté</a:t>
+            </a:r>
+            <a:r>
+              <a:rPr lang="en-GB" altLang="fr-FR" dirty="0"/>
+              <a:t> le </a:t>
+            </a:r>
+            <a:r>
+              <a:rPr lang="en-GB" altLang="fr-FR" dirty="0" err="1"/>
+              <a:t>suffixe</a:t>
+            </a:r>
+            <a:r>
+              <a:rPr lang="en-GB" altLang="fr-FR" dirty="0"/>
+              <a:t> .</a:t>
+            </a:r>
+            <a:r>
+              <a:rPr lang="en-GB" altLang="fr-FR" dirty="0" err="1"/>
+              <a:t>py</a:t>
+            </a:r>
+            <a:r>
+              <a:rPr lang="en-GB" altLang="fr-FR" dirty="0"/>
+              <a:t>.</a:t>
+            </a:r>
+          </a:p>
+          <a:p>
+            <a:pPr lvl="1" eaLnBrk="1" hangingPunct="1">
+              <a:lnSpc>
+                <a:spcPct val="90000"/>
+              </a:lnSpc>
+            </a:pPr>
+            <a:r>
+              <a:rPr lang="en-GB" altLang="fr-FR" dirty="0" err="1"/>
+              <a:t>permet</a:t>
+            </a:r>
+            <a:r>
+              <a:rPr lang="en-GB" altLang="fr-FR" dirty="0"/>
+              <a:t> de </a:t>
+            </a:r>
+            <a:r>
+              <a:rPr lang="en-GB" altLang="fr-FR" dirty="0" err="1"/>
+              <a:t>relancer</a:t>
+            </a:r>
+            <a:r>
+              <a:rPr lang="en-GB" altLang="fr-FR" dirty="0"/>
+              <a:t> un </a:t>
+            </a:r>
+            <a:r>
+              <a:rPr lang="en-GB" altLang="fr-FR" dirty="0" err="1"/>
+              <a:t>même</a:t>
+            </a:r>
+            <a:r>
+              <a:rPr lang="en-GB" altLang="fr-FR" dirty="0"/>
+              <a:t> programme sans tout   	               </a:t>
+            </a:r>
+            <a:r>
+              <a:rPr lang="en-GB" altLang="fr-FR" dirty="0" err="1"/>
+              <a:t>réécrire</a:t>
+            </a:r>
+            <a:endParaRPr lang="en-GB" altLang="fr-FR" dirty="0"/>
+          </a:p>
+          <a:p>
+            <a:pPr lvl="1" eaLnBrk="1" hangingPunct="1">
+              <a:lnSpc>
+                <a:spcPct val="90000"/>
+              </a:lnSpc>
+            </a:pPr>
+            <a:r>
+              <a:rPr lang="en-GB" altLang="fr-FR" dirty="0" err="1"/>
+              <a:t>d’utiliser</a:t>
+            </a:r>
+            <a:r>
+              <a:rPr lang="en-GB" altLang="fr-FR" dirty="0"/>
+              <a:t> </a:t>
+            </a:r>
+            <a:r>
+              <a:rPr lang="en-GB" altLang="fr-FR" dirty="0" err="1"/>
+              <a:t>dans</a:t>
+            </a:r>
+            <a:r>
+              <a:rPr lang="en-GB" altLang="fr-FR" dirty="0"/>
+              <a:t> </a:t>
+            </a:r>
+            <a:r>
+              <a:rPr lang="en-GB" altLang="fr-FR" dirty="0" err="1"/>
+              <a:t>plusieurs</a:t>
+            </a:r>
+            <a:r>
+              <a:rPr lang="en-GB" altLang="fr-FR" dirty="0"/>
+              <a:t> programmes </a:t>
+            </a:r>
+            <a:r>
+              <a:rPr lang="en-GB" altLang="fr-FR" dirty="0" err="1"/>
+              <a:t>une</a:t>
+            </a:r>
+            <a:r>
+              <a:rPr lang="en-GB" altLang="fr-FR" dirty="0"/>
+              <a:t> </a:t>
+            </a:r>
+            <a:r>
+              <a:rPr lang="en-GB" altLang="fr-FR" dirty="0" err="1"/>
+              <a:t>même</a:t>
+            </a:r>
+            <a:r>
+              <a:rPr lang="en-GB" altLang="fr-FR" dirty="0"/>
+              <a:t> </a:t>
+            </a:r>
+            <a:r>
+              <a:rPr lang="en-GB" altLang="fr-FR" dirty="0" err="1"/>
+              <a:t>fonction</a:t>
+            </a:r>
+            <a:r>
+              <a:rPr lang="en-GB" altLang="fr-FR" dirty="0"/>
+              <a:t>               </a:t>
+            </a:r>
+          </a:p>
+          <a:p>
+            <a:pPr eaLnBrk="1" hangingPunct="1">
+              <a:lnSpc>
+                <a:spcPct val="90000"/>
+              </a:lnSpc>
+              <a:spcBef>
+                <a:spcPts val="500"/>
+              </a:spcBef>
+              <a:spcAft>
+                <a:spcPts val="500"/>
+              </a:spcAft>
+            </a:pPr>
+            <a:r>
+              <a:rPr lang="en-GB" altLang="fr-FR" dirty="0" err="1"/>
+              <a:t>Chaque</a:t>
+            </a:r>
+            <a:r>
+              <a:rPr lang="en-GB" altLang="fr-FR" dirty="0"/>
+              <a:t> module a </a:t>
+            </a:r>
+            <a:r>
+              <a:rPr lang="en-GB" altLang="fr-FR" dirty="0" err="1"/>
+              <a:t>sa</a:t>
+            </a:r>
+            <a:r>
+              <a:rPr lang="en-GB" altLang="fr-FR" dirty="0"/>
+              <a:t> </a:t>
+            </a:r>
+            <a:r>
+              <a:rPr lang="en-GB" altLang="fr-FR" b="1" dirty="0" err="1"/>
+              <a:t>propre</a:t>
+            </a:r>
+            <a:r>
+              <a:rPr lang="en-GB" altLang="fr-FR" b="1" dirty="0"/>
+              <a:t> table de </a:t>
+            </a:r>
+            <a:r>
+              <a:rPr lang="en-GB" altLang="fr-FR" b="1" dirty="0" err="1"/>
+              <a:t>symboles</a:t>
+            </a:r>
+            <a:r>
+              <a:rPr lang="en-GB" altLang="fr-FR" b="1" dirty="0"/>
+              <a:t> </a:t>
+            </a:r>
+            <a:r>
+              <a:rPr lang="en-GB" altLang="fr-FR" b="1" dirty="0" err="1"/>
+              <a:t>privée</a:t>
+            </a:r>
+            <a:r>
+              <a:rPr lang="en-GB" altLang="fr-FR" dirty="0"/>
+              <a:t>, qui </a:t>
+            </a:r>
+            <a:r>
+              <a:rPr lang="en-GB" altLang="fr-FR" dirty="0" err="1"/>
+              <a:t>est</a:t>
+            </a:r>
+            <a:r>
+              <a:rPr lang="en-GB" altLang="fr-FR" dirty="0"/>
+              <a:t> </a:t>
+            </a:r>
+            <a:r>
+              <a:rPr lang="en-GB" altLang="fr-FR" dirty="0" err="1"/>
+              <a:t>utilisée</a:t>
+            </a:r>
+            <a:r>
+              <a:rPr lang="en-GB" altLang="fr-FR" dirty="0"/>
+              <a:t> </a:t>
+            </a:r>
+            <a:r>
+              <a:rPr lang="en-GB" altLang="fr-FR" dirty="0" err="1"/>
+              <a:t>comme</a:t>
+            </a:r>
+            <a:r>
+              <a:rPr lang="en-GB" altLang="fr-FR" dirty="0"/>
+              <a:t> table de </a:t>
+            </a:r>
+            <a:r>
+              <a:rPr lang="en-GB" altLang="fr-FR" dirty="0" err="1"/>
+              <a:t>symbole</a:t>
+            </a:r>
+            <a:r>
+              <a:rPr lang="en-GB" altLang="fr-FR" dirty="0"/>
+              <a:t> </a:t>
+            </a:r>
+            <a:r>
+              <a:rPr lang="en-GB" altLang="fr-FR" dirty="0" err="1"/>
+              <a:t>globale</a:t>
+            </a:r>
+            <a:r>
+              <a:rPr lang="en-GB" altLang="fr-FR" dirty="0"/>
+              <a:t> par </a:t>
+            </a:r>
+            <a:r>
+              <a:rPr lang="en-GB" altLang="fr-FR" dirty="0" err="1"/>
+              <a:t>toutes</a:t>
+            </a:r>
+            <a:r>
+              <a:rPr lang="en-GB" altLang="fr-FR" dirty="0"/>
+              <a:t> les </a:t>
+            </a:r>
+            <a:r>
+              <a:rPr lang="en-GB" altLang="fr-FR" dirty="0" err="1"/>
+              <a:t>fonctions</a:t>
+            </a:r>
+            <a:r>
+              <a:rPr lang="en-GB" altLang="fr-FR" dirty="0"/>
+              <a:t> </a:t>
+            </a:r>
+            <a:r>
+              <a:rPr lang="en-GB" altLang="fr-FR" dirty="0" err="1"/>
+              <a:t>définies</a:t>
+            </a:r>
+            <a:r>
+              <a:rPr lang="en-GB" altLang="fr-FR" dirty="0"/>
+              <a:t> </a:t>
+            </a:r>
+            <a:r>
+              <a:rPr lang="en-GB" altLang="fr-FR" dirty="0" err="1"/>
+              <a:t>dans</a:t>
+            </a:r>
+            <a:r>
+              <a:rPr lang="en-GB" altLang="fr-FR" dirty="0"/>
+              <a:t> le module</a:t>
+            </a:r>
+          </a:p>
+          <a:p>
+            <a:pPr lvl="1" eaLnBrk="1" hangingPunct="1">
+              <a:lnSpc>
+                <a:spcPct val="90000"/>
+              </a:lnSpc>
+              <a:spcBef>
+                <a:spcPts val="500"/>
+              </a:spcBef>
+              <a:spcAft>
+                <a:spcPts val="500"/>
+              </a:spcAft>
+            </a:pPr>
+            <a:r>
+              <a:rPr lang="en-GB" altLang="fr-FR" dirty="0" err="1"/>
+              <a:t>l'auteur</a:t>
+            </a:r>
+            <a:r>
+              <a:rPr lang="en-GB" altLang="fr-FR" dirty="0"/>
+              <a:t> d'un module </a:t>
+            </a:r>
+            <a:r>
+              <a:rPr lang="en-GB" altLang="fr-FR" dirty="0" err="1"/>
+              <a:t>peut</a:t>
+            </a:r>
+            <a:r>
+              <a:rPr lang="en-GB" altLang="fr-FR" dirty="0"/>
+              <a:t> utiliser des variables </a:t>
+            </a:r>
+            <a:r>
+              <a:rPr lang="en-GB" altLang="fr-FR" b="1" dirty="0" err="1"/>
+              <a:t>globales</a:t>
+            </a:r>
+            <a:r>
+              <a:rPr lang="en-GB" altLang="fr-FR" dirty="0"/>
+              <a:t> </a:t>
+            </a:r>
+            <a:r>
+              <a:rPr lang="en-GB" altLang="fr-FR" dirty="0" err="1"/>
+              <a:t>dans</a:t>
+            </a:r>
+            <a:r>
+              <a:rPr lang="en-GB" altLang="fr-FR" dirty="0"/>
+              <a:t> le module sans </a:t>
+            </a:r>
+            <a:r>
+              <a:rPr lang="en-GB" altLang="fr-FR" dirty="0" err="1"/>
+              <a:t>s'inquiéter</a:t>
+            </a:r>
+            <a:r>
+              <a:rPr lang="en-GB" altLang="fr-FR" dirty="0"/>
+              <a:t> des </a:t>
+            </a:r>
+            <a:r>
+              <a:rPr lang="en-GB" altLang="fr-FR" dirty="0" err="1"/>
+              <a:t>désaccords</a:t>
+            </a:r>
+            <a:r>
+              <a:rPr lang="en-GB" altLang="fr-FR" dirty="0"/>
+              <a:t> </a:t>
+            </a:r>
+            <a:r>
+              <a:rPr lang="en-GB" altLang="fr-FR" dirty="0" err="1"/>
+              <a:t>accidentels</a:t>
+            </a:r>
+            <a:r>
+              <a:rPr lang="en-GB" altLang="fr-FR" dirty="0"/>
+              <a:t> avec les variables </a:t>
+            </a:r>
+            <a:r>
+              <a:rPr lang="en-GB" altLang="fr-FR" dirty="0" err="1"/>
+              <a:t>globales</a:t>
+            </a:r>
+            <a:r>
+              <a:rPr lang="en-GB" altLang="fr-FR" dirty="0"/>
+              <a:t> d'un</a:t>
+            </a:r>
+            <a:r>
+              <a:rPr lang="en-GB" altLang="fr-FR" b="1" dirty="0"/>
+              <a:t> </a:t>
+            </a:r>
+            <a:r>
+              <a:rPr lang="en-GB" altLang="fr-FR" b="1" dirty="0" err="1"/>
+              <a:t>utilisateur</a:t>
+            </a:r>
+            <a:r>
+              <a:rPr lang="en-GB" altLang="fr-FR" dirty="0"/>
+              <a:t>. </a:t>
+            </a:r>
+          </a:p>
+          <a:p>
+            <a:endParaRPr lang="fr-FR" dirty="0"/>
+          </a:p>
+        </p:txBody>
+      </p:sp>
+    </p:spTree>
+    <p:extLst>
+      <p:ext uri="{BB962C8B-B14F-4D97-AF65-F5344CB8AC3E}">
+        <p14:creationId xmlns:p14="http://schemas.microsoft.com/office/powerpoint/2010/main" val="3732247990"/>
+      </p:ext>
+    </p:extLst>
+  </p:cSld>
+  <p:clrMapOvr>
+    <a:masterClrMapping/>
+  </p:clrMapOvr>
+  <p:timing>
+    <p:tnLst>
+      <p:par>
+        <p:cTn id="1" dur="indefinite" restart="never" nodeType="tmRoot"/>
+      </p:par>
+    </p:tnLst>
+  </p:timing>
+</p:sld>
+</file>
+
+<file path=ppt/slides/slide3.xml><?xml version="1.0" encoding="utf-8"?>
+<p:sld xmlns:a="http://schemas.openxmlformats.org/drawingml/2006/main" xmlns:r="http://schemas.openxmlformats.org/officeDocument/2006/relationships" xmlns:p="http://schemas.openxmlformats.org/presentationml/2006/main">
+  <p:cSld>
+    <p:spTree>
+      <p:nvGrpSpPr>
+        <p:cNvPr id="1" name=""/>
+        <p:cNvGrpSpPr/>
+        <p:nvPr/>
+      </p:nvGrpSpPr>
+      <p:grpSpPr>
+        <a:xfrm>
+          <a:off x="0" y="0"/>
+          <a:ext cx="0" cy="0"/>
+          <a:chOff x="0" y="0"/>
+          <a:chExt cx="0" cy="0"/>
+        </a:xfrm>
+      </p:grpSpPr>
+      <p:sp>
+        <p:nvSpPr>
+          <p:cNvPr id="2" name="Titre 1"/>
+          <p:cNvSpPr>
+            <a:spLocks noGrp="1"/>
+          </p:cNvSpPr>
+          <p:nvPr>
+            <p:ph type="title"/>
+          </p:nvPr>
+        </p:nvSpPr>
+        <p:spPr/>
+        <p:txBody>
+          <a:bodyPr/>
+          <a:lstStyle/>
+          <a:p>
+            <a:r>
+              <a:rPr lang="fr-FR" dirty="0"/>
+              <a:t>import</a:t>
+            </a:r>
+          </a:p>
+        </p:txBody>
+      </p:sp>
+      <p:sp>
+        <p:nvSpPr>
+          <p:cNvPr id="3" name="Espace réservé du contenu 2"/>
+          <p:cNvSpPr>
+            <a:spLocks noGrp="1"/>
+          </p:cNvSpPr>
+          <p:nvPr>
+            <p:ph idx="1"/>
+          </p:nvPr>
+        </p:nvSpPr>
+        <p:spPr/>
+        <p:txBody>
+          <a:bodyPr/>
+          <a:lstStyle/>
+          <a:p>
+            <a:r>
+              <a:rPr lang="en-GB" altLang="fr-FR" b="1" dirty="0" err="1"/>
+              <a:t>L'instruction</a:t>
+            </a:r>
+            <a:r>
+              <a:rPr lang="en-GB" altLang="fr-FR" b="1" dirty="0"/>
+              <a:t> "import &lt;module&gt;"</a:t>
+            </a:r>
+            <a:r>
+              <a:rPr lang="en-GB" altLang="fr-FR" dirty="0"/>
+              <a:t> </a:t>
+            </a:r>
+            <a:r>
+              <a:rPr lang="en-GB" altLang="fr-FR" dirty="0" err="1"/>
+              <a:t>importe</a:t>
+            </a:r>
+            <a:r>
+              <a:rPr lang="en-GB" altLang="fr-FR" dirty="0"/>
+              <a:t> tout le module &lt;module&gt;, </a:t>
+            </a:r>
+            <a:r>
+              <a:rPr lang="en-GB" altLang="fr-FR" dirty="0" err="1"/>
+              <a:t>en</a:t>
+            </a:r>
+            <a:r>
+              <a:rPr lang="en-GB" altLang="fr-FR" dirty="0"/>
+              <a:t> </a:t>
+            </a:r>
+            <a:r>
+              <a:rPr lang="en-GB" altLang="fr-FR" dirty="0" err="1"/>
+              <a:t>exécutant</a:t>
+            </a:r>
+            <a:r>
+              <a:rPr lang="en-GB" altLang="fr-FR" dirty="0"/>
+              <a:t> le total du module</a:t>
+            </a:r>
+          </a:p>
+          <a:p>
+            <a:r>
+              <a:rPr lang="en-GB" altLang="fr-FR" dirty="0"/>
+              <a:t>Le module </a:t>
+            </a:r>
+            <a:r>
+              <a:rPr lang="en-GB" altLang="fr-FR" dirty="0" err="1"/>
+              <a:t>est</a:t>
+            </a:r>
+            <a:r>
+              <a:rPr lang="en-GB" altLang="fr-FR" dirty="0"/>
+              <a:t> </a:t>
+            </a:r>
+            <a:r>
+              <a:rPr lang="en-GB" altLang="fr-FR" dirty="0" err="1"/>
+              <a:t>exécuté</a:t>
+            </a:r>
+            <a:r>
+              <a:rPr lang="en-GB" altLang="fr-FR" dirty="0"/>
+              <a:t> </a:t>
+            </a:r>
+            <a:r>
+              <a:rPr lang="en-GB" altLang="fr-FR" dirty="0" err="1"/>
+              <a:t>en</a:t>
+            </a:r>
+            <a:r>
+              <a:rPr lang="en-GB" altLang="fr-FR" dirty="0"/>
+              <a:t> premier </a:t>
+            </a:r>
+            <a:r>
+              <a:rPr lang="en-GB" altLang="fr-FR" dirty="0" err="1"/>
+              <a:t>avant</a:t>
+            </a:r>
+            <a:r>
+              <a:rPr lang="en-GB" altLang="fr-FR" dirty="0"/>
+              <a:t> de </a:t>
+            </a:r>
+            <a:r>
+              <a:rPr lang="en-GB" altLang="fr-FR" dirty="0" err="1"/>
+              <a:t>pouvoir</a:t>
+            </a:r>
+            <a:r>
+              <a:rPr lang="en-GB" altLang="fr-FR" dirty="0"/>
+              <a:t> </a:t>
+            </a:r>
+            <a:r>
+              <a:rPr lang="en-GB" altLang="fr-FR" dirty="0" err="1"/>
+              <a:t>travailler</a:t>
+            </a:r>
+            <a:r>
+              <a:rPr lang="en-GB" altLang="fr-FR" dirty="0"/>
+              <a:t> sur les </a:t>
+            </a:r>
+            <a:r>
+              <a:rPr lang="en-GB" altLang="fr-FR" dirty="0" err="1"/>
+              <a:t>objets</a:t>
+            </a:r>
+            <a:endParaRPr lang="en-GB" altLang="fr-FR" dirty="0"/>
+          </a:p>
+          <a:p>
+            <a:r>
+              <a:rPr lang="en-GB" altLang="fr-FR" dirty="0"/>
+              <a:t>Pour utiliser </a:t>
+            </a:r>
+            <a:r>
+              <a:rPr lang="en-GB" altLang="fr-FR" dirty="0" err="1"/>
+              <a:t>ensuite</a:t>
+            </a:r>
+            <a:r>
+              <a:rPr lang="en-GB" altLang="fr-FR" dirty="0"/>
+              <a:t> le module, nous </a:t>
+            </a:r>
+            <a:r>
+              <a:rPr lang="en-GB" altLang="fr-FR" dirty="0" err="1"/>
+              <a:t>écrirons</a:t>
+            </a:r>
+            <a:r>
+              <a:rPr lang="en-GB" altLang="fr-FR" dirty="0"/>
+              <a:t> “&lt;module&gt;.nom”.</a:t>
+            </a:r>
+          </a:p>
+          <a:p>
+            <a:r>
+              <a:rPr lang="en-GB" dirty="0" err="1"/>
+              <a:t>Exemple</a:t>
+            </a:r>
+            <a:endParaRPr lang="en-GB" dirty="0"/>
+          </a:p>
+          <a:p>
+            <a:pPr lvl="1"/>
+            <a:r>
+              <a:rPr lang="en-GB" dirty="0"/>
+              <a:t>import math</a:t>
+            </a:r>
+          </a:p>
+          <a:p>
+            <a:pPr lvl="1"/>
+            <a:r>
+              <a:rPr lang="en-GB" dirty="0" err="1"/>
+              <a:t>math.sqrt</a:t>
+            </a:r>
+            <a:r>
+              <a:rPr lang="en-GB" dirty="0"/>
+              <a:t>(2)</a:t>
+            </a:r>
+            <a:endParaRPr lang="fr-FR" dirty="0"/>
+          </a:p>
+        </p:txBody>
+      </p:sp>
+    </p:spTree>
+    <p:extLst>
+      <p:ext uri="{BB962C8B-B14F-4D97-AF65-F5344CB8AC3E}">
+        <p14:creationId xmlns:p14="http://schemas.microsoft.com/office/powerpoint/2010/main" val="2779342293"/>
+      </p:ext>
+    </p:extLst>
+  </p:cSld>
+  <p:clrMapOvr>
+    <a:masterClrMapping/>
+  </p:clrMapOvr>
+  <p:timing>
+    <p:tnLst>
+      <p:par>
+        <p:cTn id="1" dur="indefinite" restart="never" nodeType="tmRoot"/>
+      </p:par>
+    </p:tnLst>
+  </p:timing>
+</p:sld>
+</file>
+
+<file path=ppt/slides/slide4.xml><?xml version="1.0" encoding="utf-8"?>
+<p:sld xmlns:a="http://schemas.openxmlformats.org/drawingml/2006/main" xmlns:r="http://schemas.openxmlformats.org/officeDocument/2006/relationships" xmlns:p="http://schemas.openxmlformats.org/presentationml/2006/main">
+  <p:cSld>
+    <p:spTree>
+      <p:nvGrpSpPr>
+        <p:cNvPr id="1" name=""/>
+        <p:cNvGrpSpPr/>
+        <p:nvPr/>
+      </p:nvGrpSpPr>
+      <p:grpSpPr>
+        <a:xfrm>
+          <a:off x="0" y="0"/>
+          <a:ext cx="0" cy="0"/>
+          <a:chOff x="0" y="0"/>
+          <a:chExt cx="0" cy="0"/>
+        </a:xfrm>
+      </p:grpSpPr>
+      <p:sp>
+        <p:nvSpPr>
+          <p:cNvPr id="2" name="Titre 1"/>
+          <p:cNvSpPr>
+            <a:spLocks noGrp="1"/>
+          </p:cNvSpPr>
+          <p:nvPr>
+            <p:ph type="title"/>
+          </p:nvPr>
+        </p:nvSpPr>
+        <p:spPr/>
+        <p:txBody>
+          <a:bodyPr/>
+          <a:lstStyle/>
+          <a:p>
+            <a:r>
+              <a:rPr lang="fr-FR" dirty="0"/>
+              <a:t>as</a:t>
+            </a:r>
+          </a:p>
+        </p:txBody>
+      </p:sp>
+      <p:sp>
+        <p:nvSpPr>
+          <p:cNvPr id="3" name="Espace réservé du contenu 2"/>
+          <p:cNvSpPr>
+            <a:spLocks noGrp="1"/>
+          </p:cNvSpPr>
+          <p:nvPr>
+            <p:ph idx="1"/>
+          </p:nvPr>
+        </p:nvSpPr>
+        <p:spPr/>
+        <p:txBody>
+          <a:bodyPr/>
+          <a:lstStyle/>
+          <a:p>
+            <a:r>
+              <a:rPr lang="fr-FR" dirty="0"/>
+              <a:t>On différentie le module physique (math) par son </a:t>
+            </a:r>
+            <a:r>
+              <a:rPr lang="fr-FR" dirty="0" err="1"/>
+              <a:t>namespace</a:t>
+            </a:r>
+            <a:r>
+              <a:rPr lang="fr-FR" dirty="0"/>
+              <a:t> (</a:t>
+            </a:r>
+            <a:r>
+              <a:rPr lang="fr-FR" dirty="0" err="1"/>
+              <a:t>mathematique</a:t>
+            </a:r>
+            <a:r>
+              <a:rPr lang="fr-FR" dirty="0"/>
+              <a:t>) qui contient les variables et fonctions</a:t>
+            </a:r>
+          </a:p>
+        </p:txBody>
+      </p:sp>
+      <p:pic>
+        <p:nvPicPr>
+          <p:cNvPr id="4" name="Image 3"/>
+          <p:cNvPicPr>
+            <a:picLocks noChangeAspect="1"/>
+          </p:cNvPicPr>
+          <p:nvPr/>
+        </p:nvPicPr>
+        <p:blipFill>
+          <a:blip r:embed="rId2"/>
+          <a:stretch>
+            <a:fillRect/>
+          </a:stretch>
+        </p:blipFill>
+        <p:spPr>
+          <a:xfrm>
+            <a:off x="2483768" y="3861048"/>
+            <a:ext cx="3174038" cy="426144"/>
+          </a:xfrm>
+          <a:prstGeom prst="rect">
+            <a:avLst/>
+          </a:prstGeom>
+        </p:spPr>
+      </p:pic>
+    </p:spTree>
+    <p:extLst>
+      <p:ext uri="{BB962C8B-B14F-4D97-AF65-F5344CB8AC3E}">
+        <p14:creationId xmlns:p14="http://schemas.microsoft.com/office/powerpoint/2010/main" val="609206448"/>
+      </p:ext>
+    </p:extLst>
+  </p:cSld>
+  <p:clrMapOvr>
+    <a:masterClrMapping/>
+  </p:clrMapOvr>
+  <p:timing>
+    <p:tnLst>
+      <p:par>
+        <p:cTn id="1" dur="indefinite" restart="never" nodeType="tmRoot"/>
+      </p:par>
+    </p:tnLst>
+  </p:timing>
+</p:sld>
+</file>
+
+<file path=ppt/slides/slide5.xml><?xml version="1.0" encoding="utf-8"?>
+<p:sld xmlns:a="http://schemas.openxmlformats.org/drawingml/2006/main" xmlns:r="http://schemas.openxmlformats.org/officeDocument/2006/relationships" xmlns:p="http://schemas.openxmlformats.org/presentationml/2006/main">
+  <p:cSld>
+    <p:spTree>
+      <p:nvGrpSpPr>
+        <p:cNvPr id="1" name=""/>
+        <p:cNvGrpSpPr/>
+        <p:nvPr/>
+      </p:nvGrpSpPr>
+      <p:grpSpPr>
+        <a:xfrm>
+          <a:off x="0" y="0"/>
+          <a:ext cx="0" cy="0"/>
+          <a:chOff x="0" y="0"/>
+          <a:chExt cx="0" cy="0"/>
+        </a:xfrm>
+      </p:grpSpPr>
+      <p:sp>
+        <p:nvSpPr>
+          <p:cNvPr id="2" name="Titre 1"/>
+          <p:cNvSpPr>
+            <a:spLocks noGrp="1"/>
+          </p:cNvSpPr>
+          <p:nvPr>
+            <p:ph type="title"/>
+          </p:nvPr>
+        </p:nvSpPr>
+        <p:spPr/>
+        <p:txBody>
+          <a:bodyPr/>
+          <a:lstStyle/>
+          <a:p>
+            <a:r>
+              <a:rPr lang="fr-FR" dirty="0" err="1"/>
+              <a:t>from</a:t>
+            </a:r>
+            <a:endParaRPr lang="fr-FR" dirty="0"/>
+          </a:p>
+        </p:txBody>
+      </p:sp>
+      <p:sp>
+        <p:nvSpPr>
+          <p:cNvPr id="3" name="Espace réservé du contenu 2"/>
+          <p:cNvSpPr>
+            <a:spLocks noGrp="1"/>
+          </p:cNvSpPr>
+          <p:nvPr>
+            <p:ph idx="1"/>
+          </p:nvPr>
+        </p:nvSpPr>
+        <p:spPr/>
+        <p:txBody>
+          <a:bodyPr/>
+          <a:lstStyle/>
+          <a:p>
+            <a:r>
+              <a:rPr lang="en-GB" altLang="fr-FR" b="1" dirty="0"/>
+              <a:t>"from"</a:t>
+            </a:r>
+            <a:r>
+              <a:rPr lang="en-GB" altLang="fr-FR" dirty="0"/>
+              <a:t> </a:t>
+            </a:r>
+            <a:r>
+              <a:rPr lang="en-GB" altLang="fr-FR" dirty="0" err="1"/>
+              <a:t>s'utilise</a:t>
+            </a:r>
+            <a:r>
+              <a:rPr lang="en-GB" altLang="fr-FR" dirty="0"/>
+              <a:t> avec "import" de la </a:t>
+            </a:r>
+            <a:r>
+              <a:rPr lang="en-GB" altLang="fr-FR" dirty="0" err="1"/>
+              <a:t>manière</a:t>
+            </a:r>
+            <a:r>
+              <a:rPr lang="en-GB" altLang="fr-FR" dirty="0"/>
+              <a:t> "from &lt;module&gt; import &lt;nom&gt;“</a:t>
+            </a:r>
+          </a:p>
+          <a:p>
+            <a:endParaRPr lang="fr-FR" dirty="0"/>
+          </a:p>
+        </p:txBody>
+      </p:sp>
+      <p:pic>
+        <p:nvPicPr>
+          <p:cNvPr id="4" name="Image 3"/>
+          <p:cNvPicPr>
+            <a:picLocks noChangeAspect="1"/>
+          </p:cNvPicPr>
+          <p:nvPr/>
+        </p:nvPicPr>
+        <p:blipFill>
+          <a:blip r:embed="rId2"/>
+          <a:stretch>
+            <a:fillRect/>
+          </a:stretch>
+        </p:blipFill>
+        <p:spPr>
+          <a:xfrm>
+            <a:off x="2843808" y="2708920"/>
+            <a:ext cx="3557550" cy="1423020"/>
+          </a:xfrm>
+          <a:prstGeom prst="rect">
+            <a:avLst/>
+          </a:prstGeom>
+        </p:spPr>
+      </p:pic>
+    </p:spTree>
+    <p:extLst>
+      <p:ext uri="{BB962C8B-B14F-4D97-AF65-F5344CB8AC3E}">
+        <p14:creationId xmlns:p14="http://schemas.microsoft.com/office/powerpoint/2010/main" val="3828871120"/>
+      </p:ext>
+    </p:extLst>
+  </p:cSld>
+  <p:clrMapOvr>
+    <a:masterClrMapping/>
+  </p:clrMapOvr>
+  <p:timing>
+    <p:tnLst>
+      <p:par>
+        <p:cTn id="1" dur="indefinite" restart="never" nodeType="tmRoot"/>
+      </p:par>
+    </p:tnLst>
+  </p:timing>
+</p:sld>
+</file>
+
+<file path=ppt/slides/slide6.xml><?xml version="1.0" encoding="utf-8"?>
+<p:sld xmlns:a="http://schemas.openxmlformats.org/drawingml/2006/main" xmlns:r="http://schemas.openxmlformats.org/officeDocument/2006/relationships" xmlns:p="http://schemas.openxmlformats.org/presentationml/2006/main">
+  <p:cSld>
+    <p:spTree>
+      <p:nvGrpSpPr>
+        <p:cNvPr id="1" name=""/>
+        <p:cNvGrpSpPr/>
+        <p:nvPr/>
+      </p:nvGrpSpPr>
+      <p:grpSpPr>
+        <a:xfrm>
+          <a:off x="0" y="0"/>
+          <a:ext cx="0" cy="0"/>
+          <a:chOff x="0" y="0"/>
+          <a:chExt cx="0" cy="0"/>
+        </a:xfrm>
+      </p:grpSpPr>
+      <p:sp>
+        <p:nvSpPr>
+          <p:cNvPr id="2" name="Titre 1"/>
+          <p:cNvSpPr>
+            <a:spLocks noGrp="1"/>
+          </p:cNvSpPr>
+          <p:nvPr>
+            <p:ph type="title"/>
+          </p:nvPr>
+        </p:nvSpPr>
+        <p:spPr/>
+        <p:txBody>
+          <a:bodyPr/>
+          <a:lstStyle/>
+          <a:p>
+            <a:r>
+              <a:rPr lang="fr-FR" dirty="0" err="1"/>
+              <a:t>from</a:t>
+            </a:r>
+            <a:r>
+              <a:rPr lang="fr-FR" dirty="0"/>
+              <a:t> import</a:t>
+            </a:r>
+          </a:p>
+        </p:txBody>
+      </p:sp>
+      <p:sp>
+        <p:nvSpPr>
+          <p:cNvPr id="3" name="Espace réservé du contenu 2"/>
+          <p:cNvSpPr>
+            <a:spLocks noGrp="1"/>
+          </p:cNvSpPr>
+          <p:nvPr>
+            <p:ph idx="1"/>
+          </p:nvPr>
+        </p:nvSpPr>
+        <p:spPr/>
+        <p:txBody>
+          <a:bodyPr/>
+          <a:lstStyle/>
+          <a:p>
+            <a:r>
+              <a:rPr lang="en-GB" altLang="fr-FR" dirty="0"/>
+              <a:t>From import </a:t>
+            </a:r>
+            <a:r>
+              <a:rPr lang="en-GB" altLang="fr-FR" dirty="0" err="1"/>
+              <a:t>n’utilise</a:t>
+            </a:r>
+            <a:r>
+              <a:rPr lang="en-GB" altLang="fr-FR" dirty="0"/>
+              <a:t> pas de namespace</a:t>
+            </a:r>
+          </a:p>
+          <a:p>
+            <a:r>
+              <a:rPr lang="en-GB" altLang="fr-FR" dirty="0" err="1"/>
+              <a:t>Dans</a:t>
+            </a:r>
+            <a:r>
+              <a:rPr lang="en-GB" altLang="fr-FR" dirty="0"/>
+              <a:t> "from &lt;module&gt; import &lt;nom&gt;“ </a:t>
+            </a:r>
+            <a:r>
+              <a:rPr lang="en-GB" altLang="fr-FR" dirty="0" err="1"/>
+              <a:t>seulement</a:t>
+            </a:r>
+            <a:r>
+              <a:rPr lang="en-GB" altLang="fr-FR" dirty="0"/>
+              <a:t> </a:t>
+            </a:r>
+            <a:r>
+              <a:rPr lang="en-GB" altLang="fr-FR" dirty="0" err="1"/>
+              <a:t>l'objet</a:t>
+            </a:r>
+            <a:r>
+              <a:rPr lang="en-GB" altLang="fr-FR" dirty="0"/>
+              <a:t> &lt;nom&gt; du module &lt;module&gt; sera </a:t>
+            </a:r>
+            <a:r>
+              <a:rPr lang="en-GB" altLang="fr-FR" dirty="0" err="1"/>
+              <a:t>importé</a:t>
+            </a:r>
+            <a:r>
+              <a:rPr lang="en-GB" altLang="fr-FR" dirty="0"/>
+              <a:t>, le code </a:t>
+            </a:r>
+            <a:r>
+              <a:rPr lang="en-GB" altLang="fr-FR" dirty="0" err="1"/>
+              <a:t>restant</a:t>
+            </a:r>
+            <a:r>
+              <a:rPr lang="en-GB" altLang="fr-FR" dirty="0"/>
+              <a:t> du module sera </a:t>
+            </a:r>
+            <a:r>
+              <a:rPr lang="en-GB" altLang="fr-FR" dirty="0" err="1"/>
+              <a:t>aussi</a:t>
+            </a:r>
+            <a:r>
+              <a:rPr lang="en-GB" altLang="fr-FR" dirty="0"/>
+              <a:t> execute</a:t>
+            </a:r>
+          </a:p>
+          <a:p>
+            <a:pPr lvl="1"/>
+            <a:r>
+              <a:rPr lang="en-GB" altLang="fr-FR" dirty="0" err="1"/>
+              <a:t>mais</a:t>
+            </a:r>
+            <a:r>
+              <a:rPr lang="en-GB" altLang="fr-FR" dirty="0"/>
+              <a:t> les </a:t>
+            </a:r>
+            <a:r>
+              <a:rPr lang="en-GB" altLang="fr-FR" dirty="0" err="1"/>
+              <a:t>objets</a:t>
+            </a:r>
+            <a:r>
+              <a:rPr lang="en-GB" altLang="fr-FR" dirty="0"/>
+              <a:t> ne </a:t>
+            </a:r>
+            <a:r>
+              <a:rPr lang="en-GB" altLang="fr-FR" dirty="0" err="1"/>
+              <a:t>seront</a:t>
+            </a:r>
+            <a:r>
+              <a:rPr lang="en-GB" altLang="fr-FR" dirty="0"/>
+              <a:t> </a:t>
+            </a:r>
+            <a:r>
+              <a:rPr lang="en-GB" altLang="fr-FR" b="1" dirty="0"/>
+              <a:t>pas </a:t>
+            </a:r>
+            <a:r>
+              <a:rPr lang="en-GB" altLang="fr-FR" b="1" dirty="0" err="1"/>
+              <a:t>mémorisés</a:t>
+            </a:r>
+            <a:r>
+              <a:rPr lang="en-GB" altLang="fr-FR" dirty="0"/>
+              <a:t> et les </a:t>
+            </a:r>
+            <a:r>
+              <a:rPr lang="en-GB" altLang="fr-FR" dirty="0" err="1"/>
+              <a:t>éventuelles</a:t>
+            </a:r>
+            <a:r>
+              <a:rPr lang="en-GB" altLang="fr-FR" dirty="0"/>
+              <a:t> variables ne </a:t>
+            </a:r>
+            <a:r>
+              <a:rPr lang="en-GB" altLang="fr-FR" dirty="0" err="1"/>
+              <a:t>seront</a:t>
+            </a:r>
+            <a:r>
+              <a:rPr lang="en-GB" altLang="fr-FR" dirty="0"/>
+              <a:t> </a:t>
+            </a:r>
+            <a:r>
+              <a:rPr lang="en-GB" altLang="fr-FR" b="1" dirty="0"/>
+              <a:t>pas </a:t>
+            </a:r>
+            <a:r>
+              <a:rPr lang="en-GB" altLang="fr-FR" b="1" dirty="0" err="1"/>
+              <a:t>affectées</a:t>
+            </a:r>
+            <a:endParaRPr lang="en-GB" altLang="fr-FR" b="1" dirty="0"/>
+          </a:p>
+          <a:p>
+            <a:r>
+              <a:rPr lang="en-GB" altLang="fr-FR" dirty="0"/>
+              <a:t>Pour utiliser </a:t>
+            </a:r>
+            <a:r>
+              <a:rPr lang="en-GB" altLang="fr-FR" dirty="0" err="1"/>
+              <a:t>ensuite</a:t>
+            </a:r>
+            <a:r>
+              <a:rPr lang="en-GB" altLang="fr-FR" dirty="0"/>
+              <a:t> nom, nous </a:t>
+            </a:r>
+            <a:r>
+              <a:rPr lang="en-GB" altLang="fr-FR" dirty="0" err="1"/>
+              <a:t>écrirons</a:t>
+            </a:r>
+            <a:r>
+              <a:rPr lang="en-GB" altLang="fr-FR" dirty="0"/>
+              <a:t> </a:t>
+            </a:r>
+            <a:r>
+              <a:rPr lang="en-GB" altLang="fr-FR" dirty="0" err="1"/>
+              <a:t>juste</a:t>
+            </a:r>
+            <a:r>
+              <a:rPr lang="en-GB" altLang="fr-FR" dirty="0"/>
+              <a:t> “&lt;nom&gt;”. </a:t>
+            </a:r>
+          </a:p>
+          <a:p>
+            <a:endParaRPr lang="fr-FR" dirty="0"/>
+          </a:p>
+        </p:txBody>
+      </p:sp>
+    </p:spTree>
+    <p:extLst>
+      <p:ext uri="{BB962C8B-B14F-4D97-AF65-F5344CB8AC3E}">
+        <p14:creationId xmlns:p14="http://schemas.microsoft.com/office/powerpoint/2010/main" val="2667193105"/>
+      </p:ext>
+    </p:extLst>
+  </p:cSld>
+  <p:clrMapOvr>
+    <a:masterClrMapping/>
+  </p:clrMapOvr>
+  <p:timing>
+    <p:tnLst>
+      <p:par>
+        <p:cTn id="1" dur="indefinite" restart="never" nodeType="tmRoot"/>
+      </p:par>
+    </p:tnLst>
+  </p:timing>
+</p:sld>
+</file>
+
+<file path=ppt/slides/slide7.xml><?xml version="1.0" encoding="utf-8"?>
+<p:sld xmlns:a="http://schemas.openxmlformats.org/drawingml/2006/main" xmlns:r="http://schemas.openxmlformats.org/officeDocument/2006/relationships" xmlns:p="http://schemas.openxmlformats.org/presentationml/2006/main">
+  <p:cSld>
+    <p:spTree>
+      <p:nvGrpSpPr>
+        <p:cNvPr id="1" name=""/>
+        <p:cNvGrpSpPr/>
+        <p:nvPr/>
+      </p:nvGrpSpPr>
+      <p:grpSpPr>
+        <a:xfrm>
+          <a:off x="0" y="0"/>
+          <a:ext cx="0" cy="0"/>
+          <a:chOff x="0" y="0"/>
+          <a:chExt cx="0" cy="0"/>
+        </a:xfrm>
+      </p:grpSpPr>
+      <p:sp>
+        <p:nvSpPr>
+          <p:cNvPr id="2" name="Titre 1"/>
+          <p:cNvSpPr>
+            <a:spLocks noGrp="1"/>
+          </p:cNvSpPr>
+          <p:nvPr>
+            <p:ph type="title"/>
+          </p:nvPr>
+        </p:nvSpPr>
+        <p:spPr/>
+        <p:txBody>
+          <a:bodyPr/>
+          <a:lstStyle/>
+          <a:p>
+            <a:r>
+              <a:rPr lang="fr-FR" dirty="0" err="1"/>
+              <a:t>from</a:t>
+            </a:r>
+            <a:r>
+              <a:rPr lang="fr-FR" dirty="0"/>
+              <a:t> import *</a:t>
+            </a:r>
+          </a:p>
+        </p:txBody>
+      </p:sp>
+      <p:sp>
+        <p:nvSpPr>
+          <p:cNvPr id="3" name="Espace réservé du contenu 2"/>
+          <p:cNvSpPr>
+            <a:spLocks noGrp="1"/>
+          </p:cNvSpPr>
+          <p:nvPr>
+            <p:ph idx="1"/>
+          </p:nvPr>
+        </p:nvSpPr>
+        <p:spPr/>
+        <p:txBody>
+          <a:bodyPr/>
+          <a:lstStyle/>
+          <a:p>
+            <a:r>
+              <a:rPr lang="en-GB" altLang="fr-FR" dirty="0"/>
+              <a:t>from &lt;module&gt; import *</a:t>
+            </a:r>
+          </a:p>
+          <a:p>
+            <a:r>
+              <a:rPr lang="en-GB" altLang="fr-FR" dirty="0"/>
+              <a:t>Si &lt;nom&gt; </a:t>
+            </a:r>
+            <a:r>
+              <a:rPr lang="en-GB" altLang="fr-FR" dirty="0" err="1"/>
+              <a:t>est</a:t>
+            </a:r>
+            <a:r>
+              <a:rPr lang="en-GB" altLang="fr-FR" dirty="0"/>
+              <a:t> </a:t>
+            </a:r>
+            <a:r>
+              <a:rPr lang="en-GB" altLang="fr-FR" dirty="0" err="1"/>
+              <a:t>remplacé</a:t>
+            </a:r>
+            <a:r>
+              <a:rPr lang="en-GB" altLang="fr-FR" dirty="0"/>
+              <a:t> par *,                                  on </a:t>
+            </a:r>
+            <a:r>
+              <a:rPr lang="en-GB" altLang="fr-FR" dirty="0" err="1"/>
+              <a:t>obtient</a:t>
+            </a:r>
+            <a:r>
+              <a:rPr lang="en-GB" altLang="fr-FR" dirty="0"/>
+              <a:t> </a:t>
+            </a:r>
+            <a:r>
+              <a:rPr lang="en-GB" altLang="fr-FR" dirty="0" err="1"/>
+              <a:t>alors</a:t>
+            </a:r>
+            <a:r>
+              <a:rPr lang="en-GB" altLang="fr-FR" dirty="0"/>
+              <a:t> </a:t>
+            </a:r>
+            <a:r>
+              <a:rPr lang="en-GB" altLang="fr-FR" dirty="0" err="1"/>
+              <a:t>une</a:t>
+            </a:r>
+            <a:r>
+              <a:rPr lang="en-GB" altLang="fr-FR" b="1" dirty="0"/>
+              <a:t> </a:t>
+            </a:r>
+            <a:r>
+              <a:rPr lang="en-GB" altLang="fr-FR" b="1" dirty="0" err="1"/>
+              <a:t>copie</a:t>
+            </a:r>
+            <a:r>
+              <a:rPr lang="en-GB" altLang="fr-FR" b="1" dirty="0"/>
+              <a:t> </a:t>
+            </a:r>
+            <a:r>
+              <a:rPr lang="en-GB" altLang="fr-FR" dirty="0"/>
+              <a:t>de </a:t>
+            </a:r>
+            <a:r>
+              <a:rPr lang="en-GB" altLang="fr-FR" b="1" dirty="0" err="1"/>
+              <a:t>tous</a:t>
+            </a:r>
+            <a:r>
+              <a:rPr lang="en-GB" altLang="fr-FR" b="1" dirty="0"/>
+              <a:t> les </a:t>
+            </a:r>
+            <a:r>
+              <a:rPr lang="en-GB" altLang="fr-FR" b="1" dirty="0" err="1"/>
+              <a:t>noms</a:t>
+            </a:r>
+            <a:r>
+              <a:rPr lang="en-GB" altLang="fr-FR" dirty="0"/>
+              <a:t> </a:t>
+            </a:r>
+            <a:r>
+              <a:rPr lang="en-GB" altLang="fr-FR" dirty="0" err="1"/>
+              <a:t>définis</a:t>
+            </a:r>
+            <a:r>
+              <a:rPr lang="en-GB" altLang="fr-FR" dirty="0"/>
+              <a:t> a la </a:t>
+            </a:r>
+            <a:r>
+              <a:rPr lang="en-GB" altLang="fr-FR" dirty="0" err="1"/>
+              <a:t>racine</a:t>
+            </a:r>
+            <a:r>
+              <a:rPr lang="en-GB" altLang="fr-FR" dirty="0"/>
+              <a:t> du module</a:t>
+            </a:r>
+            <a:endParaRPr lang="fr-FR" dirty="0"/>
+          </a:p>
+        </p:txBody>
+      </p:sp>
+      <p:pic>
+        <p:nvPicPr>
+          <p:cNvPr id="4" name="Image 3"/>
+          <p:cNvPicPr>
+            <a:picLocks noChangeAspect="1"/>
+          </p:cNvPicPr>
+          <p:nvPr/>
+        </p:nvPicPr>
+        <p:blipFill>
+          <a:blip r:embed="rId2"/>
+          <a:stretch>
+            <a:fillRect/>
+          </a:stretch>
+        </p:blipFill>
+        <p:spPr>
+          <a:xfrm>
+            <a:off x="2267744" y="3501008"/>
+            <a:ext cx="3456384" cy="1497033"/>
+          </a:xfrm>
+          <a:prstGeom prst="rect">
+            <a:avLst/>
+          </a:prstGeom>
+        </p:spPr>
+      </p:pic>
+    </p:spTree>
+    <p:extLst>
+      <p:ext uri="{BB962C8B-B14F-4D97-AF65-F5344CB8AC3E}">
+        <p14:creationId xmlns:p14="http://schemas.microsoft.com/office/powerpoint/2010/main" val="745031423"/>
+      </p:ext>
+    </p:extLst>
+  </p:cSld>
+  <p:clrMapOvr>
+    <a:masterClrMapping/>
+  </p:clrMapOvr>
+  <p:timing>
+    <p:tnLst>
+      <p:par>
+        <p:cTn id="1" dur="indefinite" restart="never" nodeType="tmRoot"/>
+      </p:par>
+    </p:tnLst>
+  </p:timing>
+</p:sld>
+</file>
+
+<file path=ppt/slides/slide8.xml><?xml version="1.0" encoding="utf-8"?>
+<p:sld xmlns:a="http://schemas.openxmlformats.org/drawingml/2006/main" xmlns:r="http://schemas.openxmlformats.org/officeDocument/2006/relationships" xmlns:p="http://schemas.openxmlformats.org/presentationml/2006/main">
+  <p:cSld>
+    <p:spTree>
+      <p:nvGrpSpPr>
+        <p:cNvPr id="1" name=""/>
+        <p:cNvGrpSpPr/>
+        <p:nvPr/>
+      </p:nvGrpSpPr>
+      <p:grpSpPr>
+        <a:xfrm>
+          <a:off x="0" y="0"/>
+          <a:ext cx="0" cy="0"/>
+          <a:chOff x="0" y="0"/>
+          <a:chExt cx="0" cy="0"/>
+        </a:xfrm>
+      </p:grpSpPr>
+      <p:sp>
+        <p:nvSpPr>
+          <p:cNvPr id="2" name="Titre 1"/>
+          <p:cNvSpPr>
+            <a:spLocks noGrp="1"/>
+          </p:cNvSpPr>
+          <p:nvPr>
+            <p:ph type="title"/>
+          </p:nvPr>
+        </p:nvSpPr>
+        <p:spPr/>
+        <p:txBody>
+          <a:bodyPr/>
+          <a:lstStyle/>
+          <a:p>
+            <a:r>
+              <a:rPr lang="fr-FR" dirty="0" err="1"/>
+              <a:t>From</a:t>
+            </a:r>
+            <a:r>
+              <a:rPr lang="fr-FR" dirty="0"/>
+              <a:t> vs import</a:t>
+            </a:r>
+          </a:p>
+        </p:txBody>
+      </p:sp>
+      <p:sp>
+        <p:nvSpPr>
+          <p:cNvPr id="3" name="Espace réservé du contenu 2"/>
+          <p:cNvSpPr>
+            <a:spLocks noGrp="1"/>
+          </p:cNvSpPr>
+          <p:nvPr>
+            <p:ph idx="1"/>
+          </p:nvPr>
+        </p:nvSpPr>
+        <p:spPr/>
+        <p:txBody>
+          <a:bodyPr/>
+          <a:lstStyle/>
+          <a:p>
+            <a:pPr eaLnBrk="1" hangingPunct="1"/>
+            <a:r>
+              <a:rPr lang="fr-BE" altLang="fr-FR" dirty="0"/>
+              <a:t>La grande différence entre "import &lt;module&gt;" et "</a:t>
+            </a:r>
+            <a:r>
+              <a:rPr lang="fr-BE" altLang="fr-FR" dirty="0" err="1"/>
+              <a:t>from</a:t>
+            </a:r>
+            <a:r>
+              <a:rPr lang="fr-BE" altLang="fr-FR" dirty="0"/>
+              <a:t> &lt;module&gt; import *" est que les noms ne sont pas mémorisés sur le même niveau</a:t>
+            </a:r>
+          </a:p>
+          <a:p>
+            <a:pPr lvl="1" eaLnBrk="1" hangingPunct="1"/>
+            <a:r>
+              <a:rPr lang="fr-BE" altLang="fr-FR" dirty="0"/>
+              <a:t>Le premier sera mémorisé sous le nom du module, tandis qu'avec "</a:t>
+            </a:r>
+            <a:r>
+              <a:rPr lang="fr-BE" altLang="fr-FR" dirty="0" err="1"/>
+              <a:t>from</a:t>
+            </a:r>
+            <a:r>
+              <a:rPr lang="fr-BE" altLang="fr-FR" dirty="0"/>
+              <a:t>" la valeur est directement visible dans la racine</a:t>
+            </a:r>
+          </a:p>
+          <a:p>
+            <a:endParaRPr lang="fr-FR" dirty="0"/>
+          </a:p>
+        </p:txBody>
+      </p:sp>
+    </p:spTree>
+    <p:extLst>
+      <p:ext uri="{BB962C8B-B14F-4D97-AF65-F5344CB8AC3E}">
+        <p14:creationId xmlns:p14="http://schemas.microsoft.com/office/powerpoint/2010/main" val="2768187385"/>
+      </p:ext>
+    </p:extLst>
+  </p:cSld>
+  <p:clrMapOvr>
+    <a:masterClrMapping/>
+  </p:clrMapOvr>
+  <p:timing>
+    <p:tnLst>
+      <p:par>
+        <p:cTn id="1" dur="indefinite" restart="never" nodeType="tmRoot"/>
+      </p:par>
+    </p:tnLst>
+  </p:timing>
+</p:sld>
+</file>
+
+<file path=ppt/slides/slide9.xml><?xml version="1.0" encoding="utf-8"?>
 <p:sld xmlns:a="http://schemas.openxmlformats.org/drawingml/2006/main" xmlns:r="http://schemas.openxmlformats.org/officeDocument/2006/relationships" xmlns:p="http://schemas.openxmlformats.org/presentationml/2006/main">
   <p:cSld>
     <p:spTree>
@@ -3897,1926 +5798,13 @@
   <p:clrMapOvr>
     <a:masterClrMapping/>
   </p:clrMapOvr>
-</p:sld>
-</file>
-
-<file path=ppt/slides/slide11.xml><?xml version="1.0" encoding="utf-8"?>
-<p:sld xmlns:a="http://schemas.openxmlformats.org/drawingml/2006/main" xmlns:r="http://schemas.openxmlformats.org/officeDocument/2006/relationships" xmlns:p="http://schemas.openxmlformats.org/presentationml/2006/main">
-  <p:cSld>
-    <p:spTree>
-      <p:nvGrpSpPr>
-        <p:cNvPr id="1" name=""/>
-        <p:cNvGrpSpPr/>
-        <p:nvPr/>
-      </p:nvGrpSpPr>
-      <p:grpSpPr>
-        <a:xfrm>
-          <a:off x="0" y="0"/>
-          <a:ext cx="0" cy="0"/>
-          <a:chOff x="0" y="0"/>
-          <a:chExt cx="0" cy="0"/>
-        </a:xfrm>
-      </p:grpSpPr>
-      <p:sp>
-        <p:nvSpPr>
-          <p:cNvPr id="2" name="Titre 1"/>
-          <p:cNvSpPr>
-            <a:spLocks noGrp="1"/>
-          </p:cNvSpPr>
-          <p:nvPr>
-            <p:ph type="title"/>
-          </p:nvPr>
-        </p:nvSpPr>
-        <p:spPr/>
-        <p:txBody>
-          <a:bodyPr/>
-          <a:lstStyle/>
-          <a:p>
-            <a:r>
-              <a:rPr lang="fr-FR" dirty="0"/>
-              <a:t>Test dans le même fichier</a:t>
-            </a:r>
-          </a:p>
-        </p:txBody>
-      </p:sp>
-      <p:sp>
-        <p:nvSpPr>
-          <p:cNvPr id="3" name="Espace réservé du contenu 2"/>
-          <p:cNvSpPr>
-            <a:spLocks noGrp="1"/>
-          </p:cNvSpPr>
-          <p:nvPr>
-            <p:ph idx="1"/>
-          </p:nvPr>
-        </p:nvSpPr>
-        <p:spPr/>
-        <p:txBody>
-          <a:bodyPr/>
-          <a:lstStyle/>
-          <a:p>
-            <a:r>
-              <a:rPr lang="fr-FR" dirty="0"/>
-              <a:t>Faire un test de module dans le module-même</a:t>
-            </a:r>
-          </a:p>
-          <a:p>
-            <a:r>
-              <a:rPr lang="fr-FR" dirty="0"/>
-              <a:t>Dans l’exemple précédent, si nous rajoutons juste en dessous une ligne, par exemple table(8), cette ligne sera exécutée lors de l'importation et donc, dans le programme appelant le module</a:t>
-            </a:r>
-          </a:p>
-          <a:p>
-            <a:pPr lvl="1"/>
-            <a:r>
-              <a:rPr lang="fr-FR" dirty="0"/>
-              <a:t>Quand vous ferez import </a:t>
-            </a:r>
-            <a:r>
-              <a:rPr lang="fr-FR" dirty="0" err="1"/>
-              <a:t>multipli</a:t>
-            </a:r>
-            <a:r>
-              <a:rPr lang="fr-FR" dirty="0"/>
-              <a:t>, vous verrez la table de multiplication par 8 s'afficher… hum, il y a mieux</a:t>
-            </a:r>
-          </a:p>
-          <a:p>
-            <a:endParaRPr lang="fr-FR" dirty="0"/>
-          </a:p>
-        </p:txBody>
-      </p:sp>
-    </p:spTree>
-    <p:extLst>
-      <p:ext uri="{BB962C8B-B14F-4D97-AF65-F5344CB8AC3E}">
-        <p14:creationId xmlns:p14="http://schemas.microsoft.com/office/powerpoint/2010/main" val="1106934747"/>
-      </p:ext>
-    </p:extLst>
-  </p:cSld>
-  <p:clrMapOvr>
-    <a:masterClrMapping/>
-  </p:clrMapOvr>
-</p:sld>
-</file>
-
-<file path=ppt/slides/slide12.xml><?xml version="1.0" encoding="utf-8"?>
-<p:sld xmlns:a="http://schemas.openxmlformats.org/drawingml/2006/main" xmlns:r="http://schemas.openxmlformats.org/officeDocument/2006/relationships" xmlns:p="http://schemas.openxmlformats.org/presentationml/2006/main">
-  <p:cSld>
-    <p:spTree>
-      <p:nvGrpSpPr>
-        <p:cNvPr id="1" name=""/>
-        <p:cNvGrpSpPr/>
-        <p:nvPr/>
-      </p:nvGrpSpPr>
-      <p:grpSpPr>
-        <a:xfrm>
-          <a:off x="0" y="0"/>
-          <a:ext cx="0" cy="0"/>
-          <a:chOff x="0" y="0"/>
-          <a:chExt cx="0" cy="0"/>
-        </a:xfrm>
-      </p:grpSpPr>
-      <p:sp>
-        <p:nvSpPr>
-          <p:cNvPr id="2" name="Titre 1"/>
-          <p:cNvSpPr>
-            <a:spLocks noGrp="1"/>
-          </p:cNvSpPr>
-          <p:nvPr>
-            <p:ph type="title"/>
-          </p:nvPr>
-        </p:nvSpPr>
-        <p:spPr/>
-        <p:txBody>
-          <a:bodyPr/>
-          <a:lstStyle/>
-          <a:p>
-            <a:r>
-              <a:rPr lang="fr-FR" dirty="0"/>
-              <a:t>__</a:t>
-            </a:r>
-            <a:r>
-              <a:rPr lang="fr-FR" dirty="0" err="1"/>
-              <a:t>name</a:t>
-            </a:r>
-            <a:r>
-              <a:rPr lang="fr-FR" dirty="0"/>
-              <a:t>__</a:t>
-            </a:r>
-          </a:p>
-        </p:txBody>
-      </p:sp>
-      <p:sp>
-        <p:nvSpPr>
-          <p:cNvPr id="3" name="Espace réservé du contenu 2"/>
-          <p:cNvSpPr>
-            <a:spLocks noGrp="1"/>
-          </p:cNvSpPr>
-          <p:nvPr>
-            <p:ph idx="1"/>
-          </p:nvPr>
-        </p:nvSpPr>
-        <p:spPr/>
-        <p:txBody>
-          <a:bodyPr/>
-          <a:lstStyle/>
-          <a:p>
-            <a:r>
-              <a:rPr lang="fr-FR" dirty="0"/>
-              <a:t>Si vous exécutez directement multipli.py, vous allez voir la table de multiplication par 4</a:t>
-            </a:r>
-          </a:p>
-          <a:p>
-            <a:r>
-              <a:rPr lang="fr-FR" dirty="0"/>
-              <a:t>En revanche, si vous l'importez, le code de test ne s'exécutera pas.</a:t>
-            </a:r>
-          </a:p>
-          <a:p>
-            <a:pPr lvl="1"/>
-            <a:r>
-              <a:rPr lang="fr-FR" dirty="0"/>
-              <a:t>Tout repose en fait sur la variable __</a:t>
-            </a:r>
-            <a:r>
-              <a:rPr lang="fr-FR" dirty="0" err="1"/>
-              <a:t>name</a:t>
-            </a:r>
-            <a:r>
-              <a:rPr lang="fr-FR" dirty="0"/>
-              <a:t>__ si elle vaut __main__, cela veut dire que le fichier appelé est le fichier exécuté</a:t>
-            </a:r>
-          </a:p>
-        </p:txBody>
-      </p:sp>
-      <p:pic>
-        <p:nvPicPr>
-          <p:cNvPr id="7" name="Image 6"/>
-          <p:cNvPicPr>
-            <a:picLocks noChangeAspect="1"/>
-          </p:cNvPicPr>
-          <p:nvPr/>
-        </p:nvPicPr>
-        <p:blipFill>
-          <a:blip r:embed="rId2"/>
-          <a:stretch>
-            <a:fillRect/>
-          </a:stretch>
-        </p:blipFill>
-        <p:spPr>
-          <a:xfrm>
-            <a:off x="2987824" y="4041694"/>
-            <a:ext cx="6905413" cy="2636912"/>
-          </a:xfrm>
-          <a:prstGeom prst="rect">
-            <a:avLst/>
-          </a:prstGeom>
-        </p:spPr>
-      </p:pic>
-    </p:spTree>
-    <p:extLst>
-      <p:ext uri="{BB962C8B-B14F-4D97-AF65-F5344CB8AC3E}">
-        <p14:creationId xmlns:p14="http://schemas.microsoft.com/office/powerpoint/2010/main" val="631756722"/>
-      </p:ext>
-    </p:extLst>
-  </p:cSld>
-  <p:clrMapOvr>
-    <a:masterClrMapping/>
-  </p:clrMapOvr>
-</p:sld>
-</file>
-
-<file path=ppt/slides/slide13.xml><?xml version="1.0" encoding="utf-8"?>
-<p:sld xmlns:a="http://schemas.openxmlformats.org/drawingml/2006/main" xmlns:r="http://schemas.openxmlformats.org/officeDocument/2006/relationships" xmlns:p="http://schemas.openxmlformats.org/presentationml/2006/main">
-  <p:cSld>
-    <p:spTree>
-      <p:nvGrpSpPr>
-        <p:cNvPr id="1" name=""/>
-        <p:cNvGrpSpPr/>
-        <p:nvPr/>
-      </p:nvGrpSpPr>
-      <p:grpSpPr>
-        <a:xfrm>
-          <a:off x="0" y="0"/>
-          <a:ext cx="0" cy="0"/>
-          <a:chOff x="0" y="0"/>
-          <a:chExt cx="0" cy="0"/>
-        </a:xfrm>
-      </p:grpSpPr>
-      <p:sp>
-        <p:nvSpPr>
-          <p:cNvPr id="2" name="Titre 1"/>
-          <p:cNvSpPr>
-            <a:spLocks noGrp="1"/>
-          </p:cNvSpPr>
-          <p:nvPr>
-            <p:ph type="title"/>
-          </p:nvPr>
-        </p:nvSpPr>
-        <p:spPr/>
-        <p:txBody>
-          <a:bodyPr/>
-          <a:lstStyle/>
-          <a:p>
-            <a:r>
-              <a:rPr lang="fr-FR" dirty="0"/>
-              <a:t>Packages</a:t>
-            </a:r>
-          </a:p>
-        </p:txBody>
-      </p:sp>
-      <p:sp>
-        <p:nvSpPr>
-          <p:cNvPr id="3" name="Espace réservé du contenu 2"/>
-          <p:cNvSpPr>
-            <a:spLocks noGrp="1"/>
-          </p:cNvSpPr>
-          <p:nvPr>
-            <p:ph idx="1"/>
-          </p:nvPr>
-        </p:nvSpPr>
-        <p:spPr/>
-        <p:txBody>
-          <a:bodyPr/>
-          <a:lstStyle/>
-          <a:p>
-            <a:r>
-              <a:rPr lang="fr-FR" dirty="0"/>
-              <a:t>Les modules sont un des moyens de regrouper plusieurs fonctions</a:t>
-            </a:r>
-          </a:p>
-          <a:p>
-            <a:r>
-              <a:rPr lang="fr-FR" dirty="0"/>
-              <a:t>On peut aller encore au-delà en regroupant des modules dans ce qu'on va appeler des </a:t>
-            </a:r>
-            <a:r>
-              <a:rPr lang="fr-FR" b="1" dirty="0"/>
-              <a:t>packages</a:t>
-            </a:r>
-          </a:p>
-          <a:p>
-            <a:r>
-              <a:rPr lang="fr-FR" dirty="0"/>
-              <a:t> les packages sont des répertoires</a:t>
-            </a:r>
-          </a:p>
-          <a:p>
-            <a:pPr lvl="1"/>
-            <a:r>
-              <a:rPr lang="fr-FR" dirty="0"/>
-              <a:t>Dedans peuvent se trouver d'autres répertoires (d'autres packages) ou des fichiers (des modules)</a:t>
-            </a:r>
-          </a:p>
-          <a:p>
-            <a:r>
-              <a:rPr lang="fr-FR" dirty="0"/>
-              <a:t>import </a:t>
-            </a:r>
-            <a:r>
-              <a:rPr lang="fr-FR" dirty="0" err="1"/>
-              <a:t>nom_package</a:t>
-            </a:r>
-            <a:r>
-              <a:rPr lang="fr-FR" dirty="0"/>
-              <a:t> (ou </a:t>
-            </a:r>
-            <a:r>
-              <a:rPr lang="fr-FR" dirty="0" err="1"/>
-              <a:t>from</a:t>
-            </a:r>
-            <a:r>
-              <a:rPr lang="fr-FR" dirty="0"/>
-              <a:t> import)</a:t>
-            </a:r>
-          </a:p>
-          <a:p>
-            <a:r>
-              <a:rPr lang="fr-FR" dirty="0"/>
-              <a:t>import </a:t>
-            </a:r>
-            <a:r>
-              <a:rPr lang="fr-FR"/>
-              <a:t>nom_package.sous_package</a:t>
-            </a:r>
-            <a:endParaRPr lang="fr-FR" dirty="0"/>
-          </a:p>
-          <a:p>
-            <a:endParaRPr lang="fr-FR" dirty="0"/>
-          </a:p>
-        </p:txBody>
-      </p:sp>
-    </p:spTree>
-    <p:extLst>
-      <p:ext uri="{BB962C8B-B14F-4D97-AF65-F5344CB8AC3E}">
-        <p14:creationId xmlns:p14="http://schemas.microsoft.com/office/powerpoint/2010/main" val="3570223045"/>
-      </p:ext>
-    </p:extLst>
-  </p:cSld>
-  <p:clrMapOvr>
-    <a:masterClrMapping/>
-  </p:clrMapOvr>
-</p:sld>
-</file>
-
-<file path=ppt/slides/slide2.xml><?xml version="1.0" encoding="utf-8"?>
-<p:sld xmlns:a="http://schemas.openxmlformats.org/drawingml/2006/main" xmlns:r="http://schemas.openxmlformats.org/officeDocument/2006/relationships" xmlns:p="http://schemas.openxmlformats.org/presentationml/2006/main">
-  <p:cSld>
-    <p:spTree>
-      <p:nvGrpSpPr>
-        <p:cNvPr id="1" name=""/>
-        <p:cNvGrpSpPr/>
-        <p:nvPr/>
-      </p:nvGrpSpPr>
-      <p:grpSpPr>
-        <a:xfrm>
-          <a:off x="0" y="0"/>
-          <a:ext cx="0" cy="0"/>
-          <a:chOff x="0" y="0"/>
-          <a:chExt cx="0" cy="0"/>
-        </a:xfrm>
-      </p:grpSpPr>
-      <p:sp>
-        <p:nvSpPr>
-          <p:cNvPr id="2" name="Titre 1"/>
-          <p:cNvSpPr>
-            <a:spLocks noGrp="1"/>
-          </p:cNvSpPr>
-          <p:nvPr>
-            <p:ph type="title"/>
-          </p:nvPr>
-        </p:nvSpPr>
-        <p:spPr/>
-        <p:txBody>
-          <a:bodyPr/>
-          <a:lstStyle/>
-          <a:p>
-            <a:r>
-              <a:rPr lang="fr-FR" dirty="0"/>
-              <a:t>Module</a:t>
-            </a:r>
-          </a:p>
-        </p:txBody>
-      </p:sp>
-      <p:sp>
-        <p:nvSpPr>
-          <p:cNvPr id="3" name="Espace réservé du contenu 2"/>
-          <p:cNvSpPr>
-            <a:spLocks noGrp="1"/>
-          </p:cNvSpPr>
-          <p:nvPr>
-            <p:ph idx="1"/>
-          </p:nvPr>
-        </p:nvSpPr>
-        <p:spPr/>
-        <p:txBody>
-          <a:bodyPr/>
-          <a:lstStyle/>
-          <a:p>
-            <a:pPr eaLnBrk="1" hangingPunct="1">
-              <a:lnSpc>
-                <a:spcPct val="90000"/>
-              </a:lnSpc>
-            </a:pPr>
-            <a:r>
-              <a:rPr lang="en-GB" altLang="fr-FR" b="1" dirty="0"/>
-              <a:t>Un module</a:t>
-            </a:r>
-            <a:r>
-              <a:rPr lang="en-GB" altLang="fr-FR" dirty="0"/>
-              <a:t> </a:t>
-            </a:r>
-            <a:r>
-              <a:rPr lang="en-GB" altLang="fr-FR" dirty="0" err="1"/>
-              <a:t>est</a:t>
-            </a:r>
-            <a:r>
-              <a:rPr lang="en-GB" altLang="fr-FR" dirty="0"/>
-              <a:t> un </a:t>
-            </a:r>
-            <a:r>
-              <a:rPr lang="en-GB" altLang="fr-FR" dirty="0" err="1"/>
-              <a:t>fichier</a:t>
-            </a:r>
-            <a:r>
-              <a:rPr lang="en-GB" altLang="fr-FR" dirty="0"/>
-              <a:t> </a:t>
-            </a:r>
-            <a:r>
-              <a:rPr lang="en-GB" altLang="fr-FR" dirty="0" err="1"/>
-              <a:t>contenant</a:t>
-            </a:r>
-            <a:r>
-              <a:rPr lang="en-GB" altLang="fr-FR" dirty="0"/>
-              <a:t> des </a:t>
-            </a:r>
-            <a:r>
-              <a:rPr lang="en-GB" altLang="fr-FR" dirty="0" err="1"/>
-              <a:t>définitions</a:t>
-            </a:r>
-            <a:r>
-              <a:rPr lang="en-GB" altLang="fr-FR" dirty="0"/>
-              <a:t> et des instructions Python. Le nom du </a:t>
-            </a:r>
-            <a:r>
-              <a:rPr lang="en-GB" altLang="fr-FR" dirty="0" err="1"/>
-              <a:t>fichier</a:t>
-            </a:r>
-            <a:r>
-              <a:rPr lang="en-GB" altLang="fr-FR" dirty="0"/>
-              <a:t> </a:t>
-            </a:r>
-            <a:r>
-              <a:rPr lang="en-GB" altLang="fr-FR" dirty="0" err="1"/>
-              <a:t>est</a:t>
-            </a:r>
-            <a:r>
-              <a:rPr lang="en-GB" altLang="fr-FR" dirty="0"/>
-              <a:t> le </a:t>
-            </a:r>
-            <a:r>
-              <a:rPr lang="en-GB" altLang="fr-FR" b="1" dirty="0"/>
-              <a:t>nom du module</a:t>
-            </a:r>
-            <a:r>
-              <a:rPr lang="en-GB" altLang="fr-FR" dirty="0"/>
-              <a:t> </a:t>
-            </a:r>
-            <a:r>
-              <a:rPr lang="en-GB" altLang="fr-FR" dirty="0" err="1"/>
-              <a:t>auquel</a:t>
-            </a:r>
-            <a:r>
-              <a:rPr lang="en-GB" altLang="fr-FR" dirty="0"/>
-              <a:t> </a:t>
-            </a:r>
-            <a:r>
-              <a:rPr lang="en-GB" altLang="fr-FR" dirty="0" err="1"/>
-              <a:t>est</a:t>
-            </a:r>
-            <a:r>
-              <a:rPr lang="en-GB" altLang="fr-FR" dirty="0"/>
-              <a:t> </a:t>
-            </a:r>
-            <a:r>
-              <a:rPr lang="en-GB" altLang="fr-FR" dirty="0" err="1"/>
-              <a:t>ajouté</a:t>
-            </a:r>
-            <a:r>
-              <a:rPr lang="en-GB" altLang="fr-FR" dirty="0"/>
-              <a:t> le </a:t>
-            </a:r>
-            <a:r>
-              <a:rPr lang="en-GB" altLang="fr-FR" dirty="0" err="1"/>
-              <a:t>suffixe</a:t>
-            </a:r>
-            <a:r>
-              <a:rPr lang="en-GB" altLang="fr-FR" dirty="0"/>
-              <a:t> .</a:t>
-            </a:r>
-            <a:r>
-              <a:rPr lang="en-GB" altLang="fr-FR" dirty="0" err="1"/>
-              <a:t>py</a:t>
-            </a:r>
-            <a:r>
-              <a:rPr lang="en-GB" altLang="fr-FR" dirty="0"/>
-              <a:t>.</a:t>
-            </a:r>
-          </a:p>
-          <a:p>
-            <a:pPr lvl="1" eaLnBrk="1" hangingPunct="1">
-              <a:lnSpc>
-                <a:spcPct val="90000"/>
-              </a:lnSpc>
-            </a:pPr>
-            <a:r>
-              <a:rPr lang="en-GB" altLang="fr-FR" dirty="0" err="1"/>
-              <a:t>permet</a:t>
-            </a:r>
-            <a:r>
-              <a:rPr lang="en-GB" altLang="fr-FR" dirty="0"/>
-              <a:t> de </a:t>
-            </a:r>
-            <a:r>
-              <a:rPr lang="en-GB" altLang="fr-FR" dirty="0" err="1"/>
-              <a:t>relancer</a:t>
-            </a:r>
-            <a:r>
-              <a:rPr lang="en-GB" altLang="fr-FR" dirty="0"/>
-              <a:t> un </a:t>
-            </a:r>
-            <a:r>
-              <a:rPr lang="en-GB" altLang="fr-FR" dirty="0" err="1"/>
-              <a:t>même</a:t>
-            </a:r>
-            <a:r>
-              <a:rPr lang="en-GB" altLang="fr-FR" dirty="0"/>
-              <a:t> programme sans tout   	               </a:t>
-            </a:r>
-            <a:r>
-              <a:rPr lang="en-GB" altLang="fr-FR" dirty="0" err="1"/>
-              <a:t>réécrire</a:t>
-            </a:r>
-            <a:endParaRPr lang="en-GB" altLang="fr-FR" dirty="0"/>
-          </a:p>
-          <a:p>
-            <a:pPr lvl="1" eaLnBrk="1" hangingPunct="1">
-              <a:lnSpc>
-                <a:spcPct val="90000"/>
-              </a:lnSpc>
-            </a:pPr>
-            <a:r>
-              <a:rPr lang="en-GB" altLang="fr-FR" dirty="0" err="1"/>
-              <a:t>d’utiliser</a:t>
-            </a:r>
-            <a:r>
-              <a:rPr lang="en-GB" altLang="fr-FR" dirty="0"/>
-              <a:t> </a:t>
-            </a:r>
-            <a:r>
-              <a:rPr lang="en-GB" altLang="fr-FR" dirty="0" err="1"/>
-              <a:t>dans</a:t>
-            </a:r>
-            <a:r>
-              <a:rPr lang="en-GB" altLang="fr-FR" dirty="0"/>
-              <a:t> </a:t>
-            </a:r>
-            <a:r>
-              <a:rPr lang="en-GB" altLang="fr-FR" dirty="0" err="1"/>
-              <a:t>plusieurs</a:t>
-            </a:r>
-            <a:r>
-              <a:rPr lang="en-GB" altLang="fr-FR" dirty="0"/>
-              <a:t> programmes </a:t>
-            </a:r>
-            <a:r>
-              <a:rPr lang="en-GB" altLang="fr-FR" dirty="0" err="1"/>
-              <a:t>une</a:t>
-            </a:r>
-            <a:r>
-              <a:rPr lang="en-GB" altLang="fr-FR" dirty="0"/>
-              <a:t> </a:t>
-            </a:r>
-            <a:r>
-              <a:rPr lang="en-GB" altLang="fr-FR" dirty="0" err="1"/>
-              <a:t>même</a:t>
-            </a:r>
-            <a:r>
-              <a:rPr lang="en-GB" altLang="fr-FR" dirty="0"/>
-              <a:t> </a:t>
-            </a:r>
-            <a:r>
-              <a:rPr lang="en-GB" altLang="fr-FR" dirty="0" err="1"/>
-              <a:t>fonction</a:t>
-            </a:r>
-            <a:r>
-              <a:rPr lang="en-GB" altLang="fr-FR" dirty="0"/>
-              <a:t>               </a:t>
-            </a:r>
-          </a:p>
-          <a:p>
-            <a:pPr eaLnBrk="1" hangingPunct="1">
-              <a:lnSpc>
-                <a:spcPct val="90000"/>
-              </a:lnSpc>
-              <a:spcBef>
-                <a:spcPts val="500"/>
-              </a:spcBef>
-              <a:spcAft>
-                <a:spcPts val="500"/>
-              </a:spcAft>
-            </a:pPr>
-            <a:r>
-              <a:rPr lang="en-GB" altLang="fr-FR" dirty="0" err="1"/>
-              <a:t>Chaque</a:t>
-            </a:r>
-            <a:r>
-              <a:rPr lang="en-GB" altLang="fr-FR" dirty="0"/>
-              <a:t> module a </a:t>
-            </a:r>
-            <a:r>
-              <a:rPr lang="en-GB" altLang="fr-FR" dirty="0" err="1"/>
-              <a:t>sa</a:t>
-            </a:r>
-            <a:r>
-              <a:rPr lang="en-GB" altLang="fr-FR" dirty="0"/>
-              <a:t> </a:t>
-            </a:r>
-            <a:r>
-              <a:rPr lang="en-GB" altLang="fr-FR" b="1" dirty="0" err="1"/>
-              <a:t>propre</a:t>
-            </a:r>
-            <a:r>
-              <a:rPr lang="en-GB" altLang="fr-FR" b="1" dirty="0"/>
-              <a:t> table de </a:t>
-            </a:r>
-            <a:r>
-              <a:rPr lang="en-GB" altLang="fr-FR" b="1" dirty="0" err="1"/>
-              <a:t>symboles</a:t>
-            </a:r>
-            <a:r>
-              <a:rPr lang="en-GB" altLang="fr-FR" b="1" dirty="0"/>
-              <a:t> </a:t>
-            </a:r>
-            <a:r>
-              <a:rPr lang="en-GB" altLang="fr-FR" b="1" dirty="0" err="1"/>
-              <a:t>privée</a:t>
-            </a:r>
-            <a:r>
-              <a:rPr lang="en-GB" altLang="fr-FR" dirty="0"/>
-              <a:t>, qui </a:t>
-            </a:r>
-            <a:r>
-              <a:rPr lang="en-GB" altLang="fr-FR" dirty="0" err="1"/>
-              <a:t>est</a:t>
-            </a:r>
-            <a:r>
-              <a:rPr lang="en-GB" altLang="fr-FR" dirty="0"/>
-              <a:t> </a:t>
-            </a:r>
-            <a:r>
-              <a:rPr lang="en-GB" altLang="fr-FR" dirty="0" err="1"/>
-              <a:t>utilisée</a:t>
-            </a:r>
-            <a:r>
-              <a:rPr lang="en-GB" altLang="fr-FR" dirty="0"/>
-              <a:t> </a:t>
-            </a:r>
-            <a:r>
-              <a:rPr lang="en-GB" altLang="fr-FR" dirty="0" err="1"/>
-              <a:t>comme</a:t>
-            </a:r>
-            <a:r>
-              <a:rPr lang="en-GB" altLang="fr-FR" dirty="0"/>
-              <a:t> table de </a:t>
-            </a:r>
-            <a:r>
-              <a:rPr lang="en-GB" altLang="fr-FR" dirty="0" err="1"/>
-              <a:t>symbole</a:t>
-            </a:r>
-            <a:r>
-              <a:rPr lang="en-GB" altLang="fr-FR" dirty="0"/>
-              <a:t> </a:t>
-            </a:r>
-            <a:r>
-              <a:rPr lang="en-GB" altLang="fr-FR" dirty="0" err="1"/>
-              <a:t>globale</a:t>
-            </a:r>
-            <a:r>
-              <a:rPr lang="en-GB" altLang="fr-FR" dirty="0"/>
-              <a:t> par </a:t>
-            </a:r>
-            <a:r>
-              <a:rPr lang="en-GB" altLang="fr-FR" dirty="0" err="1"/>
-              <a:t>toutes</a:t>
-            </a:r>
-            <a:r>
-              <a:rPr lang="en-GB" altLang="fr-FR" dirty="0"/>
-              <a:t> les </a:t>
-            </a:r>
-            <a:r>
-              <a:rPr lang="en-GB" altLang="fr-FR" dirty="0" err="1"/>
-              <a:t>fonctions</a:t>
-            </a:r>
-            <a:r>
-              <a:rPr lang="en-GB" altLang="fr-FR" dirty="0"/>
-              <a:t> </a:t>
-            </a:r>
-            <a:r>
-              <a:rPr lang="en-GB" altLang="fr-FR" dirty="0" err="1"/>
-              <a:t>définies</a:t>
-            </a:r>
-            <a:r>
-              <a:rPr lang="en-GB" altLang="fr-FR" dirty="0"/>
-              <a:t> </a:t>
-            </a:r>
-            <a:r>
-              <a:rPr lang="en-GB" altLang="fr-FR" dirty="0" err="1"/>
-              <a:t>dans</a:t>
-            </a:r>
-            <a:r>
-              <a:rPr lang="en-GB" altLang="fr-FR" dirty="0"/>
-              <a:t> le module</a:t>
-            </a:r>
-          </a:p>
-          <a:p>
-            <a:pPr lvl="1" eaLnBrk="1" hangingPunct="1">
-              <a:lnSpc>
-                <a:spcPct val="90000"/>
-              </a:lnSpc>
-              <a:spcBef>
-                <a:spcPts val="500"/>
-              </a:spcBef>
-              <a:spcAft>
-                <a:spcPts val="500"/>
-              </a:spcAft>
-            </a:pPr>
-            <a:r>
-              <a:rPr lang="en-GB" altLang="fr-FR" dirty="0" err="1"/>
-              <a:t>l'auteur</a:t>
-            </a:r>
-            <a:r>
-              <a:rPr lang="en-GB" altLang="fr-FR" dirty="0"/>
-              <a:t> d'un module </a:t>
-            </a:r>
-            <a:r>
-              <a:rPr lang="en-GB" altLang="fr-FR" dirty="0" err="1"/>
-              <a:t>peut</a:t>
-            </a:r>
-            <a:r>
-              <a:rPr lang="en-GB" altLang="fr-FR" dirty="0"/>
-              <a:t> utiliser des variables </a:t>
-            </a:r>
-            <a:r>
-              <a:rPr lang="en-GB" altLang="fr-FR" b="1" dirty="0" err="1"/>
-              <a:t>globales</a:t>
-            </a:r>
-            <a:r>
-              <a:rPr lang="en-GB" altLang="fr-FR" dirty="0"/>
-              <a:t> </a:t>
-            </a:r>
-            <a:r>
-              <a:rPr lang="en-GB" altLang="fr-FR" dirty="0" err="1"/>
-              <a:t>dans</a:t>
-            </a:r>
-            <a:r>
-              <a:rPr lang="en-GB" altLang="fr-FR" dirty="0"/>
-              <a:t> le module sans </a:t>
-            </a:r>
-            <a:r>
-              <a:rPr lang="en-GB" altLang="fr-FR" dirty="0" err="1"/>
-              <a:t>s'inquiéter</a:t>
-            </a:r>
-            <a:r>
-              <a:rPr lang="en-GB" altLang="fr-FR" dirty="0"/>
-              <a:t> des </a:t>
-            </a:r>
-            <a:r>
-              <a:rPr lang="en-GB" altLang="fr-FR" dirty="0" err="1"/>
-              <a:t>désaccords</a:t>
-            </a:r>
-            <a:r>
-              <a:rPr lang="en-GB" altLang="fr-FR" dirty="0"/>
-              <a:t> </a:t>
-            </a:r>
-            <a:r>
-              <a:rPr lang="en-GB" altLang="fr-FR" dirty="0" err="1"/>
-              <a:t>accidentels</a:t>
-            </a:r>
-            <a:r>
-              <a:rPr lang="en-GB" altLang="fr-FR" dirty="0"/>
-              <a:t> avec les variables </a:t>
-            </a:r>
-            <a:r>
-              <a:rPr lang="en-GB" altLang="fr-FR" dirty="0" err="1"/>
-              <a:t>globales</a:t>
-            </a:r>
-            <a:r>
-              <a:rPr lang="en-GB" altLang="fr-FR" dirty="0"/>
-              <a:t> d'un</a:t>
-            </a:r>
-            <a:r>
-              <a:rPr lang="en-GB" altLang="fr-FR" b="1" dirty="0"/>
-              <a:t> </a:t>
-            </a:r>
-            <a:r>
-              <a:rPr lang="en-GB" altLang="fr-FR" b="1" dirty="0" err="1"/>
-              <a:t>utilisateur</a:t>
-            </a:r>
-            <a:r>
-              <a:rPr lang="en-GB" altLang="fr-FR" dirty="0"/>
-              <a:t>. </a:t>
-            </a:r>
-          </a:p>
-          <a:p>
-            <a:endParaRPr lang="fr-FR" dirty="0"/>
-          </a:p>
-        </p:txBody>
-      </p:sp>
-    </p:spTree>
-    <p:extLst>
-      <p:ext uri="{BB962C8B-B14F-4D97-AF65-F5344CB8AC3E}">
-        <p14:creationId xmlns:p14="http://schemas.microsoft.com/office/powerpoint/2010/main" val="3732247990"/>
-      </p:ext>
-    </p:extLst>
-  </p:cSld>
-  <p:clrMapOvr>
-    <a:masterClrMapping/>
-  </p:clrMapOvr>
-</p:sld>
-</file>
-
-<file path=ppt/slides/slide3.xml><?xml version="1.0" encoding="utf-8"?>
-<p:sld xmlns:a="http://schemas.openxmlformats.org/drawingml/2006/main" xmlns:r="http://schemas.openxmlformats.org/officeDocument/2006/relationships" xmlns:p="http://schemas.openxmlformats.org/presentationml/2006/main">
-  <p:cSld>
-    <p:spTree>
-      <p:nvGrpSpPr>
-        <p:cNvPr id="1" name=""/>
-        <p:cNvGrpSpPr/>
-        <p:nvPr/>
-      </p:nvGrpSpPr>
-      <p:grpSpPr>
-        <a:xfrm>
-          <a:off x="0" y="0"/>
-          <a:ext cx="0" cy="0"/>
-          <a:chOff x="0" y="0"/>
-          <a:chExt cx="0" cy="0"/>
-        </a:xfrm>
-      </p:grpSpPr>
-      <p:sp>
-        <p:nvSpPr>
-          <p:cNvPr id="2" name="Titre 1"/>
-          <p:cNvSpPr>
-            <a:spLocks noGrp="1"/>
-          </p:cNvSpPr>
-          <p:nvPr>
-            <p:ph type="title"/>
-          </p:nvPr>
-        </p:nvSpPr>
-        <p:spPr/>
-        <p:txBody>
-          <a:bodyPr/>
-          <a:lstStyle/>
-          <a:p>
-            <a:r>
-              <a:rPr lang="fr-FR" dirty="0"/>
-              <a:t>import</a:t>
-            </a:r>
-          </a:p>
-        </p:txBody>
-      </p:sp>
-      <p:sp>
-        <p:nvSpPr>
-          <p:cNvPr id="3" name="Espace réservé du contenu 2"/>
-          <p:cNvSpPr>
-            <a:spLocks noGrp="1"/>
-          </p:cNvSpPr>
-          <p:nvPr>
-            <p:ph idx="1"/>
-          </p:nvPr>
-        </p:nvSpPr>
-        <p:spPr/>
-        <p:txBody>
-          <a:bodyPr/>
-          <a:lstStyle/>
-          <a:p>
-            <a:r>
-              <a:rPr lang="en-GB" altLang="fr-FR" b="1" dirty="0" err="1"/>
-              <a:t>L'instruction</a:t>
-            </a:r>
-            <a:r>
-              <a:rPr lang="en-GB" altLang="fr-FR" b="1" dirty="0"/>
-              <a:t> "import &lt;module&gt;"</a:t>
-            </a:r>
-            <a:r>
-              <a:rPr lang="en-GB" altLang="fr-FR" dirty="0"/>
-              <a:t> </a:t>
-            </a:r>
-            <a:r>
-              <a:rPr lang="en-GB" altLang="fr-FR" dirty="0" err="1"/>
-              <a:t>importe</a:t>
-            </a:r>
-            <a:r>
-              <a:rPr lang="en-GB" altLang="fr-FR" dirty="0"/>
-              <a:t> tout le module &lt;module&gt;, </a:t>
-            </a:r>
-            <a:r>
-              <a:rPr lang="en-GB" altLang="fr-FR" dirty="0" err="1"/>
-              <a:t>en</a:t>
-            </a:r>
-            <a:r>
-              <a:rPr lang="en-GB" altLang="fr-FR" dirty="0"/>
-              <a:t> </a:t>
-            </a:r>
-            <a:r>
-              <a:rPr lang="en-GB" altLang="fr-FR" dirty="0" err="1"/>
-              <a:t>exécutant</a:t>
-            </a:r>
-            <a:r>
-              <a:rPr lang="en-GB" altLang="fr-FR" dirty="0"/>
-              <a:t> le total du module</a:t>
-            </a:r>
-          </a:p>
-          <a:p>
-            <a:r>
-              <a:rPr lang="en-GB" altLang="fr-FR" dirty="0"/>
-              <a:t>Le module </a:t>
-            </a:r>
-            <a:r>
-              <a:rPr lang="en-GB" altLang="fr-FR" dirty="0" err="1"/>
-              <a:t>est</a:t>
-            </a:r>
-            <a:r>
-              <a:rPr lang="en-GB" altLang="fr-FR" dirty="0"/>
-              <a:t> </a:t>
-            </a:r>
-            <a:r>
-              <a:rPr lang="en-GB" altLang="fr-FR" dirty="0" err="1"/>
-              <a:t>exécuté</a:t>
-            </a:r>
-            <a:r>
-              <a:rPr lang="en-GB" altLang="fr-FR" dirty="0"/>
-              <a:t> </a:t>
-            </a:r>
-            <a:r>
-              <a:rPr lang="en-GB" altLang="fr-FR" dirty="0" err="1"/>
-              <a:t>en</a:t>
-            </a:r>
-            <a:r>
-              <a:rPr lang="en-GB" altLang="fr-FR" dirty="0"/>
-              <a:t> premier </a:t>
-            </a:r>
-            <a:r>
-              <a:rPr lang="en-GB" altLang="fr-FR" dirty="0" err="1"/>
-              <a:t>avant</a:t>
-            </a:r>
-            <a:r>
-              <a:rPr lang="en-GB" altLang="fr-FR" dirty="0"/>
-              <a:t> de </a:t>
-            </a:r>
-            <a:r>
-              <a:rPr lang="en-GB" altLang="fr-FR" dirty="0" err="1"/>
-              <a:t>pouvoir</a:t>
-            </a:r>
-            <a:r>
-              <a:rPr lang="en-GB" altLang="fr-FR" dirty="0"/>
-              <a:t> </a:t>
-            </a:r>
-            <a:r>
-              <a:rPr lang="en-GB" altLang="fr-FR" dirty="0" err="1"/>
-              <a:t>travailler</a:t>
-            </a:r>
-            <a:r>
-              <a:rPr lang="en-GB" altLang="fr-FR" dirty="0"/>
-              <a:t> sur les </a:t>
-            </a:r>
-            <a:r>
-              <a:rPr lang="en-GB" altLang="fr-FR" dirty="0" err="1"/>
-              <a:t>objets</a:t>
-            </a:r>
-            <a:endParaRPr lang="en-GB" altLang="fr-FR" dirty="0"/>
-          </a:p>
-          <a:p>
-            <a:r>
-              <a:rPr lang="en-GB" altLang="fr-FR" dirty="0"/>
-              <a:t>Pour utiliser </a:t>
-            </a:r>
-            <a:r>
-              <a:rPr lang="en-GB" altLang="fr-FR" dirty="0" err="1"/>
-              <a:t>ensuite</a:t>
-            </a:r>
-            <a:r>
-              <a:rPr lang="en-GB" altLang="fr-FR" dirty="0"/>
-              <a:t> le module, nous </a:t>
-            </a:r>
-            <a:r>
-              <a:rPr lang="en-GB" altLang="fr-FR" dirty="0" err="1"/>
-              <a:t>écrirons</a:t>
-            </a:r>
-            <a:r>
-              <a:rPr lang="en-GB" altLang="fr-FR" dirty="0"/>
-              <a:t> “&lt;module&gt;.nom”.</a:t>
-            </a:r>
-          </a:p>
-          <a:p>
-            <a:r>
-              <a:rPr lang="en-GB" dirty="0" err="1"/>
-              <a:t>Exemple</a:t>
-            </a:r>
-            <a:endParaRPr lang="en-GB" dirty="0"/>
-          </a:p>
-          <a:p>
-            <a:pPr lvl="1"/>
-            <a:r>
-              <a:rPr lang="en-GB" dirty="0"/>
-              <a:t>import math</a:t>
-            </a:r>
-          </a:p>
-          <a:p>
-            <a:pPr lvl="1"/>
-            <a:r>
-              <a:rPr lang="en-GB" dirty="0" err="1"/>
-              <a:t>math.sqrt</a:t>
-            </a:r>
-            <a:r>
-              <a:rPr lang="en-GB" dirty="0"/>
-              <a:t>(2)</a:t>
-            </a:r>
-            <a:endParaRPr lang="fr-FR" dirty="0"/>
-          </a:p>
-        </p:txBody>
-      </p:sp>
-    </p:spTree>
-    <p:extLst>
-      <p:ext uri="{BB962C8B-B14F-4D97-AF65-F5344CB8AC3E}">
-        <p14:creationId xmlns:p14="http://schemas.microsoft.com/office/powerpoint/2010/main" val="2779342293"/>
-      </p:ext>
-    </p:extLst>
-  </p:cSld>
-  <p:clrMapOvr>
-    <a:masterClrMapping/>
-  </p:clrMapOvr>
-</p:sld>
-</file>
-
-<file path=ppt/slides/slide4.xml><?xml version="1.0" encoding="utf-8"?>
-<p:sld xmlns:a="http://schemas.openxmlformats.org/drawingml/2006/main" xmlns:r="http://schemas.openxmlformats.org/officeDocument/2006/relationships" xmlns:p="http://schemas.openxmlformats.org/presentationml/2006/main">
-  <p:cSld>
-    <p:spTree>
-      <p:nvGrpSpPr>
-        <p:cNvPr id="1" name=""/>
-        <p:cNvGrpSpPr/>
-        <p:nvPr/>
-      </p:nvGrpSpPr>
-      <p:grpSpPr>
-        <a:xfrm>
-          <a:off x="0" y="0"/>
-          <a:ext cx="0" cy="0"/>
-          <a:chOff x="0" y="0"/>
-          <a:chExt cx="0" cy="0"/>
-        </a:xfrm>
-      </p:grpSpPr>
-      <p:sp>
-        <p:nvSpPr>
-          <p:cNvPr id="2" name="Titre 1"/>
-          <p:cNvSpPr>
-            <a:spLocks noGrp="1"/>
-          </p:cNvSpPr>
-          <p:nvPr>
-            <p:ph type="title"/>
-          </p:nvPr>
-        </p:nvSpPr>
-        <p:spPr/>
-        <p:txBody>
-          <a:bodyPr/>
-          <a:lstStyle/>
-          <a:p>
-            <a:r>
-              <a:rPr lang="fr-FR" dirty="0"/>
-              <a:t>help</a:t>
-            </a:r>
-          </a:p>
-        </p:txBody>
-      </p:sp>
-      <p:sp>
-        <p:nvSpPr>
-          <p:cNvPr id="3" name="Espace réservé du contenu 2"/>
-          <p:cNvSpPr>
-            <a:spLocks noGrp="1"/>
-          </p:cNvSpPr>
-          <p:nvPr>
-            <p:ph idx="1"/>
-          </p:nvPr>
-        </p:nvSpPr>
-        <p:spPr/>
-        <p:txBody>
-          <a:bodyPr/>
-          <a:lstStyle/>
-          <a:p>
-            <a:endParaRPr lang="fr-FR"/>
-          </a:p>
-        </p:txBody>
-      </p:sp>
-      <p:pic>
-        <p:nvPicPr>
-          <p:cNvPr id="4" name="Image 3"/>
-          <p:cNvPicPr>
-            <a:picLocks noChangeAspect="1"/>
-          </p:cNvPicPr>
-          <p:nvPr/>
-        </p:nvPicPr>
-        <p:blipFill>
-          <a:blip r:embed="rId2"/>
-          <a:stretch>
-            <a:fillRect/>
-          </a:stretch>
-        </p:blipFill>
-        <p:spPr>
-          <a:xfrm>
-            <a:off x="1475656" y="1412776"/>
-            <a:ext cx="6606209" cy="5044490"/>
-          </a:xfrm>
-          <a:prstGeom prst="rect">
-            <a:avLst/>
-          </a:prstGeom>
-        </p:spPr>
-      </p:pic>
-    </p:spTree>
-    <p:extLst>
-      <p:ext uri="{BB962C8B-B14F-4D97-AF65-F5344CB8AC3E}">
-        <p14:creationId xmlns:p14="http://schemas.microsoft.com/office/powerpoint/2010/main" val="4084875947"/>
-      </p:ext>
-    </p:extLst>
-  </p:cSld>
-  <p:clrMapOvr>
-    <a:masterClrMapping/>
-  </p:clrMapOvr>
-</p:sld>
-</file>
-
-<file path=ppt/slides/slide5.xml><?xml version="1.0" encoding="utf-8"?>
-<p:sld xmlns:a="http://schemas.openxmlformats.org/drawingml/2006/main" xmlns:r="http://schemas.openxmlformats.org/officeDocument/2006/relationships" xmlns:p="http://schemas.openxmlformats.org/presentationml/2006/main">
-  <p:cSld>
-    <p:spTree>
-      <p:nvGrpSpPr>
-        <p:cNvPr id="1" name=""/>
-        <p:cNvGrpSpPr/>
-        <p:nvPr/>
-      </p:nvGrpSpPr>
-      <p:grpSpPr>
-        <a:xfrm>
-          <a:off x="0" y="0"/>
-          <a:ext cx="0" cy="0"/>
-          <a:chOff x="0" y="0"/>
-          <a:chExt cx="0" cy="0"/>
-        </a:xfrm>
-      </p:grpSpPr>
-      <p:sp>
-        <p:nvSpPr>
-          <p:cNvPr id="2" name="Titre 1"/>
-          <p:cNvSpPr>
-            <a:spLocks noGrp="1"/>
-          </p:cNvSpPr>
-          <p:nvPr>
-            <p:ph type="title"/>
-          </p:nvPr>
-        </p:nvSpPr>
-        <p:spPr/>
-        <p:txBody>
-          <a:bodyPr/>
-          <a:lstStyle/>
-          <a:p>
-            <a:r>
-              <a:rPr lang="fr-FR" dirty="0"/>
-              <a:t>as</a:t>
-            </a:r>
-          </a:p>
-        </p:txBody>
-      </p:sp>
-      <p:sp>
-        <p:nvSpPr>
-          <p:cNvPr id="3" name="Espace réservé du contenu 2"/>
-          <p:cNvSpPr>
-            <a:spLocks noGrp="1"/>
-          </p:cNvSpPr>
-          <p:nvPr>
-            <p:ph idx="1"/>
-          </p:nvPr>
-        </p:nvSpPr>
-        <p:spPr/>
-        <p:txBody>
-          <a:bodyPr/>
-          <a:lstStyle/>
-          <a:p>
-            <a:r>
-              <a:rPr lang="fr-FR" dirty="0"/>
-              <a:t>On différentie le module physique (math) par son </a:t>
-            </a:r>
-            <a:r>
-              <a:rPr lang="fr-FR" dirty="0" err="1"/>
-              <a:t>namespace</a:t>
-            </a:r>
-            <a:r>
-              <a:rPr lang="fr-FR" dirty="0"/>
-              <a:t> (</a:t>
-            </a:r>
-            <a:r>
-              <a:rPr lang="fr-FR" dirty="0" err="1"/>
-              <a:t>mathematique</a:t>
-            </a:r>
-            <a:r>
-              <a:rPr lang="fr-FR" dirty="0"/>
-              <a:t>) qui contient les variables et fonctions</a:t>
-            </a:r>
-          </a:p>
-        </p:txBody>
-      </p:sp>
-      <p:pic>
-        <p:nvPicPr>
-          <p:cNvPr id="4" name="Image 3"/>
-          <p:cNvPicPr>
-            <a:picLocks noChangeAspect="1"/>
-          </p:cNvPicPr>
-          <p:nvPr/>
-        </p:nvPicPr>
-        <p:blipFill>
-          <a:blip r:embed="rId2"/>
-          <a:stretch>
-            <a:fillRect/>
-          </a:stretch>
-        </p:blipFill>
-        <p:spPr>
-          <a:xfrm>
-            <a:off x="2483768" y="3861048"/>
-            <a:ext cx="3174038" cy="426144"/>
-          </a:xfrm>
-          <a:prstGeom prst="rect">
-            <a:avLst/>
-          </a:prstGeom>
-        </p:spPr>
-      </p:pic>
-    </p:spTree>
-    <p:extLst>
-      <p:ext uri="{BB962C8B-B14F-4D97-AF65-F5344CB8AC3E}">
-        <p14:creationId xmlns:p14="http://schemas.microsoft.com/office/powerpoint/2010/main" val="609206448"/>
-      </p:ext>
-    </p:extLst>
-  </p:cSld>
-  <p:clrMapOvr>
-    <a:masterClrMapping/>
-  </p:clrMapOvr>
-</p:sld>
-</file>
-
-<file path=ppt/slides/slide6.xml><?xml version="1.0" encoding="utf-8"?>
-<p:sld xmlns:a="http://schemas.openxmlformats.org/drawingml/2006/main" xmlns:r="http://schemas.openxmlformats.org/officeDocument/2006/relationships" xmlns:p="http://schemas.openxmlformats.org/presentationml/2006/main">
-  <p:cSld>
-    <p:spTree>
-      <p:nvGrpSpPr>
-        <p:cNvPr id="1" name=""/>
-        <p:cNvGrpSpPr/>
-        <p:nvPr/>
-      </p:nvGrpSpPr>
-      <p:grpSpPr>
-        <a:xfrm>
-          <a:off x="0" y="0"/>
-          <a:ext cx="0" cy="0"/>
-          <a:chOff x="0" y="0"/>
-          <a:chExt cx="0" cy="0"/>
-        </a:xfrm>
-      </p:grpSpPr>
-      <p:sp>
-        <p:nvSpPr>
-          <p:cNvPr id="2" name="Titre 1"/>
-          <p:cNvSpPr>
-            <a:spLocks noGrp="1"/>
-          </p:cNvSpPr>
-          <p:nvPr>
-            <p:ph type="title"/>
-          </p:nvPr>
-        </p:nvSpPr>
-        <p:spPr/>
-        <p:txBody>
-          <a:bodyPr/>
-          <a:lstStyle/>
-          <a:p>
-            <a:r>
-              <a:rPr lang="fr-FR" dirty="0" err="1"/>
-              <a:t>from</a:t>
-            </a:r>
-            <a:endParaRPr lang="fr-FR" dirty="0"/>
-          </a:p>
-        </p:txBody>
-      </p:sp>
-      <p:sp>
-        <p:nvSpPr>
-          <p:cNvPr id="3" name="Espace réservé du contenu 2"/>
-          <p:cNvSpPr>
-            <a:spLocks noGrp="1"/>
-          </p:cNvSpPr>
-          <p:nvPr>
-            <p:ph idx="1"/>
-          </p:nvPr>
-        </p:nvSpPr>
-        <p:spPr/>
-        <p:txBody>
-          <a:bodyPr/>
-          <a:lstStyle/>
-          <a:p>
-            <a:r>
-              <a:rPr lang="en-GB" altLang="fr-FR" b="1" dirty="0"/>
-              <a:t>"from"</a:t>
-            </a:r>
-            <a:r>
-              <a:rPr lang="en-GB" altLang="fr-FR" dirty="0"/>
-              <a:t> </a:t>
-            </a:r>
-            <a:r>
-              <a:rPr lang="en-GB" altLang="fr-FR" dirty="0" err="1"/>
-              <a:t>s'utilise</a:t>
-            </a:r>
-            <a:r>
-              <a:rPr lang="en-GB" altLang="fr-FR" dirty="0"/>
-              <a:t> avec "import" de la </a:t>
-            </a:r>
-            <a:r>
-              <a:rPr lang="en-GB" altLang="fr-FR" dirty="0" err="1"/>
-              <a:t>manière</a:t>
-            </a:r>
-            <a:r>
-              <a:rPr lang="en-GB" altLang="fr-FR" dirty="0"/>
-              <a:t> "from &lt;module&gt; import &lt;nom&gt;“</a:t>
-            </a:r>
-          </a:p>
-          <a:p>
-            <a:endParaRPr lang="fr-FR" dirty="0"/>
-          </a:p>
-        </p:txBody>
-      </p:sp>
-      <p:pic>
-        <p:nvPicPr>
-          <p:cNvPr id="4" name="Image 3"/>
-          <p:cNvPicPr>
-            <a:picLocks noChangeAspect="1"/>
-          </p:cNvPicPr>
-          <p:nvPr/>
-        </p:nvPicPr>
-        <p:blipFill>
-          <a:blip r:embed="rId2"/>
-          <a:stretch>
-            <a:fillRect/>
-          </a:stretch>
-        </p:blipFill>
-        <p:spPr>
-          <a:xfrm>
-            <a:off x="2843808" y="2708920"/>
-            <a:ext cx="3557550" cy="1423020"/>
-          </a:xfrm>
-          <a:prstGeom prst="rect">
-            <a:avLst/>
-          </a:prstGeom>
-        </p:spPr>
-      </p:pic>
-    </p:spTree>
-    <p:extLst>
-      <p:ext uri="{BB962C8B-B14F-4D97-AF65-F5344CB8AC3E}">
-        <p14:creationId xmlns:p14="http://schemas.microsoft.com/office/powerpoint/2010/main" val="3828871120"/>
-      </p:ext>
-    </p:extLst>
-  </p:cSld>
-  <p:clrMapOvr>
-    <a:masterClrMapping/>
-  </p:clrMapOvr>
-</p:sld>
-</file>
-
-<file path=ppt/slides/slide7.xml><?xml version="1.0" encoding="utf-8"?>
-<p:sld xmlns:a="http://schemas.openxmlformats.org/drawingml/2006/main" xmlns:r="http://schemas.openxmlformats.org/officeDocument/2006/relationships" xmlns:p="http://schemas.openxmlformats.org/presentationml/2006/main">
-  <p:cSld>
-    <p:spTree>
-      <p:nvGrpSpPr>
-        <p:cNvPr id="1" name=""/>
-        <p:cNvGrpSpPr/>
-        <p:nvPr/>
-      </p:nvGrpSpPr>
-      <p:grpSpPr>
-        <a:xfrm>
-          <a:off x="0" y="0"/>
-          <a:ext cx="0" cy="0"/>
-          <a:chOff x="0" y="0"/>
-          <a:chExt cx="0" cy="0"/>
-        </a:xfrm>
-      </p:grpSpPr>
-      <p:sp>
-        <p:nvSpPr>
-          <p:cNvPr id="2" name="Titre 1"/>
-          <p:cNvSpPr>
-            <a:spLocks noGrp="1"/>
-          </p:cNvSpPr>
-          <p:nvPr>
-            <p:ph type="title"/>
-          </p:nvPr>
-        </p:nvSpPr>
-        <p:spPr/>
-        <p:txBody>
-          <a:bodyPr/>
-          <a:lstStyle/>
-          <a:p>
-            <a:r>
-              <a:rPr lang="fr-FR" dirty="0" err="1"/>
-              <a:t>from</a:t>
-            </a:r>
-            <a:r>
-              <a:rPr lang="fr-FR" dirty="0"/>
-              <a:t> import</a:t>
-            </a:r>
-          </a:p>
-        </p:txBody>
-      </p:sp>
-      <p:sp>
-        <p:nvSpPr>
-          <p:cNvPr id="3" name="Espace réservé du contenu 2"/>
-          <p:cNvSpPr>
-            <a:spLocks noGrp="1"/>
-          </p:cNvSpPr>
-          <p:nvPr>
-            <p:ph idx="1"/>
-          </p:nvPr>
-        </p:nvSpPr>
-        <p:spPr/>
-        <p:txBody>
-          <a:bodyPr/>
-          <a:lstStyle/>
-          <a:p>
-            <a:r>
-              <a:rPr lang="en-GB" altLang="fr-FR" dirty="0"/>
-              <a:t>From import </a:t>
-            </a:r>
-            <a:r>
-              <a:rPr lang="en-GB" altLang="fr-FR" dirty="0" err="1"/>
-              <a:t>n’utilise</a:t>
-            </a:r>
-            <a:r>
-              <a:rPr lang="en-GB" altLang="fr-FR" dirty="0"/>
-              <a:t> pas de namespace</a:t>
-            </a:r>
-          </a:p>
-          <a:p>
-            <a:r>
-              <a:rPr lang="en-GB" altLang="fr-FR" dirty="0" err="1"/>
-              <a:t>Dans</a:t>
-            </a:r>
-            <a:r>
-              <a:rPr lang="en-GB" altLang="fr-FR" dirty="0"/>
-              <a:t> "from &lt;module&gt; import &lt;nom&gt;“ </a:t>
-            </a:r>
-            <a:r>
-              <a:rPr lang="en-GB" altLang="fr-FR" dirty="0" err="1"/>
-              <a:t>seulement</a:t>
-            </a:r>
-            <a:r>
-              <a:rPr lang="en-GB" altLang="fr-FR" dirty="0"/>
-              <a:t> </a:t>
-            </a:r>
-            <a:r>
-              <a:rPr lang="en-GB" altLang="fr-FR" dirty="0" err="1"/>
-              <a:t>l'objet</a:t>
-            </a:r>
-            <a:r>
-              <a:rPr lang="en-GB" altLang="fr-FR" dirty="0"/>
-              <a:t> &lt;nom&gt; du module &lt;module&gt; sera </a:t>
-            </a:r>
-            <a:r>
-              <a:rPr lang="en-GB" altLang="fr-FR" dirty="0" err="1"/>
-              <a:t>importé</a:t>
-            </a:r>
-            <a:r>
-              <a:rPr lang="en-GB" altLang="fr-FR" dirty="0"/>
-              <a:t>, le code </a:t>
-            </a:r>
-            <a:r>
-              <a:rPr lang="en-GB" altLang="fr-FR" dirty="0" err="1"/>
-              <a:t>restant</a:t>
-            </a:r>
-            <a:r>
-              <a:rPr lang="en-GB" altLang="fr-FR" dirty="0"/>
-              <a:t> du module sera </a:t>
-            </a:r>
-            <a:r>
-              <a:rPr lang="en-GB" altLang="fr-FR" dirty="0" err="1"/>
-              <a:t>aussi</a:t>
-            </a:r>
-            <a:r>
-              <a:rPr lang="en-GB" altLang="fr-FR" dirty="0"/>
-              <a:t> execute</a:t>
-            </a:r>
-          </a:p>
-          <a:p>
-            <a:pPr lvl="1"/>
-            <a:r>
-              <a:rPr lang="en-GB" altLang="fr-FR" dirty="0" err="1"/>
-              <a:t>mais</a:t>
-            </a:r>
-            <a:r>
-              <a:rPr lang="en-GB" altLang="fr-FR" dirty="0"/>
-              <a:t> les </a:t>
-            </a:r>
-            <a:r>
-              <a:rPr lang="en-GB" altLang="fr-FR" dirty="0" err="1"/>
-              <a:t>objets</a:t>
-            </a:r>
-            <a:r>
-              <a:rPr lang="en-GB" altLang="fr-FR" dirty="0"/>
-              <a:t> ne </a:t>
-            </a:r>
-            <a:r>
-              <a:rPr lang="en-GB" altLang="fr-FR" dirty="0" err="1"/>
-              <a:t>seront</a:t>
-            </a:r>
-            <a:r>
-              <a:rPr lang="en-GB" altLang="fr-FR" dirty="0"/>
-              <a:t> </a:t>
-            </a:r>
-            <a:r>
-              <a:rPr lang="en-GB" altLang="fr-FR" b="1" dirty="0"/>
-              <a:t>pas </a:t>
-            </a:r>
-            <a:r>
-              <a:rPr lang="en-GB" altLang="fr-FR" b="1" dirty="0" err="1"/>
-              <a:t>mémorisés</a:t>
-            </a:r>
-            <a:r>
-              <a:rPr lang="en-GB" altLang="fr-FR" dirty="0"/>
-              <a:t> et les </a:t>
-            </a:r>
-            <a:r>
-              <a:rPr lang="en-GB" altLang="fr-FR" dirty="0" err="1"/>
-              <a:t>éventuelles</a:t>
-            </a:r>
-            <a:r>
-              <a:rPr lang="en-GB" altLang="fr-FR" dirty="0"/>
-              <a:t> variables ne </a:t>
-            </a:r>
-            <a:r>
-              <a:rPr lang="en-GB" altLang="fr-FR" dirty="0" err="1"/>
-              <a:t>seront</a:t>
-            </a:r>
-            <a:r>
-              <a:rPr lang="en-GB" altLang="fr-FR" dirty="0"/>
-              <a:t> </a:t>
-            </a:r>
-            <a:r>
-              <a:rPr lang="en-GB" altLang="fr-FR" b="1" dirty="0"/>
-              <a:t>pas </a:t>
-            </a:r>
-            <a:r>
-              <a:rPr lang="en-GB" altLang="fr-FR" b="1" dirty="0" err="1"/>
-              <a:t>affectées</a:t>
-            </a:r>
-            <a:endParaRPr lang="en-GB" altLang="fr-FR" b="1" dirty="0"/>
-          </a:p>
-          <a:p>
-            <a:r>
-              <a:rPr lang="en-GB" altLang="fr-FR" dirty="0"/>
-              <a:t>Pour utiliser </a:t>
-            </a:r>
-            <a:r>
-              <a:rPr lang="en-GB" altLang="fr-FR" dirty="0" err="1"/>
-              <a:t>ensuite</a:t>
-            </a:r>
-            <a:r>
-              <a:rPr lang="en-GB" altLang="fr-FR" dirty="0"/>
-              <a:t> nom, nous </a:t>
-            </a:r>
-            <a:r>
-              <a:rPr lang="en-GB" altLang="fr-FR" dirty="0" err="1"/>
-              <a:t>écrirons</a:t>
-            </a:r>
-            <a:r>
-              <a:rPr lang="en-GB" altLang="fr-FR" dirty="0"/>
-              <a:t> </a:t>
-            </a:r>
-            <a:r>
-              <a:rPr lang="en-GB" altLang="fr-FR" dirty="0" err="1"/>
-              <a:t>juste</a:t>
-            </a:r>
-            <a:r>
-              <a:rPr lang="en-GB" altLang="fr-FR" dirty="0"/>
-              <a:t> “&lt;nom&gt;”. </a:t>
-            </a:r>
-          </a:p>
-          <a:p>
-            <a:endParaRPr lang="fr-FR" dirty="0"/>
-          </a:p>
-        </p:txBody>
-      </p:sp>
-    </p:spTree>
-    <p:extLst>
-      <p:ext uri="{BB962C8B-B14F-4D97-AF65-F5344CB8AC3E}">
-        <p14:creationId xmlns:p14="http://schemas.microsoft.com/office/powerpoint/2010/main" val="2667193105"/>
-      </p:ext>
-    </p:extLst>
-  </p:cSld>
-  <p:clrMapOvr>
-    <a:masterClrMapping/>
-  </p:clrMapOvr>
-</p:sld>
-</file>
-
-<file path=ppt/slides/slide8.xml><?xml version="1.0" encoding="utf-8"?>
-<p:sld xmlns:a="http://schemas.openxmlformats.org/drawingml/2006/main" xmlns:r="http://schemas.openxmlformats.org/officeDocument/2006/relationships" xmlns:p="http://schemas.openxmlformats.org/presentationml/2006/main">
-  <p:cSld>
-    <p:spTree>
-      <p:nvGrpSpPr>
-        <p:cNvPr id="1" name=""/>
-        <p:cNvGrpSpPr/>
-        <p:nvPr/>
-      </p:nvGrpSpPr>
-      <p:grpSpPr>
-        <a:xfrm>
-          <a:off x="0" y="0"/>
-          <a:ext cx="0" cy="0"/>
-          <a:chOff x="0" y="0"/>
-          <a:chExt cx="0" cy="0"/>
-        </a:xfrm>
-      </p:grpSpPr>
-      <p:sp>
-        <p:nvSpPr>
-          <p:cNvPr id="2" name="Titre 1"/>
-          <p:cNvSpPr>
-            <a:spLocks noGrp="1"/>
-          </p:cNvSpPr>
-          <p:nvPr>
-            <p:ph type="title"/>
-          </p:nvPr>
-        </p:nvSpPr>
-        <p:spPr/>
-        <p:txBody>
-          <a:bodyPr/>
-          <a:lstStyle/>
-          <a:p>
-            <a:r>
-              <a:rPr lang="fr-FR" dirty="0" err="1"/>
-              <a:t>from</a:t>
-            </a:r>
-            <a:r>
-              <a:rPr lang="fr-FR" dirty="0"/>
-              <a:t> import *</a:t>
-            </a:r>
-          </a:p>
-        </p:txBody>
-      </p:sp>
-      <p:sp>
-        <p:nvSpPr>
-          <p:cNvPr id="3" name="Espace réservé du contenu 2"/>
-          <p:cNvSpPr>
-            <a:spLocks noGrp="1"/>
-          </p:cNvSpPr>
-          <p:nvPr>
-            <p:ph idx="1"/>
-          </p:nvPr>
-        </p:nvSpPr>
-        <p:spPr/>
-        <p:txBody>
-          <a:bodyPr/>
-          <a:lstStyle/>
-          <a:p>
-            <a:r>
-              <a:rPr lang="en-GB" altLang="fr-FR" dirty="0"/>
-              <a:t>from &lt;module&gt; import *</a:t>
-            </a:r>
-          </a:p>
-          <a:p>
-            <a:r>
-              <a:rPr lang="en-GB" altLang="fr-FR" dirty="0"/>
-              <a:t>Si &lt;nom&gt; </a:t>
-            </a:r>
-            <a:r>
-              <a:rPr lang="en-GB" altLang="fr-FR" dirty="0" err="1"/>
-              <a:t>est</a:t>
-            </a:r>
-            <a:r>
-              <a:rPr lang="en-GB" altLang="fr-FR" dirty="0"/>
-              <a:t> </a:t>
-            </a:r>
-            <a:r>
-              <a:rPr lang="en-GB" altLang="fr-FR" dirty="0" err="1"/>
-              <a:t>remplacé</a:t>
-            </a:r>
-            <a:r>
-              <a:rPr lang="en-GB" altLang="fr-FR" dirty="0"/>
-              <a:t> par *,                                  on </a:t>
-            </a:r>
-            <a:r>
-              <a:rPr lang="en-GB" altLang="fr-FR" dirty="0" err="1"/>
-              <a:t>obtient</a:t>
-            </a:r>
-            <a:r>
-              <a:rPr lang="en-GB" altLang="fr-FR" dirty="0"/>
-              <a:t> </a:t>
-            </a:r>
-            <a:r>
-              <a:rPr lang="en-GB" altLang="fr-FR" dirty="0" err="1"/>
-              <a:t>alors</a:t>
-            </a:r>
-            <a:r>
-              <a:rPr lang="en-GB" altLang="fr-FR" dirty="0"/>
-              <a:t> </a:t>
-            </a:r>
-            <a:r>
-              <a:rPr lang="en-GB" altLang="fr-FR" dirty="0" err="1"/>
-              <a:t>une</a:t>
-            </a:r>
-            <a:r>
-              <a:rPr lang="en-GB" altLang="fr-FR" b="1" dirty="0"/>
-              <a:t> </a:t>
-            </a:r>
-            <a:r>
-              <a:rPr lang="en-GB" altLang="fr-FR" b="1" dirty="0" err="1"/>
-              <a:t>copie</a:t>
-            </a:r>
-            <a:r>
-              <a:rPr lang="en-GB" altLang="fr-FR" b="1" dirty="0"/>
-              <a:t> </a:t>
-            </a:r>
-            <a:r>
-              <a:rPr lang="en-GB" altLang="fr-FR" dirty="0"/>
-              <a:t>de </a:t>
-            </a:r>
-            <a:r>
-              <a:rPr lang="en-GB" altLang="fr-FR" b="1" dirty="0" err="1"/>
-              <a:t>tous</a:t>
-            </a:r>
-            <a:r>
-              <a:rPr lang="en-GB" altLang="fr-FR" b="1" dirty="0"/>
-              <a:t> les </a:t>
-            </a:r>
-            <a:r>
-              <a:rPr lang="en-GB" altLang="fr-FR" b="1" dirty="0" err="1"/>
-              <a:t>noms</a:t>
-            </a:r>
-            <a:r>
-              <a:rPr lang="en-GB" altLang="fr-FR" dirty="0"/>
-              <a:t> </a:t>
-            </a:r>
-            <a:r>
-              <a:rPr lang="en-GB" altLang="fr-FR" dirty="0" err="1"/>
-              <a:t>définis</a:t>
-            </a:r>
-            <a:r>
-              <a:rPr lang="en-GB" altLang="fr-FR" dirty="0"/>
-              <a:t> a la </a:t>
-            </a:r>
-            <a:r>
-              <a:rPr lang="en-GB" altLang="fr-FR" dirty="0" err="1"/>
-              <a:t>racine</a:t>
-            </a:r>
-            <a:r>
-              <a:rPr lang="en-GB" altLang="fr-FR" dirty="0"/>
-              <a:t> du module</a:t>
-            </a:r>
-            <a:endParaRPr lang="fr-FR" dirty="0"/>
-          </a:p>
-        </p:txBody>
-      </p:sp>
-      <p:pic>
-        <p:nvPicPr>
-          <p:cNvPr id="4" name="Image 3"/>
-          <p:cNvPicPr>
-            <a:picLocks noChangeAspect="1"/>
-          </p:cNvPicPr>
-          <p:nvPr/>
-        </p:nvPicPr>
-        <p:blipFill>
-          <a:blip r:embed="rId2"/>
-          <a:stretch>
-            <a:fillRect/>
-          </a:stretch>
-        </p:blipFill>
-        <p:spPr>
-          <a:xfrm>
-            <a:off x="2267744" y="3501008"/>
-            <a:ext cx="3456384" cy="1497033"/>
-          </a:xfrm>
-          <a:prstGeom prst="rect">
-            <a:avLst/>
-          </a:prstGeom>
-        </p:spPr>
-      </p:pic>
-    </p:spTree>
-    <p:extLst>
-      <p:ext uri="{BB962C8B-B14F-4D97-AF65-F5344CB8AC3E}">
-        <p14:creationId xmlns:p14="http://schemas.microsoft.com/office/powerpoint/2010/main" val="745031423"/>
-      </p:ext>
-    </p:extLst>
-  </p:cSld>
-  <p:clrMapOvr>
-    <a:masterClrMapping/>
-  </p:clrMapOvr>
-</p:sld>
-</file>
-
-<file path=ppt/slides/slide9.xml><?xml version="1.0" encoding="utf-8"?>
-<p:sld xmlns:a="http://schemas.openxmlformats.org/drawingml/2006/main" xmlns:r="http://schemas.openxmlformats.org/officeDocument/2006/relationships" xmlns:p="http://schemas.openxmlformats.org/presentationml/2006/main">
-  <p:cSld>
-    <p:spTree>
-      <p:nvGrpSpPr>
-        <p:cNvPr id="1" name=""/>
-        <p:cNvGrpSpPr/>
-        <p:nvPr/>
-      </p:nvGrpSpPr>
-      <p:grpSpPr>
-        <a:xfrm>
-          <a:off x="0" y="0"/>
-          <a:ext cx="0" cy="0"/>
-          <a:chOff x="0" y="0"/>
-          <a:chExt cx="0" cy="0"/>
-        </a:xfrm>
-      </p:grpSpPr>
-      <p:sp>
-        <p:nvSpPr>
-          <p:cNvPr id="2" name="Titre 1"/>
-          <p:cNvSpPr>
-            <a:spLocks noGrp="1"/>
-          </p:cNvSpPr>
-          <p:nvPr>
-            <p:ph type="title"/>
-          </p:nvPr>
-        </p:nvSpPr>
-        <p:spPr/>
-        <p:txBody>
-          <a:bodyPr/>
-          <a:lstStyle/>
-          <a:p>
-            <a:r>
-              <a:rPr lang="fr-FR" dirty="0" err="1"/>
-              <a:t>From</a:t>
-            </a:r>
-            <a:r>
-              <a:rPr lang="fr-FR" dirty="0"/>
-              <a:t> vs import</a:t>
-            </a:r>
-          </a:p>
-        </p:txBody>
-      </p:sp>
-      <p:sp>
-        <p:nvSpPr>
-          <p:cNvPr id="3" name="Espace réservé du contenu 2"/>
-          <p:cNvSpPr>
-            <a:spLocks noGrp="1"/>
-          </p:cNvSpPr>
-          <p:nvPr>
-            <p:ph idx="1"/>
-          </p:nvPr>
-        </p:nvSpPr>
-        <p:spPr/>
-        <p:txBody>
-          <a:bodyPr/>
-          <a:lstStyle/>
-          <a:p>
-            <a:pPr eaLnBrk="1" hangingPunct="1"/>
-            <a:r>
-              <a:rPr lang="fr-BE" altLang="fr-FR" dirty="0"/>
-              <a:t>La grande différence entre "import &lt;module&gt;" et "</a:t>
-            </a:r>
-            <a:r>
-              <a:rPr lang="fr-BE" altLang="fr-FR" dirty="0" err="1"/>
-              <a:t>from</a:t>
-            </a:r>
-            <a:r>
-              <a:rPr lang="fr-BE" altLang="fr-FR" dirty="0"/>
-              <a:t> &lt;module&gt; import *" est que les noms ne sont pas mémorisés sur le même niveau</a:t>
-            </a:r>
-          </a:p>
-          <a:p>
-            <a:pPr lvl="1" eaLnBrk="1" hangingPunct="1"/>
-            <a:r>
-              <a:rPr lang="fr-BE" altLang="fr-FR" dirty="0"/>
-              <a:t>Le premier sera mémorisé sous le nom du module, tandis qu'avec "</a:t>
-            </a:r>
-            <a:r>
-              <a:rPr lang="fr-BE" altLang="fr-FR" dirty="0" err="1"/>
-              <a:t>from</a:t>
-            </a:r>
-            <a:r>
-              <a:rPr lang="fr-BE" altLang="fr-FR" dirty="0"/>
-              <a:t>" la valeur est directement visible dans la racine</a:t>
-            </a:r>
-          </a:p>
-          <a:p>
-            <a:endParaRPr lang="fr-FR" dirty="0"/>
-          </a:p>
-        </p:txBody>
-      </p:sp>
-    </p:spTree>
-    <p:extLst>
-      <p:ext uri="{BB962C8B-B14F-4D97-AF65-F5344CB8AC3E}">
-        <p14:creationId xmlns:p14="http://schemas.microsoft.com/office/powerpoint/2010/main" val="2768187385"/>
-      </p:ext>
-    </p:extLst>
-  </p:cSld>
-  <p:clrMapOvr>
-    <a:masterClrMapping/>
-  </p:clrMapOvr>
+  <p:timing>
+    <p:tnLst>
+      <p:par>
+        <p:cTn id="1" dur="indefinite" restart="never" nodeType="tmRoot"/>
+      </p:par>
+    </p:tnLst>
+  </p:timing>
 </p:sld>
 </file>
 

--- a/ppt/Python05-Modules.pptx
+++ b/ppt/Python05-Modules.pptx
@@ -5,10 +5,10 @@
     <p:sldMasterId id="2147483653" r:id="rId1"/>
   </p:sldMasterIdLst>
   <p:notesMasterIdLst>
-    <p:notesMasterId r:id="rId14"/>
+    <p:notesMasterId r:id="rId13"/>
   </p:notesMasterIdLst>
   <p:handoutMasterIdLst>
-    <p:handoutMasterId r:id="rId15"/>
+    <p:handoutMasterId r:id="rId14"/>
   </p:handoutMasterIdLst>
   <p:sldIdLst>
     <p:sldId id="264" r:id="rId2"/>
@@ -22,7 +22,6 @@
     <p:sldId id="275" r:id="rId10"/>
     <p:sldId id="276" r:id="rId11"/>
     <p:sldId id="277" r:id="rId12"/>
-    <p:sldId id="278" r:id="rId13"/>
   </p:sldIdLst>
   <p:sldSz cx="9144000" cy="6858000" type="screen4x3"/>
   <p:notesSz cx="6648450" cy="9782175"/>
@@ -3741,13 +3740,6 @@
   <p:clrMapOvr>
     <a:masterClrMapping/>
   </p:clrMapOvr>
-  <p:timing>
-    <p:tnLst>
-      <p:par>
-        <p:cTn id="1" dur="indefinite" restart="never" nodeType="tmRoot"/>
-      </p:par>
-    </p:tnLst>
-  </p:timing>
 </p:sld>
 </file>
 
@@ -3846,13 +3838,6 @@
   <p:clrMapOvr>
     <a:masterClrMapping/>
   </p:clrMapOvr>
-  <p:timing>
-    <p:tnLst>
-      <p:par>
-        <p:cTn id="1" dur="indefinite" restart="never" nodeType="tmRoot"/>
-      </p:par>
-    </p:tnLst>
-  </p:timing>
 </p:sld>
 </file>
 
@@ -3980,153 +3965,6 @@
   <p:clrMapOvr>
     <a:masterClrMapping/>
   </p:clrMapOvr>
-  <p:timing>
-    <p:tnLst>
-      <p:par>
-        <p:cTn id="1" dur="indefinite" restart="never" nodeType="tmRoot"/>
-      </p:par>
-    </p:tnLst>
-  </p:timing>
-</p:sld>
-</file>
-
-<file path=ppt/slides/slide12.xml><?xml version="1.0" encoding="utf-8"?>
-<p:sld xmlns:a="http://schemas.openxmlformats.org/drawingml/2006/main" xmlns:r="http://schemas.openxmlformats.org/officeDocument/2006/relationships" xmlns:p="http://schemas.openxmlformats.org/presentationml/2006/main">
-  <p:cSld>
-    <p:spTree>
-      <p:nvGrpSpPr>
-        <p:cNvPr id="1" name=""/>
-        <p:cNvGrpSpPr/>
-        <p:nvPr/>
-      </p:nvGrpSpPr>
-      <p:grpSpPr>
-        <a:xfrm>
-          <a:off x="0" y="0"/>
-          <a:ext cx="0" cy="0"/>
-          <a:chOff x="0" y="0"/>
-          <a:chExt cx="0" cy="0"/>
-        </a:xfrm>
-      </p:grpSpPr>
-      <p:sp>
-        <p:nvSpPr>
-          <p:cNvPr id="2" name="Titre 1"/>
-          <p:cNvSpPr>
-            <a:spLocks noGrp="1"/>
-          </p:cNvSpPr>
-          <p:nvPr>
-            <p:ph type="title"/>
-          </p:nvPr>
-        </p:nvSpPr>
-        <p:spPr/>
-        <p:txBody>
-          <a:bodyPr/>
-          <a:lstStyle/>
-          <a:p>
-            <a:r>
-              <a:rPr lang="fr-FR" dirty="0"/>
-              <a:t>Packages</a:t>
-            </a:r>
-          </a:p>
-        </p:txBody>
-      </p:sp>
-      <p:sp>
-        <p:nvSpPr>
-          <p:cNvPr id="3" name="Espace réservé du contenu 2"/>
-          <p:cNvSpPr>
-            <a:spLocks noGrp="1"/>
-          </p:cNvSpPr>
-          <p:nvPr>
-            <p:ph idx="1"/>
-          </p:nvPr>
-        </p:nvSpPr>
-        <p:spPr/>
-        <p:txBody>
-          <a:bodyPr/>
-          <a:lstStyle/>
-          <a:p>
-            <a:r>
-              <a:rPr lang="fr-FR" dirty="0"/>
-              <a:t>Les modules sont un des moyens de regrouper plusieurs fonctions</a:t>
-            </a:r>
-          </a:p>
-          <a:p>
-            <a:r>
-              <a:rPr lang="fr-FR" dirty="0"/>
-              <a:t>On peut aller encore au-delà en regroupant des modules dans ce qu'on va appeler des </a:t>
-            </a:r>
-            <a:r>
-              <a:rPr lang="fr-FR" b="1" dirty="0"/>
-              <a:t>packages</a:t>
-            </a:r>
-          </a:p>
-          <a:p>
-            <a:r>
-              <a:rPr lang="fr-FR" dirty="0"/>
-              <a:t> les packages sont des répertoires</a:t>
-            </a:r>
-          </a:p>
-          <a:p>
-            <a:pPr lvl="1"/>
-            <a:r>
-              <a:rPr lang="fr-FR" dirty="0"/>
-              <a:t>Dedans peuvent se trouver d'autres répertoires (d'autres packages) ou des fichiers (des modules)</a:t>
-            </a:r>
-          </a:p>
-          <a:p>
-            <a:r>
-              <a:rPr lang="fr-FR" dirty="0"/>
-              <a:t>import </a:t>
-            </a:r>
-            <a:r>
-              <a:rPr lang="fr-FR" dirty="0" err="1"/>
-              <a:t>nom_package</a:t>
-            </a:r>
-            <a:r>
-              <a:rPr lang="fr-FR" dirty="0"/>
-              <a:t> (ou </a:t>
-            </a:r>
-            <a:r>
-              <a:rPr lang="fr-FR" dirty="0" err="1"/>
-              <a:t>from</a:t>
-            </a:r>
-            <a:r>
-              <a:rPr lang="fr-FR" dirty="0"/>
-              <a:t> import)</a:t>
-            </a:r>
-          </a:p>
-          <a:p>
-            <a:r>
-              <a:rPr lang="fr-FR" dirty="0"/>
-              <a:t>import </a:t>
-            </a:r>
-            <a:r>
-              <a:rPr lang="fr-FR" dirty="0" err="1"/>
-              <a:t>nom_package.sous_package</a:t>
-            </a:r>
-            <a:endParaRPr lang="fr-FR" dirty="0"/>
-          </a:p>
-          <a:p>
-            <a:endParaRPr lang="fr-FR" dirty="0"/>
-          </a:p>
-        </p:txBody>
-      </p:sp>
-    </p:spTree>
-    <p:extLst>
-      <p:ext uri="{BB962C8B-B14F-4D97-AF65-F5344CB8AC3E}">
-        <p14:creationId xmlns:p14="http://schemas.microsoft.com/office/powerpoint/2010/main" val="3570223045"/>
-      </p:ext>
-    </p:extLst>
-  </p:cSld>
-  <p:clrMapOvr>
-    <a:masterClrMapping/>
-  </p:clrMapOvr>
-  <p:timing>
-    <p:tnLst>
-      <p:par>
-        <p:cTn id="1" dur="indefinite" restart="never" nodeType="tmRoot"/>
-      </p:par>
-    </p:tnLst>
-  </p:timing>
 </p:sld>
 </file>
 
@@ -4614,13 +4452,6 @@
   <p:clrMapOvr>
     <a:masterClrMapping/>
   </p:clrMapOvr>
-  <p:timing>
-    <p:tnLst>
-      <p:par>
-        <p:cTn id="1" dur="indefinite" restart="never" nodeType="tmRoot"/>
-      </p:par>
-    </p:tnLst>
-  </p:timing>
 </p:sld>
 </file>
 
@@ -4834,13 +4665,6 @@
   <p:clrMapOvr>
     <a:masterClrMapping/>
   </p:clrMapOvr>
-  <p:timing>
-    <p:tnLst>
-      <p:par>
-        <p:cTn id="1" dur="indefinite" restart="never" nodeType="tmRoot"/>
-      </p:par>
-    </p:tnLst>
-  </p:timing>
 </p:sld>
 </file>
 
@@ -4955,13 +4779,6 @@
   <p:clrMapOvr>
     <a:masterClrMapping/>
   </p:clrMapOvr>
-  <p:timing>
-    <p:tnLst>
-      <p:par>
-        <p:cTn id="1" dur="indefinite" restart="never" nodeType="tmRoot"/>
-      </p:par>
-    </p:tnLst>
-  </p:timing>
 </p:sld>
 </file>
 
@@ -5084,13 +4901,6 @@
   <p:clrMapOvr>
     <a:masterClrMapping/>
   </p:clrMapOvr>
-  <p:timing>
-    <p:tnLst>
-      <p:par>
-        <p:cTn id="1" dur="indefinite" restart="never" nodeType="tmRoot"/>
-      </p:par>
-    </p:tnLst>
-  </p:timing>
 </p:sld>
 </file>
 
@@ -5324,13 +5134,6 @@
   <p:clrMapOvr>
     <a:masterClrMapping/>
   </p:clrMapOvr>
-  <p:timing>
-    <p:tnLst>
-      <p:par>
-        <p:cTn id="1" dur="indefinite" restart="never" nodeType="tmRoot"/>
-      </p:par>
-    </p:tnLst>
-  </p:timing>
 </p:sld>
 </file>
 
@@ -5524,13 +5327,6 @@
   <p:clrMapOvr>
     <a:masterClrMapping/>
   </p:clrMapOvr>
-  <p:timing>
-    <p:tnLst>
-      <p:par>
-        <p:cTn id="1" dur="indefinite" restart="never" nodeType="tmRoot"/>
-      </p:par>
-    </p:tnLst>
-  </p:timing>
 </p:sld>
 </file>
 
@@ -5636,13 +5432,6 @@
   <p:clrMapOvr>
     <a:masterClrMapping/>
   </p:clrMapOvr>
-  <p:timing>
-    <p:tnLst>
-      <p:par>
-        <p:cTn id="1" dur="indefinite" restart="never" nodeType="tmRoot"/>
-      </p:par>
-    </p:tnLst>
-  </p:timing>
 </p:sld>
 </file>
 
@@ -5798,13 +5587,6 @@
   <p:clrMapOvr>
     <a:masterClrMapping/>
   </p:clrMapOvr>
-  <p:timing>
-    <p:tnLst>
-      <p:par>
-        <p:cTn id="1" dur="indefinite" restart="never" nodeType="tmRoot"/>
-      </p:par>
-    </p:tnLst>
-  </p:timing>
 </p:sld>
 </file>
 
